--- a/slides/Angular Slides Day 3.pptx
+++ b/slides/Angular Slides Day 3.pptx
@@ -7,15 +7,17 @@
   <p:sldIdLst>
     <p:sldId id="256" r:id="rId2"/>
     <p:sldId id="258" r:id="rId3"/>
-    <p:sldId id="283" r:id="rId4"/>
-    <p:sldId id="284" r:id="rId5"/>
-    <p:sldId id="285" r:id="rId6"/>
-    <p:sldId id="286" r:id="rId7"/>
-    <p:sldId id="287" r:id="rId8"/>
-    <p:sldId id="288" r:id="rId9"/>
-    <p:sldId id="289" r:id="rId10"/>
-    <p:sldId id="290" r:id="rId11"/>
-    <p:sldId id="291" r:id="rId12"/>
+    <p:sldId id="292" r:id="rId4"/>
+    <p:sldId id="293" r:id="rId5"/>
+    <p:sldId id="294" r:id="rId6"/>
+    <p:sldId id="283" r:id="rId7"/>
+    <p:sldId id="284" r:id="rId8"/>
+    <p:sldId id="285" r:id="rId9"/>
+    <p:sldId id="286" r:id="rId10"/>
+    <p:sldId id="287" r:id="rId11"/>
+    <p:sldId id="288" r:id="rId12"/>
+    <p:sldId id="289" r:id="rId13"/>
+    <p:sldId id="291" r:id="rId14"/>
   </p:sldIdLst>
   <p:sldSz cx="9144000" cy="6858000" type="screen4x3"/>
   <p:notesSz cx="6858000" cy="9144000"/>
@@ -298,7 +300,7 @@
           <a:p>
             <a:fld id="{6BFECD78-3C8E-49F2-8FAB-59489D168ABB}" type="datetimeFigureOut">
               <a:rPr lang="en-US" smtClean="0"/>
-              <a:t>6/2/16</a:t>
+              <a:t>10/5/16</a:t>
             </a:fld>
             <a:endParaRPr lang="en-US"/>
           </a:p>
@@ -468,7 +470,7 @@
           <a:p>
             <a:fld id="{6BFECD78-3C8E-49F2-8FAB-59489D168ABB}" type="datetimeFigureOut">
               <a:rPr lang="en-US" smtClean="0"/>
-              <a:t>6/2/16</a:t>
+              <a:t>10/5/16</a:t>
             </a:fld>
             <a:endParaRPr lang="en-US"/>
           </a:p>
@@ -648,7 +650,7 @@
           <a:p>
             <a:fld id="{6BFECD78-3C8E-49F2-8FAB-59489D168ABB}" type="datetimeFigureOut">
               <a:rPr lang="en-US" smtClean="0"/>
-              <a:t>6/2/16</a:t>
+              <a:t>10/5/16</a:t>
             </a:fld>
             <a:endParaRPr lang="en-US"/>
           </a:p>
@@ -818,7 +820,7 @@
           <a:p>
             <a:fld id="{6BFECD78-3C8E-49F2-8FAB-59489D168ABB}" type="datetimeFigureOut">
               <a:rPr lang="en-US" smtClean="0"/>
-              <a:t>6/2/16</a:t>
+              <a:t>10/5/16</a:t>
             </a:fld>
             <a:endParaRPr lang="en-US"/>
           </a:p>
@@ -1064,7 +1066,7 @@
           <a:p>
             <a:fld id="{6BFECD78-3C8E-49F2-8FAB-59489D168ABB}" type="datetimeFigureOut">
               <a:rPr lang="en-US" smtClean="0"/>
-              <a:t>6/2/16</a:t>
+              <a:t>10/5/16</a:t>
             </a:fld>
             <a:endParaRPr lang="en-US"/>
           </a:p>
@@ -1352,7 +1354,7 @@
           <a:p>
             <a:fld id="{6BFECD78-3C8E-49F2-8FAB-59489D168ABB}" type="datetimeFigureOut">
               <a:rPr lang="en-US" smtClean="0"/>
-              <a:t>6/2/16</a:t>
+              <a:t>10/5/16</a:t>
             </a:fld>
             <a:endParaRPr lang="en-US"/>
           </a:p>
@@ -1774,7 +1776,7 @@
           <a:p>
             <a:fld id="{6BFECD78-3C8E-49F2-8FAB-59489D168ABB}" type="datetimeFigureOut">
               <a:rPr lang="en-US" smtClean="0"/>
-              <a:t>6/2/16</a:t>
+              <a:t>10/5/16</a:t>
             </a:fld>
             <a:endParaRPr lang="en-US"/>
           </a:p>
@@ -1892,7 +1894,7 @@
           <a:p>
             <a:fld id="{6BFECD78-3C8E-49F2-8FAB-59489D168ABB}" type="datetimeFigureOut">
               <a:rPr lang="en-US" smtClean="0"/>
-              <a:t>6/2/16</a:t>
+              <a:t>10/5/16</a:t>
             </a:fld>
             <a:endParaRPr lang="en-US"/>
           </a:p>
@@ -1987,7 +1989,7 @@
           <a:p>
             <a:fld id="{6BFECD78-3C8E-49F2-8FAB-59489D168ABB}" type="datetimeFigureOut">
               <a:rPr lang="en-US" smtClean="0"/>
-              <a:t>6/2/16</a:t>
+              <a:t>10/5/16</a:t>
             </a:fld>
             <a:endParaRPr lang="en-US"/>
           </a:p>
@@ -2264,7 +2266,7 @@
           <a:p>
             <a:fld id="{6BFECD78-3C8E-49F2-8FAB-59489D168ABB}" type="datetimeFigureOut">
               <a:rPr lang="en-US" smtClean="0"/>
-              <a:t>6/2/16</a:t>
+              <a:t>10/5/16</a:t>
             </a:fld>
             <a:endParaRPr lang="en-US"/>
           </a:p>
@@ -2521,7 +2523,7 @@
           <a:p>
             <a:fld id="{6BFECD78-3C8E-49F2-8FAB-59489D168ABB}" type="datetimeFigureOut">
               <a:rPr lang="en-US" smtClean="0"/>
-              <a:t>6/2/16</a:t>
+              <a:t>10/5/16</a:t>
             </a:fld>
             <a:endParaRPr lang="en-US"/>
           </a:p>
@@ -2734,7 +2736,7 @@
           <a:p>
             <a:fld id="{6BFECD78-3C8E-49F2-8FAB-59489D168ABB}" type="datetimeFigureOut">
               <a:rPr lang="en-US" smtClean="0"/>
-              <a:t>6/2/16</a:t>
+              <a:t>10/5/16</a:t>
             </a:fld>
             <a:endParaRPr lang="en-US"/>
           </a:p>
@@ -3236,10 +3238,9 @@
           <a:bodyPr/>
           <a:lstStyle/>
           <a:p>
-            <a:pPr marL="342900" indent="-342900"/>
             <a:r>
               <a:rPr lang="en-US" dirty="0"/>
-              <a:t>Template reference variables</a:t>
+              <a:t>nG2 Migration Lab</a:t>
             </a:r>
           </a:p>
         </p:txBody>
@@ -3266,187 +3267,22 @@
           </a:bodyPr>
           <a:lstStyle/>
           <a:p>
-            <a:pPr marL="342900" indent="-342900" algn="l">
-              <a:buFont typeface="Arial"/>
-              <a:buChar char="•"/>
-            </a:pPr>
             <a:r>
               <a:rPr lang="en-US" sz="2000" dirty="0" smtClean="0"/>
-              <a:t>Add </a:t>
+              <a:t>Convert </a:t>
             </a:r>
             <a:r>
               <a:rPr lang="en-US" sz="2000" dirty="0"/>
-              <a:t>#</a:t>
-            </a:r>
-            <a:r>
-              <a:rPr lang="en-US" sz="2000" dirty="0" err="1"/>
-              <a:t>varname</a:t>
-            </a:r>
-            <a:r>
-              <a:rPr lang="en-US" sz="2000" dirty="0"/>
-              <a:t> as an </a:t>
-            </a:r>
-            <a:r>
-              <a:rPr lang="en-US" sz="2000" dirty="0" smtClean="0"/>
-              <a:t>attribute</a:t>
-            </a:r>
-            <a:endParaRPr lang="en-US" sz="2000" dirty="0"/>
-          </a:p>
-          <a:p>
-            <a:pPr marL="342900" indent="-342900" algn="l">
-              <a:buFont typeface="Arial"/>
-              <a:buChar char="•"/>
-            </a:pPr>
-            <a:r>
-              <a:rPr lang="en-US" sz="2000" dirty="0" smtClean="0"/>
-              <a:t>References </a:t>
-            </a:r>
-            <a:r>
-              <a:rPr lang="en-US" sz="2000" dirty="0"/>
-              <a:t>element by default</a:t>
-            </a:r>
-          </a:p>
-          <a:p>
-            <a:pPr marL="800100" lvl="1" indent="-342900" algn="l">
-              <a:buFont typeface="Arial"/>
-              <a:buChar char="•"/>
-            </a:pPr>
-            <a:r>
-              <a:rPr lang="en-US" sz="1600" dirty="0" smtClean="0"/>
-              <a:t>&lt;</a:t>
-            </a:r>
-            <a:r>
-              <a:rPr lang="en-US" sz="1600" dirty="0"/>
-              <a:t>input #phone placeholder="phone number"&gt;</a:t>
-            </a:r>
-          </a:p>
-          <a:p>
-            <a:pPr marL="800100" lvl="1" indent="-342900" algn="l">
-              <a:buFont typeface="Arial"/>
-              <a:buChar char="•"/>
-            </a:pPr>
-            <a:r>
-              <a:rPr lang="en-US" sz="1600" dirty="0" smtClean="0"/>
-              <a:t>&lt;</a:t>
-            </a:r>
-            <a:r>
-              <a:rPr lang="en-US" sz="1600" dirty="0"/>
-              <a:t>button (click)="</a:t>
-            </a:r>
-            <a:r>
-              <a:rPr lang="en-US" sz="1600" dirty="0" err="1"/>
-              <a:t>callPhone</a:t>
-            </a:r>
-            <a:r>
-              <a:rPr lang="en-US" sz="1600" dirty="0"/>
-              <a:t>(</a:t>
-            </a:r>
-            <a:r>
-              <a:rPr lang="en-US" sz="1600" dirty="0" err="1"/>
-              <a:t>phone.value</a:t>
-            </a:r>
-            <a:r>
-              <a:rPr lang="en-US" sz="1600" dirty="0"/>
-              <a:t>)"&gt;Call&lt;/button&gt;</a:t>
-            </a:r>
-          </a:p>
-          <a:p>
-            <a:pPr marL="342900" indent="-342900" algn="l">
-              <a:buFont typeface="Arial"/>
-              <a:buChar char="•"/>
-            </a:pPr>
-            <a:r>
-              <a:rPr lang="en-US" sz="2000" dirty="0"/>
-              <a:t>  </a:t>
-            </a:r>
-            <a:r>
-              <a:rPr lang="en-US" sz="2000" dirty="0" smtClean="0"/>
-              <a:t>Or</a:t>
-            </a:r>
-            <a:r>
-              <a:rPr lang="en-US" sz="2000" dirty="0"/>
-              <a:t>, assign </a:t>
-            </a:r>
-            <a:r>
-              <a:rPr lang="en-US" sz="2000" dirty="0" err="1"/>
-              <a:t>var</a:t>
-            </a:r>
-            <a:r>
-              <a:rPr lang="en-US" sz="2000" dirty="0"/>
-              <a:t> to form data</a:t>
-            </a:r>
-          </a:p>
-          <a:p>
-            <a:pPr marL="800100" lvl="1" indent="-342900" algn="l">
-              <a:buFont typeface="Arial"/>
-              <a:buChar char="•"/>
-            </a:pPr>
-            <a:r>
-              <a:rPr lang="en-US" sz="1600" dirty="0" smtClean="0"/>
-              <a:t>&lt;</a:t>
-            </a:r>
-            <a:r>
-              <a:rPr lang="en-US" sz="1600" dirty="0"/>
-              <a:t>input </a:t>
-            </a:r>
-            <a:r>
-              <a:rPr lang="en-US" sz="1600" dirty="0" err="1"/>
-              <a:t>ngControl</a:t>
-            </a:r>
-            <a:r>
-              <a:rPr lang="en-US" sz="1600" dirty="0"/>
-              <a:t>="username"  #name="</a:t>
-            </a:r>
-            <a:r>
-              <a:rPr lang="en-US" sz="1600" dirty="0" err="1"/>
-              <a:t>ngForm</a:t>
-            </a:r>
-            <a:r>
-              <a:rPr lang="en-US" sz="1600" dirty="0"/>
-              <a:t>" &gt;</a:t>
-            </a:r>
-          </a:p>
-          <a:p>
-            <a:pPr marL="800100" lvl="1" indent="-342900" algn="l">
-              <a:buFont typeface="Arial"/>
-              <a:buChar char="•"/>
-            </a:pPr>
-            <a:r>
-              <a:rPr lang="en-US" sz="1600" dirty="0" smtClean="0"/>
-              <a:t>&lt;</a:t>
-            </a:r>
-            <a:r>
-              <a:rPr lang="en-US" sz="1600" dirty="0"/>
-              <a:t>div [hidden]="</a:t>
-            </a:r>
-            <a:r>
-              <a:rPr lang="en-US" sz="1600" dirty="0" err="1"/>
-              <a:t>name.valid</a:t>
-            </a:r>
-            <a:r>
-              <a:rPr lang="en-US" sz="1600" dirty="0"/>
-              <a:t> || </a:t>
-            </a:r>
-            <a:r>
-              <a:rPr lang="en-US" sz="1600" dirty="0" err="1"/>
-              <a:t>name.pristine</a:t>
-            </a:r>
-            <a:r>
-              <a:rPr lang="en-US" sz="1600" dirty="0"/>
-              <a:t>" class="alert alert-</a:t>
-            </a:r>
-            <a:r>
-              <a:rPr lang="en-US" sz="1600" dirty="0" smtClean="0"/>
-              <a:t>danger”&gt;</a:t>
-            </a:r>
-            <a:endParaRPr lang="en-US" sz="1600" dirty="0"/>
+              <a:t>our Jukebox UI to nG2</a:t>
+            </a:r>
+            <a:endParaRPr lang="en-US" sz="800" dirty="0"/>
           </a:p>
         </p:txBody>
       </p:sp>
     </p:spTree>
     <p:extLst>
       <p:ext uri="{BB962C8B-B14F-4D97-AF65-F5344CB8AC3E}">
-        <p14:creationId xmlns:p14="http://schemas.microsoft.com/office/powerpoint/2010/main" val="2999542358"/>
+        <p14:creationId xmlns:p14="http://schemas.microsoft.com/office/powerpoint/2010/main" val="1900653321"/>
       </p:ext>
     </p:extLst>
   </p:cSld>
@@ -3464,6 +3300,732 @@
 </file>
 
 <file path=ppt/slides/slide11.xml><?xml version="1.0" encoding="utf-8"?>
+<p:sld xmlns:a="http://schemas.openxmlformats.org/drawingml/2006/main" xmlns:r="http://schemas.openxmlformats.org/officeDocument/2006/relationships" xmlns:p="http://schemas.openxmlformats.org/presentationml/2006/main">
+  <p:cSld>
+    <p:spTree>
+      <p:nvGrpSpPr>
+        <p:cNvPr id="1" name=""/>
+        <p:cNvGrpSpPr/>
+        <p:nvPr/>
+      </p:nvGrpSpPr>
+      <p:grpSpPr>
+        <a:xfrm>
+          <a:off x="0" y="0"/>
+          <a:ext cx="0" cy="0"/>
+          <a:chOff x="0" y="0"/>
+          <a:chExt cx="0" cy="0"/>
+        </a:xfrm>
+      </p:grpSpPr>
+      <p:sp>
+        <p:nvSpPr>
+          <p:cNvPr id="2" name="Title 1"/>
+          <p:cNvSpPr>
+            <a:spLocks noGrp="1"/>
+          </p:cNvSpPr>
+          <p:nvPr>
+            <p:ph type="ctrTitle"/>
+          </p:nvPr>
+        </p:nvSpPr>
+        <p:spPr>
+          <a:xfrm>
+            <a:off x="685800" y="160685"/>
+            <a:ext cx="7772400" cy="1470025"/>
+          </a:xfrm>
+        </p:spPr>
+        <p:txBody>
+          <a:bodyPr/>
+          <a:lstStyle/>
+          <a:p>
+            <a:r>
+              <a:rPr lang="en-US" dirty="0"/>
+              <a:t>Forms and validation</a:t>
+            </a:r>
+          </a:p>
+        </p:txBody>
+      </p:sp>
+      <p:sp>
+        <p:nvSpPr>
+          <p:cNvPr id="3" name="Subtitle 2"/>
+          <p:cNvSpPr>
+            <a:spLocks noGrp="1"/>
+          </p:cNvSpPr>
+          <p:nvPr>
+            <p:ph type="subTitle" idx="1"/>
+          </p:nvPr>
+        </p:nvSpPr>
+        <p:spPr>
+          <a:xfrm>
+            <a:off x="454651" y="1630710"/>
+            <a:ext cx="8371875" cy="4609893"/>
+          </a:xfrm>
+        </p:spPr>
+        <p:txBody>
+          <a:bodyPr>
+            <a:normAutofit fontScale="92500" lnSpcReduction="10000"/>
+          </a:bodyPr>
+          <a:lstStyle/>
+          <a:p>
+            <a:pPr marL="342900" indent="-342900" algn="l">
+              <a:buFont typeface="Arial"/>
+              <a:buChar char="•"/>
+            </a:pPr>
+            <a:r>
+              <a:rPr lang="en-US" sz="2000" dirty="0" err="1" smtClean="0"/>
+              <a:t>ngModel</a:t>
+            </a:r>
+            <a:r>
+              <a:rPr lang="en-US" sz="2000" dirty="0" smtClean="0"/>
+              <a:t> </a:t>
+            </a:r>
+            <a:r>
+              <a:rPr lang="en-US" sz="2000" dirty="0"/>
+              <a:t>is still available, but forms get a new non-DOM syntax</a:t>
+            </a:r>
+          </a:p>
+          <a:p>
+            <a:pPr marL="800100" lvl="1" indent="-342900" algn="l">
+              <a:buFont typeface="Arial"/>
+              <a:buChar char="•"/>
+            </a:pPr>
+            <a:r>
+              <a:rPr lang="en-US" sz="1600" dirty="0" smtClean="0"/>
+              <a:t>Controls </a:t>
+            </a:r>
+            <a:r>
+              <a:rPr lang="en-US" sz="1600" dirty="0"/>
+              <a:t>are built from Validators</a:t>
+            </a:r>
+          </a:p>
+          <a:p>
+            <a:pPr marL="800100" lvl="1" indent="-342900" algn="l">
+              <a:buFont typeface="Arial"/>
+              <a:buChar char="•"/>
+            </a:pPr>
+            <a:r>
+              <a:rPr lang="en-US" sz="1600" dirty="0" smtClean="0"/>
+              <a:t>email</a:t>
+            </a:r>
+            <a:r>
+              <a:rPr lang="en-US" sz="1600" dirty="0"/>
+              <a:t>: new Control("email", </a:t>
+            </a:r>
+            <a:r>
+              <a:rPr lang="en-US" sz="1600" dirty="0" err="1"/>
+              <a:t>Validators.required</a:t>
+            </a:r>
+            <a:r>
+              <a:rPr lang="en-US" sz="1600" dirty="0"/>
+              <a:t>)</a:t>
+            </a:r>
+          </a:p>
+          <a:p>
+            <a:pPr marL="800100" lvl="1" indent="-342900" algn="l">
+              <a:buFont typeface="Arial"/>
+              <a:buChar char="•"/>
+            </a:pPr>
+            <a:r>
+              <a:rPr lang="en-US" sz="1600" dirty="0" err="1" smtClean="0"/>
+              <a:t>ControlGroup</a:t>
+            </a:r>
+            <a:r>
+              <a:rPr lang="en-US" sz="1600" dirty="0" smtClean="0"/>
+              <a:t> </a:t>
+            </a:r>
+            <a:r>
+              <a:rPr lang="en-US" sz="1600" dirty="0"/>
+              <a:t>built from controls</a:t>
+            </a:r>
+          </a:p>
+          <a:p>
+            <a:pPr marL="800100" lvl="1" indent="-342900" algn="l">
+              <a:buFont typeface="Arial"/>
+              <a:buChar char="•"/>
+            </a:pPr>
+            <a:r>
+              <a:rPr lang="en-US" sz="1600" dirty="0" err="1" smtClean="0"/>
+              <a:t>FormBuilder</a:t>
+            </a:r>
+            <a:r>
+              <a:rPr lang="en-US" sz="1600" dirty="0" smtClean="0"/>
+              <a:t> </a:t>
+            </a:r>
+            <a:r>
+              <a:rPr lang="en-US" sz="1600" dirty="0"/>
+              <a:t>available as sugar for creating the whole </a:t>
+            </a:r>
+            <a:r>
+              <a:rPr lang="en-US" sz="1600" dirty="0" err="1"/>
+              <a:t>kaboodle</a:t>
+            </a:r>
+            <a:endParaRPr lang="en-US" sz="1600" dirty="0"/>
+          </a:p>
+          <a:p>
+            <a:pPr marL="342900" indent="-342900" algn="l">
+              <a:buFont typeface="Arial"/>
+              <a:buChar char="•"/>
+            </a:pPr>
+            <a:r>
+              <a:rPr lang="en-US" sz="2000" dirty="0" err="1" smtClean="0"/>
+              <a:t>ngControl</a:t>
+            </a:r>
+            <a:endParaRPr lang="en-US" sz="2000" dirty="0"/>
+          </a:p>
+          <a:p>
+            <a:pPr marL="800100" lvl="1" indent="-342900" algn="l">
+              <a:buFont typeface="Arial"/>
+              <a:buChar char="•"/>
+            </a:pPr>
+            <a:r>
+              <a:rPr lang="en-US" sz="1600" dirty="0" smtClean="0"/>
+              <a:t>Tracks </a:t>
+            </a:r>
+            <a:r>
+              <a:rPr lang="en-US" sz="1600" dirty="0"/>
+              <a:t>state and validity by creating Control object</a:t>
+            </a:r>
+          </a:p>
+          <a:p>
+            <a:pPr marL="800100" lvl="1" indent="-342900" algn="l">
+              <a:buFont typeface="Arial"/>
+              <a:buChar char="•"/>
+            </a:pPr>
+            <a:r>
+              <a:rPr lang="en-US" sz="1600" dirty="0" smtClean="0"/>
+              <a:t>Applies </a:t>
+            </a:r>
+            <a:r>
+              <a:rPr lang="en-US" sz="1600" dirty="0"/>
+              <a:t>classes to element based on UI actions:</a:t>
+            </a:r>
+          </a:p>
+          <a:p>
+            <a:pPr marL="800100" lvl="1" indent="-342900" algn="l">
+              <a:buFont typeface="Arial"/>
+              <a:buChar char="•"/>
+            </a:pPr>
+            <a:r>
+              <a:rPr lang="en-US" sz="1600" dirty="0" smtClean="0"/>
+              <a:t>Control </a:t>
+            </a:r>
+            <a:r>
+              <a:rPr lang="en-US" sz="1600" dirty="0"/>
+              <a:t>visited: </a:t>
+            </a:r>
+            <a:r>
+              <a:rPr lang="en-US" sz="1600" dirty="0" err="1"/>
+              <a:t>ng</a:t>
+            </a:r>
+            <a:r>
+              <a:rPr lang="en-US" sz="1600" dirty="0"/>
+              <a:t>-touched/</a:t>
+            </a:r>
+            <a:r>
+              <a:rPr lang="en-US" sz="1600" dirty="0" err="1"/>
+              <a:t>ng</a:t>
+            </a:r>
+            <a:r>
+              <a:rPr lang="en-US" sz="1600" dirty="0"/>
+              <a:t>-untouched</a:t>
+            </a:r>
+          </a:p>
+          <a:p>
+            <a:pPr marL="800100" lvl="1" indent="-342900" algn="l">
+              <a:buFont typeface="Arial"/>
+              <a:buChar char="•"/>
+            </a:pPr>
+            <a:r>
+              <a:rPr lang="en-US" sz="1600" dirty="0" smtClean="0"/>
+              <a:t>Controls </a:t>
+            </a:r>
+            <a:r>
+              <a:rPr lang="en-US" sz="1600" dirty="0"/>
+              <a:t>value changed: </a:t>
+            </a:r>
+            <a:r>
+              <a:rPr lang="en-US" sz="1600" dirty="0" err="1"/>
+              <a:t>ng</a:t>
+            </a:r>
+            <a:r>
+              <a:rPr lang="en-US" sz="1600" dirty="0"/>
+              <a:t>-dirty/</a:t>
+            </a:r>
+            <a:r>
+              <a:rPr lang="en-US" sz="1600" dirty="0" err="1"/>
+              <a:t>ng</a:t>
+            </a:r>
+            <a:r>
+              <a:rPr lang="en-US" sz="1600" dirty="0"/>
+              <a:t>-pristine</a:t>
+            </a:r>
+          </a:p>
+          <a:p>
+            <a:pPr marL="800100" lvl="1" indent="-342900" algn="l">
+              <a:buFont typeface="Arial"/>
+              <a:buChar char="•"/>
+            </a:pPr>
+            <a:r>
+              <a:rPr lang="en-US" sz="1600" dirty="0" smtClean="0"/>
+              <a:t>Controls </a:t>
+            </a:r>
+            <a:r>
+              <a:rPr lang="en-US" sz="1600" dirty="0"/>
+              <a:t>value valid:  </a:t>
+            </a:r>
+            <a:r>
+              <a:rPr lang="en-US" sz="1600" dirty="0" err="1"/>
+              <a:t>ng</a:t>
+            </a:r>
+            <a:r>
+              <a:rPr lang="en-US" sz="1600" dirty="0"/>
+              <a:t>-valid/</a:t>
+            </a:r>
+            <a:r>
+              <a:rPr lang="en-US" sz="1600" dirty="0" err="1"/>
+              <a:t>ng</a:t>
+            </a:r>
+            <a:r>
+              <a:rPr lang="en-US" sz="1600" dirty="0"/>
+              <a:t>-</a:t>
+            </a:r>
+            <a:r>
+              <a:rPr lang="en-US" sz="1600" dirty="0" smtClean="0"/>
+              <a:t>invalid</a:t>
+            </a:r>
+            <a:endParaRPr lang="en-US" sz="1600" dirty="0"/>
+          </a:p>
+          <a:p>
+            <a:pPr marL="457200" indent="-457200" algn="l">
+              <a:buFont typeface="Arial"/>
+              <a:buChar char="•"/>
+            </a:pPr>
+            <a:r>
+              <a:rPr lang="en-US" sz="2100" dirty="0"/>
+              <a:t> </a:t>
+            </a:r>
+            <a:r>
+              <a:rPr lang="en-US" sz="2100" dirty="0" smtClean="0"/>
+              <a:t>Form </a:t>
+            </a:r>
+            <a:r>
+              <a:rPr lang="en-US" sz="2100" dirty="0"/>
+              <a:t>gotchas</a:t>
+            </a:r>
+          </a:p>
+          <a:p>
+            <a:pPr marL="914400" lvl="1" indent="-457200" algn="l">
+              <a:buFont typeface="Arial"/>
+              <a:buChar char="•"/>
+            </a:pPr>
+            <a:r>
+              <a:rPr lang="en-US" sz="1600" dirty="0" err="1" smtClean="0"/>
+              <a:t>nG</a:t>
+            </a:r>
+            <a:r>
+              <a:rPr lang="en-US" sz="1600" dirty="0" smtClean="0"/>
+              <a:t> </a:t>
+            </a:r>
+            <a:r>
+              <a:rPr lang="en-US" sz="1600" dirty="0"/>
+              <a:t>adds </a:t>
+            </a:r>
+            <a:r>
+              <a:rPr lang="en-US" sz="1600" dirty="0" err="1"/>
+              <a:t>ngForm</a:t>
+            </a:r>
+            <a:r>
+              <a:rPr lang="en-US" sz="1600" dirty="0"/>
+              <a:t> directive to &lt;form&gt; automatically</a:t>
+            </a:r>
+          </a:p>
+          <a:p>
+            <a:pPr marL="914400" lvl="1" indent="-457200" algn="l">
+              <a:buFont typeface="Arial"/>
+              <a:buChar char="•"/>
+            </a:pPr>
+            <a:r>
+              <a:rPr lang="en-US" sz="1600" dirty="0" err="1" smtClean="0"/>
+              <a:t>NgForm</a:t>
+            </a:r>
+            <a:r>
+              <a:rPr lang="en-US" sz="1600" dirty="0"/>
+              <a:t>, </a:t>
+            </a:r>
+            <a:r>
+              <a:rPr lang="en-US" sz="1600" dirty="0" err="1"/>
+              <a:t>NgModel</a:t>
+            </a:r>
+            <a:r>
+              <a:rPr lang="en-US" sz="1600" dirty="0"/>
+              <a:t>, </a:t>
+            </a:r>
+            <a:r>
+              <a:rPr lang="en-US" sz="1600" dirty="0" err="1"/>
+              <a:t>NgControlName</a:t>
+            </a:r>
+            <a:r>
+              <a:rPr lang="en-US" sz="1600" dirty="0"/>
+              <a:t> and </a:t>
+            </a:r>
+            <a:r>
+              <a:rPr lang="en-US" sz="1600" dirty="0" err="1"/>
+              <a:t>NgControlGroup</a:t>
+            </a:r>
+            <a:r>
+              <a:rPr lang="en-US" sz="1600" dirty="0"/>
+              <a:t> all </a:t>
+            </a:r>
+            <a:r>
+              <a:rPr lang="en-US" sz="1600" dirty="0" err="1"/>
+              <a:t>exportAs</a:t>
+            </a:r>
+            <a:r>
+              <a:rPr lang="en-US" sz="1600" dirty="0"/>
+              <a:t> "</a:t>
+            </a:r>
+            <a:r>
+              <a:rPr lang="en-US" sz="1600" dirty="0" err="1" smtClean="0"/>
+              <a:t>ngForm</a:t>
+            </a:r>
+            <a:r>
+              <a:rPr lang="en-US" sz="1600" dirty="0" smtClean="0"/>
+              <a:t>”</a:t>
+            </a:r>
+          </a:p>
+          <a:p>
+            <a:pPr marL="914400" lvl="1" indent="-457200" algn="l">
+              <a:buFont typeface="Arial"/>
+              <a:buChar char="•"/>
+            </a:pPr>
+            <a:r>
+              <a:rPr lang="en-US" sz="1600" dirty="0" err="1" smtClean="0"/>
+              <a:t>ngModel</a:t>
+            </a:r>
+            <a:r>
+              <a:rPr lang="en-US" sz="1600" dirty="0" smtClean="0"/>
+              <a:t> overridden when any other applied to same element</a:t>
+            </a:r>
+          </a:p>
+          <a:p>
+            <a:pPr marL="914400" lvl="1" indent="-457200" algn="l">
+              <a:buFont typeface="Arial"/>
+              <a:buChar char="•"/>
+            </a:pPr>
+            <a:r>
+              <a:rPr lang="en-US" sz="1900" dirty="0" err="1" smtClean="0"/>
+              <a:t>ngControl</a:t>
+            </a:r>
+            <a:r>
+              <a:rPr lang="en-US" sz="1900" dirty="0" smtClean="0"/>
+              <a:t> </a:t>
+            </a:r>
+            <a:r>
+              <a:rPr lang="en-US" sz="1900" dirty="0"/>
+              <a:t>attribute =&gt; directive </a:t>
+            </a:r>
+            <a:r>
+              <a:rPr lang="en-US" sz="1900" dirty="0" err="1"/>
+              <a:t>ngControlName</a:t>
+            </a:r>
+            <a:r>
+              <a:rPr lang="en-US" sz="1900" dirty="0"/>
+              <a:t> (</a:t>
+            </a:r>
+            <a:r>
+              <a:rPr lang="en-US" sz="1900" dirty="0" err="1"/>
+              <a:t>ngControl</a:t>
+            </a:r>
+            <a:r>
+              <a:rPr lang="en-US" sz="1900" dirty="0"/>
+              <a:t> is abstract)</a:t>
+            </a:r>
+          </a:p>
+        </p:txBody>
+      </p:sp>
+    </p:spTree>
+    <p:extLst>
+      <p:ext uri="{BB962C8B-B14F-4D97-AF65-F5344CB8AC3E}">
+        <p14:creationId xmlns:p14="http://schemas.microsoft.com/office/powerpoint/2010/main" val="1484393367"/>
+      </p:ext>
+    </p:extLst>
+  </p:cSld>
+  <p:clrMapOvr>
+    <a:masterClrMapping/>
+  </p:clrMapOvr>
+  <p:timing>
+    <p:tnLst>
+      <p:par>
+        <p:cTn xmlns:p14="http://schemas.microsoft.com/office/powerpoint/2010/main" id="1" dur="indefinite" restart="never" nodeType="tmRoot"/>
+      </p:par>
+    </p:tnLst>
+  </p:timing>
+</p:sld>
+</file>
+
+<file path=ppt/slides/slide12.xml><?xml version="1.0" encoding="utf-8"?>
+<p:sld xmlns:a="http://schemas.openxmlformats.org/drawingml/2006/main" xmlns:r="http://schemas.openxmlformats.org/officeDocument/2006/relationships" xmlns:p="http://schemas.openxmlformats.org/presentationml/2006/main">
+  <p:cSld>
+    <p:spTree>
+      <p:nvGrpSpPr>
+        <p:cNvPr id="1" name=""/>
+        <p:cNvGrpSpPr/>
+        <p:nvPr/>
+      </p:nvGrpSpPr>
+      <p:grpSpPr>
+        <a:xfrm>
+          <a:off x="0" y="0"/>
+          <a:ext cx="0" cy="0"/>
+          <a:chOff x="0" y="0"/>
+          <a:chExt cx="0" cy="0"/>
+        </a:xfrm>
+      </p:grpSpPr>
+      <p:sp>
+        <p:nvSpPr>
+          <p:cNvPr id="2" name="Title 1"/>
+          <p:cNvSpPr>
+            <a:spLocks noGrp="1"/>
+          </p:cNvSpPr>
+          <p:nvPr>
+            <p:ph type="ctrTitle"/>
+          </p:nvPr>
+        </p:nvSpPr>
+        <p:spPr>
+          <a:xfrm>
+            <a:off x="685800" y="160685"/>
+            <a:ext cx="7772400" cy="1470025"/>
+          </a:xfrm>
+        </p:spPr>
+        <p:txBody>
+          <a:bodyPr/>
+          <a:lstStyle/>
+          <a:p>
+            <a:pPr marL="342900" indent="-342900"/>
+            <a:r>
+              <a:rPr lang="en-US" dirty="0"/>
+              <a:t>Template reference variables</a:t>
+            </a:r>
+          </a:p>
+        </p:txBody>
+      </p:sp>
+      <p:sp>
+        <p:nvSpPr>
+          <p:cNvPr id="3" name="Subtitle 2"/>
+          <p:cNvSpPr>
+            <a:spLocks noGrp="1"/>
+          </p:cNvSpPr>
+          <p:nvPr>
+            <p:ph type="subTitle" idx="1"/>
+          </p:nvPr>
+        </p:nvSpPr>
+        <p:spPr>
+          <a:xfrm>
+            <a:off x="454651" y="1630710"/>
+            <a:ext cx="8371875" cy="4609893"/>
+          </a:xfrm>
+        </p:spPr>
+        <p:txBody>
+          <a:bodyPr>
+            <a:normAutofit/>
+          </a:bodyPr>
+          <a:lstStyle/>
+          <a:p>
+            <a:pPr marL="342900" indent="-342900" algn="l">
+              <a:buFont typeface="Arial"/>
+              <a:buChar char="•"/>
+            </a:pPr>
+            <a:r>
+              <a:rPr lang="en-US" sz="2000" dirty="0" smtClean="0"/>
+              <a:t>Add </a:t>
+            </a:r>
+            <a:r>
+              <a:rPr lang="en-US" sz="2000" dirty="0"/>
+              <a:t>#</a:t>
+            </a:r>
+            <a:r>
+              <a:rPr lang="en-US" sz="2000" dirty="0" err="1"/>
+              <a:t>varname</a:t>
+            </a:r>
+            <a:r>
+              <a:rPr lang="en-US" sz="2000" dirty="0"/>
+              <a:t> as an </a:t>
+            </a:r>
+            <a:r>
+              <a:rPr lang="en-US" sz="2000" dirty="0" smtClean="0"/>
+              <a:t>attribute</a:t>
+            </a:r>
+            <a:endParaRPr lang="en-US" sz="2000" dirty="0"/>
+          </a:p>
+          <a:p>
+            <a:pPr marL="342900" indent="-342900" algn="l">
+              <a:buFont typeface="Arial"/>
+              <a:buChar char="•"/>
+            </a:pPr>
+            <a:r>
+              <a:rPr lang="en-US" sz="2000" dirty="0" smtClean="0"/>
+              <a:t>References </a:t>
+            </a:r>
+            <a:r>
+              <a:rPr lang="en-US" sz="2000" dirty="0"/>
+              <a:t>element by default</a:t>
+            </a:r>
+          </a:p>
+          <a:p>
+            <a:pPr marL="800100" lvl="1" indent="-342900" algn="l">
+              <a:buFont typeface="Arial"/>
+              <a:buChar char="•"/>
+            </a:pPr>
+            <a:r>
+              <a:rPr lang="en-US" sz="1600" dirty="0" smtClean="0"/>
+              <a:t>&lt;</a:t>
+            </a:r>
+            <a:r>
+              <a:rPr lang="en-US" sz="1600" dirty="0"/>
+              <a:t>input #phone placeholder="phone number"&gt;</a:t>
+            </a:r>
+          </a:p>
+          <a:p>
+            <a:pPr marL="800100" lvl="1" indent="-342900" algn="l">
+              <a:buFont typeface="Arial"/>
+              <a:buChar char="•"/>
+            </a:pPr>
+            <a:r>
+              <a:rPr lang="en-US" sz="1600" dirty="0" smtClean="0"/>
+              <a:t>&lt;</a:t>
+            </a:r>
+            <a:r>
+              <a:rPr lang="en-US" sz="1600" dirty="0"/>
+              <a:t>button (click)="</a:t>
+            </a:r>
+            <a:r>
+              <a:rPr lang="en-US" sz="1600" dirty="0" err="1"/>
+              <a:t>callPhone</a:t>
+            </a:r>
+            <a:r>
+              <a:rPr lang="en-US" sz="1600" dirty="0"/>
+              <a:t>(</a:t>
+            </a:r>
+            <a:r>
+              <a:rPr lang="en-US" sz="1600" dirty="0" err="1"/>
+              <a:t>phone.value</a:t>
+            </a:r>
+            <a:r>
+              <a:rPr lang="en-US" sz="1600" dirty="0"/>
+              <a:t>)"&gt;Call&lt;/button&gt;</a:t>
+            </a:r>
+          </a:p>
+          <a:p>
+            <a:pPr marL="342900" indent="-342900" algn="l">
+              <a:buFont typeface="Arial"/>
+              <a:buChar char="•"/>
+            </a:pPr>
+            <a:r>
+              <a:rPr lang="en-US" sz="2000" dirty="0"/>
+              <a:t>  </a:t>
+            </a:r>
+            <a:r>
+              <a:rPr lang="en-US" sz="2000" dirty="0" smtClean="0"/>
+              <a:t>Or</a:t>
+            </a:r>
+            <a:r>
+              <a:rPr lang="en-US" sz="2000" dirty="0"/>
+              <a:t>, assign </a:t>
+            </a:r>
+            <a:r>
+              <a:rPr lang="en-US" sz="2000" dirty="0" err="1"/>
+              <a:t>var</a:t>
+            </a:r>
+            <a:r>
+              <a:rPr lang="en-US" sz="2000" dirty="0"/>
+              <a:t> to form data</a:t>
+            </a:r>
+          </a:p>
+          <a:p>
+            <a:pPr marL="800100" lvl="1" indent="-342900" algn="l">
+              <a:buFont typeface="Arial"/>
+              <a:buChar char="•"/>
+            </a:pPr>
+            <a:r>
+              <a:rPr lang="en-US" sz="1600" dirty="0" smtClean="0"/>
+              <a:t>&lt;</a:t>
+            </a:r>
+            <a:r>
+              <a:rPr lang="en-US" sz="1600" dirty="0"/>
+              <a:t>input </a:t>
+            </a:r>
+            <a:r>
+              <a:rPr lang="en-US" sz="1600" dirty="0" err="1"/>
+              <a:t>ngControl</a:t>
+            </a:r>
+            <a:r>
+              <a:rPr lang="en-US" sz="1600" dirty="0"/>
+              <a:t>="username"  #name="</a:t>
+            </a:r>
+            <a:r>
+              <a:rPr lang="en-US" sz="1600" dirty="0" err="1"/>
+              <a:t>ngForm</a:t>
+            </a:r>
+            <a:r>
+              <a:rPr lang="en-US" sz="1600" dirty="0"/>
+              <a:t>" &gt;</a:t>
+            </a:r>
+          </a:p>
+          <a:p>
+            <a:pPr marL="800100" lvl="1" indent="-342900" algn="l">
+              <a:buFont typeface="Arial"/>
+              <a:buChar char="•"/>
+            </a:pPr>
+            <a:r>
+              <a:rPr lang="en-US" sz="1600" dirty="0" smtClean="0"/>
+              <a:t>&lt;</a:t>
+            </a:r>
+            <a:r>
+              <a:rPr lang="en-US" sz="1600" dirty="0"/>
+              <a:t>div [hidden]="</a:t>
+            </a:r>
+            <a:r>
+              <a:rPr lang="en-US" sz="1600" dirty="0" err="1"/>
+              <a:t>name.valid</a:t>
+            </a:r>
+            <a:r>
+              <a:rPr lang="en-US" sz="1600" dirty="0"/>
+              <a:t> || </a:t>
+            </a:r>
+            <a:r>
+              <a:rPr lang="en-US" sz="1600" dirty="0" err="1"/>
+              <a:t>name.pristine</a:t>
+            </a:r>
+            <a:r>
+              <a:rPr lang="en-US" sz="1600" dirty="0"/>
+              <a:t>" class="alert alert-</a:t>
+            </a:r>
+            <a:r>
+              <a:rPr lang="en-US" sz="1600" dirty="0" smtClean="0"/>
+              <a:t>danger”&gt;</a:t>
+            </a:r>
+            <a:endParaRPr lang="en-US" sz="1600" dirty="0"/>
+          </a:p>
+        </p:txBody>
+      </p:sp>
+    </p:spTree>
+    <p:extLst>
+      <p:ext uri="{BB962C8B-B14F-4D97-AF65-F5344CB8AC3E}">
+        <p14:creationId xmlns:p14="http://schemas.microsoft.com/office/powerpoint/2010/main" val="3880746114"/>
+      </p:ext>
+    </p:extLst>
+  </p:cSld>
+  <p:clrMapOvr>
+    <a:masterClrMapping/>
+  </p:clrMapOvr>
+  <p:timing>
+    <p:tnLst>
+      <p:par>
+        <p:cTn xmlns:p14="http://schemas.microsoft.com/office/powerpoint/2010/main" id="1" dur="indefinite" restart="never" nodeType="tmRoot"/>
+      </p:par>
+    </p:tnLst>
+  </p:timing>
+</p:sld>
+</file>
+
+<file path=ppt/slides/slide13.xml><?xml version="1.0" encoding="utf-8"?>
 <p:sld xmlns:a="http://schemas.openxmlformats.org/drawingml/2006/main" xmlns:r="http://schemas.openxmlformats.org/officeDocument/2006/relationships" xmlns:p="http://schemas.openxmlformats.org/presentationml/2006/main">
   <p:cSld>
     <p:spTree>
@@ -3636,7 +4198,6 @@
               <a:rPr lang="en-US" sz="1600" dirty="0" smtClean="0"/>
               <a:t>Review</a:t>
             </a:r>
-            <a:endParaRPr lang="en-US" sz="1600" dirty="0" smtClean="0"/>
           </a:p>
           <a:p>
             <a:pPr marL="342900" indent="-342900" algn="l">
@@ -3661,7 +4222,6 @@
               <a:rPr lang="en-US" sz="1600" dirty="0" smtClean="0"/>
               <a:t>1.5 =&gt; 2.0 migration strategy</a:t>
             </a:r>
-            <a:endParaRPr lang="en-US" sz="1600" dirty="0" smtClean="0"/>
           </a:p>
           <a:p>
             <a:pPr marL="342900" indent="-342900" algn="l">
@@ -3686,7 +4246,6 @@
               <a:rPr lang="en-US" sz="1600" dirty="0" smtClean="0"/>
               <a:t> 2 Forms</a:t>
             </a:r>
-            <a:endParaRPr lang="en-US" sz="1600" dirty="0" smtClean="0"/>
           </a:p>
           <a:p>
             <a:pPr marL="342900" indent="-342900" algn="l">
@@ -3697,7 +4256,6 @@
               <a:rPr lang="en-US" sz="1600" dirty="0" smtClean="0"/>
               <a:t>Forms Lab</a:t>
             </a:r>
-            <a:endParaRPr lang="en-US" sz="1600" dirty="0" smtClean="0"/>
           </a:p>
         </p:txBody>
       </p:sp>
@@ -3758,18 +4316,9 @@
           <a:bodyPr/>
           <a:lstStyle/>
           <a:p>
-            <a:pPr marL="342900" indent="-342900"/>
             <a:r>
               <a:rPr lang="en-US" dirty="0"/>
-              <a:t>Component Architecture in </a:t>
-            </a:r>
-            <a:r>
-              <a:rPr lang="en-US" dirty="0" err="1"/>
-              <a:t>nG</a:t>
-            </a:r>
-            <a:r>
-              <a:rPr lang="en-US" dirty="0"/>
-              <a:t> 2</a:t>
+              <a:t>Built in filters</a:t>
             </a:r>
           </a:p>
         </p:txBody>
@@ -3801,65 +4350,122 @@
               <a:buChar char="•"/>
             </a:pPr>
             <a:r>
+              <a:rPr lang="en-US" sz="2400" dirty="0" smtClean="0"/>
+              <a:t>Filters get a </a:t>
+            </a:r>
+            <a:r>
+              <a:rPr lang="en-US" sz="2400" dirty="0"/>
+              <a:t>template </a:t>
+            </a:r>
+            <a:r>
+              <a:rPr lang="en-US" sz="2400" dirty="0" smtClean="0"/>
+              <a:t>expression</a:t>
+            </a:r>
+            <a:r>
+              <a:rPr lang="en-US" sz="2400" dirty="0"/>
+              <a:t> “piped</a:t>
+            </a:r>
+            <a:r>
+              <a:rPr lang="en-US" sz="2400" dirty="0" smtClean="0"/>
+              <a:t>” to them</a:t>
+            </a:r>
+            <a:endParaRPr lang="en-US" sz="2400" dirty="0"/>
+          </a:p>
+          <a:p>
+            <a:pPr marL="342900" indent="-342900" algn="l">
+              <a:buFont typeface="Arial"/>
+              <a:buChar char="•"/>
+            </a:pPr>
+            <a:r>
+              <a:rPr lang="en-US" sz="2400" dirty="0" smtClean="0"/>
+              <a:t>&lt;</a:t>
+            </a:r>
+            <a:r>
+              <a:rPr lang="en-US" sz="2400" dirty="0"/>
+              <a:t>p </a:t>
+            </a:r>
+            <a:r>
+              <a:rPr lang="en-US" sz="2400" dirty="0" err="1"/>
+              <a:t>ng</a:t>
+            </a:r>
+            <a:r>
+              <a:rPr lang="en-US" sz="2400" dirty="0"/>
+              <a:t>-some-directive="{{ value | </a:t>
+            </a:r>
+            <a:r>
+              <a:rPr lang="en-US" sz="2400" dirty="0" err="1"/>
+              <a:t>filtername</a:t>
+            </a:r>
+            <a:r>
+              <a:rPr lang="en-US" sz="2400" dirty="0"/>
+              <a:t> }}"&lt;/p&gt;</a:t>
+            </a:r>
+          </a:p>
+          <a:p>
+            <a:pPr marL="342900" indent="-342900" algn="l">
+              <a:buFont typeface="Arial"/>
+              <a:buChar char="•"/>
+            </a:pPr>
+            <a:r>
+              <a:rPr lang="en-US" sz="2400" dirty="0" smtClean="0"/>
+              <a:t>Chainable: </a:t>
+            </a:r>
+            <a:r>
+              <a:rPr lang="en-US" sz="2400" dirty="0"/>
+              <a:t>{{ value | </a:t>
+            </a:r>
+            <a:r>
+              <a:rPr lang="en-US" sz="2400" dirty="0" err="1"/>
+              <a:t>filtername</a:t>
+            </a:r>
+            <a:r>
+              <a:rPr lang="en-US" sz="2400" dirty="0"/>
+              <a:t> | </a:t>
+            </a:r>
+            <a:r>
+              <a:rPr lang="en-US" sz="2400" dirty="0" err="1"/>
+              <a:t>anotherfilter</a:t>
+            </a:r>
+            <a:r>
+              <a:rPr lang="en-US" sz="2400" dirty="0"/>
+              <a:t> }}</a:t>
+            </a:r>
+          </a:p>
+          <a:p>
+            <a:pPr marL="342900" indent="-342900" algn="l">
+              <a:buFont typeface="Arial"/>
+              <a:buChar char="•"/>
+            </a:pPr>
+            <a:r>
+              <a:rPr lang="en-US" sz="2400" dirty="0" smtClean="0"/>
+              <a:t>Accepts </a:t>
+            </a:r>
+            <a:r>
+              <a:rPr lang="en-US" sz="2400" dirty="0"/>
+              <a:t>parameters with colon: </a:t>
+            </a:r>
+            <a:endParaRPr lang="en-US" sz="2400" dirty="0" smtClean="0"/>
+          </a:p>
+          <a:p>
+            <a:pPr marL="800100" lvl="1" indent="-342900" algn="l">
+              <a:buFont typeface="Arial"/>
+              <a:buChar char="•"/>
+            </a:pPr>
+            <a:r>
               <a:rPr lang="en-US" sz="2000" dirty="0" smtClean="0"/>
-              <a:t>Components </a:t>
+              <a:t>{</a:t>
             </a:r>
             <a:r>
               <a:rPr lang="en-US" sz="2000" dirty="0"/>
-              <a:t>consist of...</a:t>
-            </a:r>
-          </a:p>
-          <a:p>
-            <a:pPr marL="800100" lvl="1" indent="-342900" algn="l">
-              <a:buFont typeface="Arial"/>
-              <a:buChar char="•"/>
-            </a:pPr>
-            <a:r>
-              <a:rPr lang="en-US" sz="1600" dirty="0" smtClean="0"/>
-              <a:t>A </a:t>
-            </a:r>
-            <a:r>
-              <a:rPr lang="en-US" sz="1600" dirty="0"/>
-              <a:t>directives with sensible defaults (i.e., restrict to element)</a:t>
-            </a:r>
-          </a:p>
-          <a:p>
-            <a:pPr marL="800100" lvl="1" indent="-342900" algn="l">
-              <a:buFont typeface="Arial"/>
-              <a:buChar char="•"/>
-            </a:pPr>
-            <a:r>
-              <a:rPr lang="en-US" sz="1600" dirty="0" smtClean="0"/>
-              <a:t>Template</a:t>
-            </a:r>
-            <a:endParaRPr lang="en-US" sz="1600" dirty="0"/>
-          </a:p>
-          <a:p>
-            <a:pPr marL="800100" lvl="1" indent="-342900" algn="l">
-              <a:buFont typeface="Arial"/>
-              <a:buChar char="•"/>
-            </a:pPr>
-            <a:r>
-              <a:rPr lang="en-US" sz="1600" dirty="0" smtClean="0"/>
-              <a:t>Controller </a:t>
-            </a:r>
-            <a:r>
-              <a:rPr lang="en-US" sz="1600" dirty="0"/>
-              <a:t>(ES6 Class)</a:t>
-            </a:r>
-          </a:p>
-          <a:p>
-            <a:pPr marL="800100" lvl="1" indent="-342900" algn="l">
-              <a:buFont typeface="Arial"/>
-              <a:buChar char="•"/>
-            </a:pPr>
-            <a:r>
-              <a:rPr lang="en-US" sz="1600" dirty="0" smtClean="0"/>
-              <a:t>An </a:t>
-            </a:r>
-            <a:r>
-              <a:rPr lang="en-US" sz="1600" dirty="0"/>
-              <a:t>API to communicate outside (Input and Output props)</a:t>
+              <a:t>{ value | </a:t>
+            </a:r>
+            <a:r>
+              <a:rPr lang="en-US" sz="2000" dirty="0" err="1"/>
+              <a:t>filtername:oneparameter:anotherparam</a:t>
+            </a:r>
+            <a:r>
+              <a:rPr lang="en-US" sz="2000" dirty="0"/>
+              <a:t> }}</a:t>
             </a:r>
           </a:p>
           <a:p>
@@ -3868,12 +4474,12 @@
               <a:buChar char="•"/>
             </a:pPr>
             <a:r>
-              <a:rPr lang="en-US" sz="2000" dirty="0" smtClean="0"/>
-              <a:t>Components </a:t>
-            </a:r>
-            <a:r>
-              <a:rPr lang="en-US" sz="2000" dirty="0"/>
-              <a:t>have everything they need to be self contained units of code</a:t>
+              <a:rPr lang="en-US" sz="2400" dirty="0" smtClean="0"/>
+              <a:t>Watch </a:t>
+            </a:r>
+            <a:r>
+              <a:rPr lang="en-US" sz="2400" dirty="0"/>
+              <a:t>out for performance penalties (filters can be expensive)</a:t>
             </a:r>
           </a:p>
           <a:p>
@@ -3882,34 +4488,27 @@
               <a:buChar char="•"/>
             </a:pPr>
             <a:r>
-              <a:rPr lang="en-US" sz="2000" dirty="0" smtClean="0"/>
-              <a:t>nG2 </a:t>
-            </a:r>
-            <a:r>
-              <a:rPr lang="en-US" sz="2000" dirty="0"/>
-              <a:t>apps should be made by composing reusable components into new features</a:t>
-            </a:r>
-            <a:endParaRPr lang="en-US" sz="1600" dirty="0"/>
+              <a:rPr lang="en-US" sz="2400" dirty="0" smtClean="0"/>
+              <a:t>examples</a:t>
+            </a:r>
+            <a:r>
+              <a:rPr lang="en-US" sz="2400" dirty="0"/>
+              <a:t>/01-built-in-filters</a:t>
+            </a:r>
+            <a:endParaRPr lang="en-US" sz="2000" dirty="0"/>
           </a:p>
         </p:txBody>
       </p:sp>
     </p:spTree>
     <p:extLst>
       <p:ext uri="{BB962C8B-B14F-4D97-AF65-F5344CB8AC3E}">
-        <p14:creationId xmlns:p14="http://schemas.microsoft.com/office/powerpoint/2010/main" val="4200027496"/>
+        <p14:creationId xmlns:p14="http://schemas.microsoft.com/office/powerpoint/2010/main" val="1071949074"/>
       </p:ext>
     </p:extLst>
   </p:cSld>
   <p:clrMapOvr>
     <a:masterClrMapping/>
   </p:clrMapOvr>
-  <p:timing>
-    <p:tnLst>
-      <p:par>
-        <p:cTn xmlns:p14="http://schemas.microsoft.com/office/powerpoint/2010/main" id="1" dur="indefinite" restart="never" nodeType="tmRoot"/>
-      </p:par>
-    </p:tnLst>
-  </p:timing>
 </p:sld>
 </file>
 
@@ -3952,7 +4551,7 @@
           <a:p>
             <a:r>
               <a:rPr lang="en-US" dirty="0"/>
-              <a:t>New template syntax</a:t>
+              <a:t>Custom filters</a:t>
             </a:r>
           </a:p>
         </p:txBody>
@@ -3975,7 +4574,7 @@
         </p:spPr>
         <p:txBody>
           <a:bodyPr>
-            <a:normAutofit/>
+            <a:normAutofit lnSpcReduction="10000"/>
           </a:bodyPr>
           <a:lstStyle/>
           <a:p>
@@ -3984,12 +4583,142 @@
               <a:buChar char="•"/>
             </a:pPr>
             <a:r>
+              <a:rPr lang="en-US" sz="2400" dirty="0" smtClean="0"/>
+              <a:t>Register </a:t>
+            </a:r>
+            <a:r>
+              <a:rPr lang="en-US" sz="2400" dirty="0"/>
+              <a:t>custom functions with </a:t>
+            </a:r>
+            <a:r>
+              <a:rPr lang="en-US" sz="2400" dirty="0" err="1"/>
+              <a:t>nG</a:t>
+            </a:r>
+            <a:r>
+              <a:rPr lang="en-US" sz="2400" dirty="0"/>
+              <a:t> using a '</a:t>
+            </a:r>
+            <a:r>
+              <a:rPr lang="en-US" sz="2400" dirty="0">
+                <a:solidFill>
+                  <a:srgbClr val="FF6600"/>
+                </a:solidFill>
+              </a:rPr>
+              <a:t>recipe</a:t>
+            </a:r>
+            <a:r>
+              <a:rPr lang="en-US" sz="2400" dirty="0"/>
+              <a:t>' pattern</a:t>
+            </a:r>
+          </a:p>
+          <a:p>
+            <a:pPr marL="800100" lvl="1" indent="-342900" algn="l">
+              <a:buFont typeface="Arial"/>
+              <a:buChar char="•"/>
+            </a:pPr>
+            <a:r>
               <a:rPr lang="en-US" sz="2000" dirty="0" smtClean="0"/>
-              <a:t>No </a:t>
+              <a:t>Recipe </a:t>
             </a:r>
             <a:r>
               <a:rPr lang="en-US" sz="2000" dirty="0"/>
-              <a:t>longer markup-based</a:t>
+              <a:t>pattern: from a reference to a module, call a factory</a:t>
+            </a:r>
+          </a:p>
+          <a:p>
+            <a:pPr marL="800100" lvl="1" indent="-342900" algn="l">
+              <a:buFont typeface="Arial"/>
+              <a:buChar char="•"/>
+            </a:pPr>
+            <a:r>
+              <a:rPr lang="en-US" sz="2000" dirty="0" smtClean="0"/>
+              <a:t>module </a:t>
+            </a:r>
+            <a:r>
+              <a:rPr lang="en-US" sz="2000" dirty="0"/>
+              <a:t>is a standalone unit of </a:t>
+            </a:r>
+            <a:r>
+              <a:rPr lang="en-US" sz="2000" dirty="0" err="1"/>
+              <a:t>nG</a:t>
+            </a:r>
+            <a:r>
+              <a:rPr lang="en-US" sz="2000" dirty="0"/>
+              <a:t> code</a:t>
+            </a:r>
+          </a:p>
+          <a:p>
+            <a:pPr marL="800100" lvl="1" indent="-342900" algn="l">
+              <a:buFont typeface="Arial"/>
+              <a:buChar char="•"/>
+            </a:pPr>
+            <a:r>
+              <a:rPr lang="en-US" sz="2000" dirty="0" smtClean="0"/>
+              <a:t>Reference </a:t>
+            </a:r>
+            <a:r>
+              <a:rPr lang="en-US" sz="2000" dirty="0"/>
+              <a:t>to a module:</a:t>
+            </a:r>
+          </a:p>
+          <a:p>
+            <a:pPr marL="1257300" lvl="2" indent="-342900" algn="l">
+              <a:buFont typeface="Arial"/>
+              <a:buChar char="•"/>
+            </a:pPr>
+            <a:r>
+              <a:rPr lang="en-US" sz="1600" dirty="0" smtClean="0"/>
+              <a:t>new </a:t>
+            </a:r>
+            <a:r>
+              <a:rPr lang="en-US" sz="1600" dirty="0"/>
+              <a:t>module (note empty array): </a:t>
+            </a:r>
+            <a:r>
+              <a:rPr lang="en-US" sz="1600" dirty="0" err="1" smtClean="0"/>
+              <a:t>angular.module</a:t>
+            </a:r>
+            <a:r>
+              <a:rPr lang="en-US" sz="1600" dirty="0"/>
+              <a:t>('</a:t>
+            </a:r>
+            <a:r>
+              <a:rPr lang="en-US" sz="1600" dirty="0" err="1"/>
+              <a:t>someModuleName</a:t>
+            </a:r>
+            <a:r>
+              <a:rPr lang="en-US" sz="1600" dirty="0"/>
+              <a:t>', [])</a:t>
+            </a:r>
+          </a:p>
+          <a:p>
+            <a:pPr marL="1257300" lvl="2" indent="-342900" algn="l">
+              <a:buFont typeface="Arial"/>
+              <a:buChar char="•"/>
+            </a:pPr>
+            <a:r>
+              <a:rPr lang="en-US" sz="1600" dirty="0" smtClean="0"/>
+              <a:t>existing </a:t>
+            </a:r>
+            <a:r>
+              <a:rPr lang="en-US" sz="1600" dirty="0"/>
+              <a:t>module: </a:t>
+            </a:r>
+            <a:r>
+              <a:rPr lang="en-US" sz="1600" dirty="0" err="1"/>
+              <a:t>angular.module</a:t>
+            </a:r>
+            <a:r>
+              <a:rPr lang="en-US" sz="1600" dirty="0"/>
+              <a:t>('</a:t>
+            </a:r>
+            <a:r>
+              <a:rPr lang="en-US" sz="1600" dirty="0" err="1"/>
+              <a:t>someModuleName</a:t>
+            </a:r>
+            <a:r>
+              <a:rPr lang="en-US" sz="1600" dirty="0"/>
+              <a:t>')</a:t>
             </a:r>
           </a:p>
           <a:p>
@@ -3998,28 +4727,20 @@
               <a:buChar char="•"/>
             </a:pPr>
             <a:r>
-              <a:rPr lang="en-US" sz="2000" dirty="0" smtClean="0"/>
-              <a:t>Use </a:t>
-            </a:r>
-            <a:r>
-              <a:rPr lang="en-US" sz="2000" dirty="0"/>
-              <a:t>square bracket to bind output: [</a:t>
-            </a:r>
-            <a:r>
-              <a:rPr lang="en-US" sz="2000" dirty="0" err="1"/>
-              <a:t>ngModel</a:t>
-            </a:r>
-            <a:r>
-              <a:rPr lang="en-US" sz="2000" dirty="0"/>
-              <a:t>]="</a:t>
-            </a:r>
-            <a:r>
-              <a:rPr lang="en-US" sz="2000" dirty="0" err="1"/>
-              <a:t>editingSong.title</a:t>
-            </a:r>
-            <a:r>
-              <a:rPr lang="en-US" sz="2000" dirty="0"/>
-              <a:t>"</a:t>
+              <a:rPr lang="en-US" sz="2400" dirty="0" smtClean="0"/>
+              <a:t>Factory </a:t>
+            </a:r>
+            <a:r>
+              <a:rPr lang="en-US" sz="2400" dirty="0"/>
+              <a:t>call: .filter('</a:t>
+            </a:r>
+            <a:r>
+              <a:rPr lang="en-US" sz="2400" dirty="0" err="1"/>
+              <a:t>thisFilterName</a:t>
+            </a:r>
+            <a:r>
+              <a:rPr lang="en-US" sz="2400" dirty="0"/>
+              <a:t>', function (text) {...})</a:t>
             </a:r>
           </a:p>
           <a:p>
@@ -4028,20 +4749,12 @@
               <a:buChar char="•"/>
             </a:pPr>
             <a:r>
-              <a:rPr lang="en-US" sz="2000" dirty="0" smtClean="0"/>
-              <a:t>Parenthesis </a:t>
-            </a:r>
-            <a:r>
-              <a:rPr lang="en-US" sz="2000" dirty="0"/>
-              <a:t>subscribe their target to events: (click)="</a:t>
-            </a:r>
-            <a:r>
-              <a:rPr lang="en-US" sz="2000" dirty="0" err="1"/>
-              <a:t>editSong</a:t>
-            </a:r>
-            <a:r>
-              <a:rPr lang="en-US" sz="2000" dirty="0"/>
-              <a:t>(index)"</a:t>
+              <a:rPr lang="en-US" sz="2400" dirty="0" smtClean="0"/>
+              <a:t>Factory </a:t>
+            </a:r>
+            <a:r>
+              <a:rPr lang="en-US" sz="2400" dirty="0"/>
+              <a:t>function gets passed the value from when the filter was invoked</a:t>
             </a:r>
           </a:p>
           <a:p>
@@ -4050,20 +4763,12 @@
               <a:buChar char="•"/>
             </a:pPr>
             <a:r>
-              <a:rPr lang="en-US" sz="2000" dirty="0" smtClean="0"/>
-              <a:t>For </a:t>
-            </a:r>
-            <a:r>
-              <a:rPr lang="en-US" sz="2000" dirty="0"/>
-              <a:t>forms, nest </a:t>
-            </a:r>
-            <a:r>
-              <a:rPr lang="en-US" sz="2000" dirty="0" err="1"/>
-              <a:t>parens</a:t>
-            </a:r>
-            <a:r>
-              <a:rPr lang="en-US" sz="2000" dirty="0"/>
-              <a:t> inside brackets to two-way bind</a:t>
+              <a:rPr lang="en-US" sz="2400" dirty="0" smtClean="0"/>
+              <a:t>Recipe </a:t>
+            </a:r>
+            <a:r>
+              <a:rPr lang="en-US" sz="2400" dirty="0"/>
+              <a:t>only gets invoked when the filter is used in a view</a:t>
             </a:r>
           </a:p>
           <a:p>
@@ -4072,127 +4777,41 @@
               <a:buChar char="•"/>
             </a:pPr>
             <a:r>
-              <a:rPr lang="en-US" sz="2000" dirty="0" smtClean="0"/>
-              <a:t>Previous </a:t>
-            </a:r>
-            <a:r>
-              <a:rPr lang="en-US" sz="2000" dirty="0"/>
-              <a:t>format </a:t>
-            </a:r>
-            <a:r>
-              <a:rPr lang="en-US" sz="2000" dirty="0" err="1"/>
-              <a:t>ng-dirname</a:t>
-            </a:r>
-            <a:r>
-              <a:rPr lang="en-US" sz="2000" dirty="0"/>
-              <a:t> now *</a:t>
-            </a:r>
-            <a:r>
-              <a:rPr lang="en-US" sz="2000" dirty="0" err="1"/>
-              <a:t>ngDirname</a:t>
+              <a:rPr lang="en-US" sz="2400" dirty="0" smtClean="0"/>
+              <a:t>Remember</a:t>
+            </a:r>
+            <a:r>
+              <a:rPr lang="en-US" sz="2400" dirty="0"/>
+              <a:t>, custom filter should follow best practices</a:t>
+            </a:r>
+          </a:p>
+          <a:p>
+            <a:pPr marL="342900" indent="-342900" algn="l">
+              <a:buFont typeface="Arial"/>
+              <a:buChar char="•"/>
+            </a:pPr>
+            <a:r>
+              <a:rPr lang="en-US" sz="2400" dirty="0" smtClean="0"/>
+              <a:t>More </a:t>
+            </a:r>
+            <a:r>
+              <a:rPr lang="en-US" sz="2400" dirty="0"/>
+              <a:t>complicated actions are better suited to directives</a:t>
             </a:r>
             <a:endParaRPr lang="en-US" sz="2000" dirty="0"/>
-          </a:p>
-          <a:p>
-            <a:pPr marL="342900" indent="-342900" algn="l">
-              <a:buFont typeface="Arial"/>
-              <a:buChar char="•"/>
-            </a:pPr>
-            <a:r>
-              <a:rPr lang="en-US" sz="2000" dirty="0" smtClean="0"/>
-              <a:t>New </a:t>
-            </a:r>
-            <a:r>
-              <a:rPr lang="en-US" sz="2000" dirty="0"/>
-              <a:t>iteration syntax "#</a:t>
-            </a:r>
-            <a:r>
-              <a:rPr lang="en-US" sz="2000" dirty="0" err="1"/>
-              <a:t>eachThing</a:t>
-            </a:r>
-            <a:r>
-              <a:rPr lang="en-US" sz="2000" dirty="0"/>
-              <a:t> of </a:t>
-            </a:r>
-            <a:r>
-              <a:rPr lang="en-US" sz="2000" dirty="0" err="1"/>
-              <a:t>thingsList</a:t>
-            </a:r>
-            <a:r>
-              <a:rPr lang="en-US" sz="2000" dirty="0"/>
-              <a:t>; #</a:t>
-            </a:r>
-            <a:r>
-              <a:rPr lang="en-US" sz="2000" dirty="0" err="1"/>
-              <a:t>i</a:t>
-            </a:r>
-            <a:r>
-              <a:rPr lang="en-US" sz="2000" dirty="0"/>
-              <a:t> = index"</a:t>
-            </a:r>
-          </a:p>
-          <a:p>
-            <a:pPr marL="342900" indent="-342900" algn="l">
-              <a:buFont typeface="Arial"/>
-              <a:buChar char="•"/>
-            </a:pPr>
-            <a:r>
-              <a:rPr lang="en-US" sz="2000" dirty="0" smtClean="0"/>
-              <a:t>Reasons </a:t>
-            </a:r>
-            <a:r>
-              <a:rPr lang="en-US" sz="2000" dirty="0"/>
-              <a:t>for the changes</a:t>
-            </a:r>
-          </a:p>
-          <a:p>
-            <a:pPr marL="800100" lvl="1" indent="-342900" algn="l">
-              <a:buFont typeface="Arial"/>
-              <a:buChar char="•"/>
-            </a:pPr>
-            <a:r>
-              <a:rPr lang="en-US" sz="1600" dirty="0" smtClean="0"/>
-              <a:t>Enables </a:t>
-            </a:r>
-            <a:r>
-              <a:rPr lang="en-US" sz="1600" dirty="0"/>
-              <a:t>tons of IDE features like autocomplete and refactor</a:t>
-            </a:r>
-          </a:p>
-          <a:p>
-            <a:pPr marL="800100" lvl="1" indent="-342900" algn="l">
-              <a:buFont typeface="Arial"/>
-              <a:buChar char="•"/>
-            </a:pPr>
-            <a:r>
-              <a:rPr lang="en-US" sz="1600" dirty="0" smtClean="0"/>
-              <a:t>Makes </a:t>
-            </a:r>
-            <a:r>
-              <a:rPr lang="en-US" sz="1600" dirty="0"/>
-              <a:t>the direction of binding obvious from the markup</a:t>
-            </a:r>
-            <a:endParaRPr lang="en-US" sz="1200" dirty="0"/>
           </a:p>
         </p:txBody>
       </p:sp>
     </p:spTree>
     <p:extLst>
       <p:ext uri="{BB962C8B-B14F-4D97-AF65-F5344CB8AC3E}">
-        <p14:creationId xmlns:p14="http://schemas.microsoft.com/office/powerpoint/2010/main" val="1911019148"/>
+        <p14:creationId xmlns:p14="http://schemas.microsoft.com/office/powerpoint/2010/main" val="3924875010"/>
       </p:ext>
     </p:extLst>
   </p:cSld>
   <p:clrMapOvr>
     <a:masterClrMapping/>
   </p:clrMapOvr>
-  <p:timing>
-    <p:tnLst>
-      <p:par>
-        <p:cTn xmlns:p14="http://schemas.microsoft.com/office/powerpoint/2010/main" id="1" dur="indefinite" restart="never" nodeType="tmRoot"/>
-      </p:par>
-    </p:tnLst>
-  </p:timing>
 </p:sld>
 </file>
 
@@ -4235,7 +4854,15 @@
           <a:p>
             <a:r>
               <a:rPr lang="en-US" dirty="0"/>
-              <a:t>Pipes</a:t>
+              <a:t>Components (</a:t>
+            </a:r>
+            <a:r>
+              <a:rPr lang="en-US" dirty="0" err="1"/>
+              <a:t>nG</a:t>
+            </a:r>
+            <a:r>
+              <a:rPr lang="en-US" dirty="0"/>
+              <a:t> 1.5)</a:t>
             </a:r>
           </a:p>
         </p:txBody>
@@ -4268,15 +4895,19 @@
             </a:pPr>
             <a:r>
               <a:rPr lang="en-US" sz="2000" dirty="0" smtClean="0"/>
-              <a:t>Pipes </a:t>
+              <a:t>Transitional </a:t>
+            </a:r>
+            <a:r>
+              <a:rPr lang="en-US" sz="2000" dirty="0"/>
+              <a:t>step towards </a:t>
             </a:r>
             <a:r>
               <a:rPr lang="en-US" sz="2000" dirty="0" err="1"/>
-              <a:t>arent</a:t>
+              <a:t>nG</a:t>
             </a:r>
             <a:r>
               <a:rPr lang="en-US" sz="2000" dirty="0"/>
-              <a:t> much more than a new name for filters</a:t>
+              <a:t> 2</a:t>
             </a:r>
           </a:p>
           <a:p>
@@ -4285,17 +4916,140 @@
               <a:buChar char="•"/>
             </a:pPr>
             <a:r>
-              <a:rPr lang="en-US" sz="2000" dirty="0" err="1" smtClean="0"/>
-              <a:t>Async</a:t>
-            </a:r>
-            <a:r>
               <a:rPr lang="en-US" sz="2000" dirty="0" smtClean="0"/>
+              <a:t>Components </a:t>
+            </a:r>
+            <a:r>
+              <a:rPr lang="en-US" sz="2000" dirty="0"/>
+              <a:t>are a subtype of directive representing a complete UI element</a:t>
+            </a:r>
+          </a:p>
+          <a:p>
+            <a:pPr marL="800100" lvl="1" indent="-342900" algn="l">
+              <a:buFont typeface="Arial"/>
+              <a:buChar char="•"/>
+            </a:pPr>
+            <a:r>
+              <a:rPr lang="en-US" sz="1600" dirty="0" smtClean="0"/>
+              <a:t>Bundles </a:t>
+            </a:r>
+            <a:r>
+              <a:rPr lang="en-US" sz="1600" dirty="0"/>
+              <a:t>together a view, a controller, and bindings in simpler recipe</a:t>
+            </a:r>
+          </a:p>
+          <a:p>
+            <a:pPr marL="800100" lvl="1" indent="-342900" algn="l">
+              <a:buFont typeface="Arial"/>
+              <a:buChar char="•"/>
+            </a:pPr>
+            <a:r>
+              <a:rPr lang="en-US" sz="1600" dirty="0" smtClean="0"/>
+              <a:t>.</a:t>
+            </a:r>
+            <a:r>
+              <a:rPr lang="en-US" sz="1600" dirty="0"/>
+              <a:t>component('</a:t>
+            </a:r>
+            <a:r>
+              <a:rPr lang="en-US" sz="1600" dirty="0" err="1"/>
+              <a:t>cmpnName</a:t>
+            </a:r>
+            <a:r>
+              <a:rPr lang="en-US" sz="1600" dirty="0"/>
+              <a:t>', _</a:t>
+            </a:r>
+            <a:r>
+              <a:rPr lang="en-US" sz="1600" dirty="0" err="1"/>
+              <a:t>componentDefinitionObject</a:t>
+            </a:r>
+            <a:r>
+              <a:rPr lang="en-US" sz="1600" dirty="0"/>
+              <a:t>)</a:t>
+            </a:r>
+          </a:p>
+          <a:p>
+            <a:pPr marL="800100" lvl="1" indent="-342900" algn="l">
+              <a:buFont typeface="Arial"/>
+              <a:buChar char="•"/>
+            </a:pPr>
+            <a:r>
+              <a:rPr lang="en-US" sz="1600" dirty="0" smtClean="0"/>
+              <a:t>Many </a:t>
+            </a:r>
+            <a:r>
+              <a:rPr lang="en-US" sz="1600" dirty="0"/>
+              <a:t>Directive options are defaulted to Component values:</a:t>
+            </a:r>
+          </a:p>
+          <a:p>
+            <a:pPr marL="1257300" lvl="2" indent="-342900" algn="l">
+              <a:buFont typeface="Arial"/>
+              <a:buChar char="•"/>
+            </a:pPr>
+            <a:r>
+              <a:rPr lang="en-US" sz="1500" dirty="0" smtClean="0"/>
+              <a:t>restricted </a:t>
+            </a:r>
+            <a:r>
+              <a:rPr lang="en-US" sz="1500" dirty="0"/>
+              <a:t>to elements</a:t>
+            </a:r>
+          </a:p>
+          <a:p>
+            <a:pPr marL="1257300" lvl="2" indent="-342900" algn="l">
+              <a:buFont typeface="Arial"/>
+              <a:buChar char="•"/>
+            </a:pPr>
+            <a:r>
+              <a:rPr lang="en-US" sz="1500" dirty="0" err="1" smtClean="0"/>
+              <a:t>transclude</a:t>
+            </a:r>
+            <a:r>
+              <a:rPr lang="en-US" sz="1500" dirty="0" smtClean="0"/>
               <a:t> </a:t>
             </a:r>
             <a:r>
-              <a:rPr lang="en-US" sz="2000" dirty="0"/>
-              <a:t>is the exception</a:t>
-            </a:r>
+              <a:rPr lang="en-US" sz="1500" dirty="0"/>
+              <a:t>false</a:t>
+            </a:r>
+          </a:p>
+          <a:p>
+            <a:pPr marL="1257300" lvl="2" indent="-342900" algn="l">
+              <a:buFont typeface="Arial"/>
+              <a:buChar char="•"/>
+            </a:pPr>
+            <a:r>
+              <a:rPr lang="it-IT" sz="1500" dirty="0" smtClean="0"/>
+              <a:t>scope </a:t>
+            </a:r>
+            <a:r>
+              <a:rPr lang="it-IT" sz="1500" dirty="0"/>
+              <a:t>isolate</a:t>
+            </a:r>
+          </a:p>
+          <a:p>
+            <a:pPr marL="1257300" lvl="2" indent="-342900" algn="l">
+              <a:buFont typeface="Arial"/>
+              <a:buChar char="•"/>
+            </a:pPr>
+            <a:r>
+              <a:rPr lang="it-IT" sz="1500" dirty="0" err="1" smtClean="0"/>
+              <a:t>controllerAs</a:t>
+            </a:r>
+            <a:r>
+              <a:rPr lang="it-IT" sz="1500" dirty="0" smtClean="0"/>
+              <a:t> </a:t>
+            </a:r>
+            <a:r>
+              <a:rPr lang="it-IT" sz="1500" dirty="0"/>
+              <a:t>$</a:t>
+            </a:r>
+            <a:r>
+              <a:rPr lang="it-IT" sz="1500" dirty="0" err="1"/>
+              <a:t>ctrl</a:t>
+            </a:r>
+            <a:endParaRPr lang="it-IT" sz="1500" dirty="0"/>
           </a:p>
           <a:p>
             <a:pPr marL="800100" lvl="1" indent="-342900" algn="l">
@@ -4303,12 +5057,87 @@
               <a:buChar char="•"/>
             </a:pPr>
             <a:r>
-              <a:rPr lang="en-US" sz="1600" dirty="0" smtClean="0"/>
-              <a:t>Binds </a:t>
-            </a:r>
-            <a:r>
-              <a:rPr lang="en-US" sz="1600" dirty="0"/>
-              <a:t>to the output of an Observable</a:t>
+              <a:rPr lang="it-IT" sz="1600" dirty="0" smtClean="0"/>
+              <a:t>Continue </a:t>
+            </a:r>
+            <a:r>
+              <a:rPr lang="it-IT" sz="1600" dirty="0"/>
+              <a:t>to use </a:t>
+            </a:r>
+            <a:r>
+              <a:rPr lang="it-IT" sz="1600" dirty="0" err="1"/>
+              <a:t>Directives</a:t>
+            </a:r>
+            <a:r>
+              <a:rPr lang="it-IT" sz="1600" dirty="0"/>
+              <a:t> to </a:t>
+            </a:r>
+            <a:r>
+              <a:rPr lang="it-IT" sz="1600" dirty="0" err="1"/>
+              <a:t>add</a:t>
+            </a:r>
+            <a:r>
+              <a:rPr lang="it-IT" sz="1600" dirty="0"/>
+              <a:t> custom </a:t>
+            </a:r>
+            <a:r>
+              <a:rPr lang="it-IT" sz="1600" dirty="0" err="1" smtClean="0"/>
+              <a:t>behavior</a:t>
+            </a:r>
+            <a:r>
+              <a:rPr lang="it-IT" sz="1600" dirty="0" smtClean="0"/>
+              <a:t> </a:t>
+            </a:r>
+            <a:r>
+              <a:rPr lang="it-IT" sz="1600" dirty="0"/>
+              <a:t>to </a:t>
+            </a:r>
+            <a:r>
+              <a:rPr lang="it-IT" sz="1600" dirty="0" err="1"/>
+              <a:t>existing</a:t>
+            </a:r>
+            <a:r>
+              <a:rPr lang="it-IT" sz="1600" dirty="0"/>
+              <a:t> </a:t>
+            </a:r>
+            <a:r>
+              <a:rPr lang="it-IT" sz="1600" dirty="0" err="1"/>
+              <a:t>elements</a:t>
+            </a:r>
+            <a:endParaRPr lang="it-IT" sz="1600" dirty="0"/>
+          </a:p>
+          <a:p>
+            <a:pPr marL="342900" indent="-342900" algn="l">
+              <a:buFont typeface="Arial"/>
+              <a:buChar char="•"/>
+            </a:pPr>
+            <a:r>
+              <a:rPr lang="it-IT" sz="2000" dirty="0" err="1" smtClean="0"/>
+              <a:t>Two</a:t>
+            </a:r>
+            <a:r>
+              <a:rPr lang="it-IT" sz="2000" dirty="0" smtClean="0"/>
+              <a:t> </a:t>
+            </a:r>
+            <a:r>
+              <a:rPr lang="it-IT" sz="2000" dirty="0"/>
+              <a:t>way </a:t>
+            </a:r>
+            <a:r>
+              <a:rPr lang="it-IT" sz="2000" dirty="0" err="1"/>
+              <a:t>bindings</a:t>
+            </a:r>
+            <a:r>
+              <a:rPr lang="it-IT" sz="2000" dirty="0"/>
+              <a:t> are </a:t>
+            </a:r>
+            <a:r>
+              <a:rPr lang="it-IT" sz="2000" dirty="0" err="1"/>
+              <a:t>deprecated</a:t>
+            </a:r>
+            <a:r>
+              <a:rPr lang="it-IT" sz="2000" dirty="0"/>
+              <a:t> in 1.5 Components</a:t>
             </a:r>
           </a:p>
           <a:p>
@@ -4317,38 +5146,218 @@
               <a:buChar char="•"/>
             </a:pPr>
             <a:r>
-              <a:rPr lang="en-US" sz="1600" dirty="0" smtClean="0"/>
-              <a:t>More </a:t>
-            </a:r>
-            <a:r>
-              <a:rPr lang="en-US" sz="1600" dirty="0"/>
-              <a:t>on </a:t>
-            </a:r>
-            <a:r>
-              <a:rPr lang="en-US" sz="1600" dirty="0" smtClean="0"/>
-              <a:t>observables soon</a:t>
-            </a:r>
-            <a:endParaRPr lang="en-US" sz="800" dirty="0"/>
+              <a:rPr lang="it-IT" sz="1600" dirty="0" err="1" smtClean="0"/>
+              <a:t>nG</a:t>
+            </a:r>
+            <a:r>
+              <a:rPr lang="it-IT" sz="1600" dirty="0" smtClean="0"/>
+              <a:t> </a:t>
+            </a:r>
+            <a:r>
+              <a:rPr lang="it-IT" sz="1600" dirty="0"/>
+              <a:t>2 </a:t>
+            </a:r>
+            <a:r>
+              <a:rPr lang="it-IT" sz="1600" dirty="0" err="1"/>
+              <a:t>moves</a:t>
+            </a:r>
+            <a:r>
+              <a:rPr lang="it-IT" sz="1600" dirty="0"/>
+              <a:t> </a:t>
+            </a:r>
+            <a:r>
+              <a:rPr lang="it-IT" sz="1600" dirty="0" err="1"/>
+              <a:t>away</a:t>
+            </a:r>
+            <a:r>
+              <a:rPr lang="it-IT" sz="1600" dirty="0"/>
+              <a:t> from </a:t>
+            </a:r>
+            <a:r>
+              <a:rPr lang="it-IT" sz="1600" dirty="0" err="1"/>
+              <a:t>two</a:t>
+            </a:r>
+            <a:r>
+              <a:rPr lang="it-IT" sz="1600" dirty="0"/>
+              <a:t> way </a:t>
+            </a:r>
+            <a:r>
+              <a:rPr lang="it-IT" sz="1600" dirty="0" err="1"/>
+              <a:t>binding</a:t>
+            </a:r>
+            <a:endParaRPr lang="it-IT" sz="1600" dirty="0"/>
+          </a:p>
+          <a:p>
+            <a:pPr marL="800100" lvl="1" indent="-342900" algn="l">
+              <a:buFont typeface="Arial"/>
+              <a:buChar char="•"/>
+            </a:pPr>
+            <a:r>
+              <a:rPr lang="it-IT" sz="1600" dirty="0" err="1" smtClean="0"/>
+              <a:t>They</a:t>
+            </a:r>
+            <a:r>
+              <a:rPr lang="it-IT" sz="1600" dirty="0" smtClean="0"/>
+              <a:t> </a:t>
+            </a:r>
+            <a:r>
+              <a:rPr lang="it-IT" sz="1600" dirty="0"/>
+              <a:t>cause </a:t>
+            </a:r>
+            <a:r>
+              <a:rPr lang="it-IT" sz="1600" dirty="0" err="1"/>
+              <a:t>too</a:t>
+            </a:r>
+            <a:r>
+              <a:rPr lang="it-IT" sz="1600" dirty="0"/>
+              <a:t> </a:t>
+            </a:r>
+            <a:r>
+              <a:rPr lang="it-IT" sz="1600" dirty="0" err="1"/>
+              <a:t>many</a:t>
+            </a:r>
+            <a:r>
+              <a:rPr lang="it-IT" sz="1600" dirty="0"/>
+              <a:t> </a:t>
+            </a:r>
+            <a:r>
+              <a:rPr lang="it-IT" sz="1600" dirty="0" err="1"/>
+              <a:t>issues</a:t>
+            </a:r>
+            <a:r>
+              <a:rPr lang="it-IT" sz="1600" dirty="0"/>
+              <a:t> with </a:t>
+            </a:r>
+            <a:r>
+              <a:rPr lang="it-IT" sz="1600" dirty="0" err="1"/>
+              <a:t>parent</a:t>
+            </a:r>
+            <a:r>
+              <a:rPr lang="it-IT" sz="1600" dirty="0"/>
+              <a:t> scope and </a:t>
+            </a:r>
+            <a:r>
+              <a:rPr lang="it-IT" sz="1600" dirty="0" err="1"/>
+              <a:t>prevent</a:t>
+            </a:r>
+            <a:r>
+              <a:rPr lang="it-IT" sz="1600" dirty="0"/>
+              <a:t> full </a:t>
+            </a:r>
+            <a:r>
+              <a:rPr lang="it-IT" sz="1600" dirty="0" err="1"/>
+              <a:t>separation</a:t>
+            </a:r>
+            <a:r>
+              <a:rPr lang="it-IT" sz="1600" dirty="0"/>
+              <a:t> from DOM</a:t>
+            </a:r>
+          </a:p>
+          <a:p>
+            <a:pPr marL="800100" lvl="1" indent="-342900" algn="l">
+              <a:buFont typeface="Arial"/>
+              <a:buChar char="•"/>
+            </a:pPr>
+            <a:r>
+              <a:rPr lang="it-IT" sz="1600" dirty="0" err="1" smtClean="0"/>
+              <a:t>Instead</a:t>
+            </a:r>
+            <a:r>
+              <a:rPr lang="it-IT" sz="1600" dirty="0"/>
+              <a:t>, </a:t>
+            </a:r>
+            <a:r>
+              <a:rPr lang="it-IT" sz="1600" dirty="0" err="1"/>
+              <a:t>specify</a:t>
+            </a:r>
+            <a:r>
+              <a:rPr lang="it-IT" sz="1600" dirty="0"/>
+              <a:t> </a:t>
+            </a:r>
+            <a:r>
+              <a:rPr lang="it-IT" sz="1600" dirty="0" err="1"/>
+              <a:t>one</a:t>
+            </a:r>
+            <a:r>
+              <a:rPr lang="it-IT" sz="1600" dirty="0"/>
+              <a:t>-way </a:t>
+            </a:r>
+            <a:r>
+              <a:rPr lang="it-IT" sz="1600" dirty="0" err="1"/>
+              <a:t>bind</a:t>
+            </a:r>
+            <a:r>
+              <a:rPr lang="it-IT" sz="1600" dirty="0"/>
+              <a:t> for display info</a:t>
+            </a:r>
+          </a:p>
+          <a:p>
+            <a:pPr marL="800100" lvl="1" indent="-342900" algn="l">
+              <a:buFont typeface="Arial"/>
+              <a:buChar char="•"/>
+            </a:pPr>
+            <a:r>
+              <a:rPr lang="it-IT" sz="1600" dirty="0" err="1" smtClean="0"/>
+              <a:t>Then</a:t>
+            </a:r>
+            <a:r>
+              <a:rPr lang="it-IT" sz="1600" dirty="0" smtClean="0"/>
+              <a:t> </a:t>
+            </a:r>
+            <a:r>
+              <a:rPr lang="it-IT" sz="1600" dirty="0" err="1"/>
+              <a:t>register</a:t>
+            </a:r>
+            <a:r>
+              <a:rPr lang="it-IT" sz="1600" dirty="0"/>
+              <a:t> an </a:t>
+            </a:r>
+            <a:r>
+              <a:rPr lang="it-IT" sz="1600" dirty="0" err="1"/>
+              <a:t>event</a:t>
+            </a:r>
+            <a:r>
+              <a:rPr lang="it-IT" sz="1600" dirty="0"/>
+              <a:t> </a:t>
+            </a:r>
+            <a:r>
+              <a:rPr lang="it-IT" sz="1600" dirty="0" err="1"/>
+              <a:t>handler</a:t>
+            </a:r>
+            <a:r>
+              <a:rPr lang="it-IT" sz="1600" dirty="0"/>
+              <a:t> (</a:t>
+            </a:r>
+            <a:r>
+              <a:rPr lang="it-IT" sz="1600" dirty="0" err="1"/>
+              <a:t>onChange</a:t>
+            </a:r>
+            <a:r>
+              <a:rPr lang="it-IT" sz="1600" dirty="0"/>
+              <a:t>, </a:t>
+            </a:r>
+            <a:r>
+              <a:rPr lang="it-IT" sz="1600" dirty="0" err="1"/>
+              <a:t>onDelete</a:t>
+            </a:r>
+            <a:r>
+              <a:rPr lang="it-IT" sz="1600" dirty="0"/>
+              <a:t>)</a:t>
+            </a:r>
+            <a:endParaRPr lang="en-US" sz="500" dirty="0"/>
           </a:p>
         </p:txBody>
       </p:sp>
     </p:spTree>
     <p:extLst>
       <p:ext uri="{BB962C8B-B14F-4D97-AF65-F5344CB8AC3E}">
-        <p14:creationId xmlns:p14="http://schemas.microsoft.com/office/powerpoint/2010/main" val="1772659482"/>
+        <p14:creationId xmlns:p14="http://schemas.microsoft.com/office/powerpoint/2010/main" val="2762821877"/>
       </p:ext>
     </p:extLst>
   </p:cSld>
   <p:clrMapOvr>
     <a:masterClrMapping/>
   </p:clrMapOvr>
-  <p:timing>
-    <p:tnLst>
-      <p:par>
-        <p:cTn xmlns:p14="http://schemas.microsoft.com/office/powerpoint/2010/main" id="1" dur="indefinite" restart="never" nodeType="tmRoot"/>
-      </p:par>
-    </p:tnLst>
-  </p:timing>
 </p:sld>
 </file>
 
@@ -4389,9 +5398,18 @@
           <a:bodyPr/>
           <a:lstStyle/>
           <a:p>
+            <a:pPr marL="342900" indent="-342900"/>
             <a:r>
               <a:rPr lang="en-US" dirty="0"/>
-              <a:t>nG2 Migration Strategy</a:t>
+              <a:t>Component Architecture in </a:t>
+            </a:r>
+            <a:r>
+              <a:rPr lang="en-US" dirty="0" err="1"/>
+              <a:t>nG</a:t>
+            </a:r>
+            <a:r>
+              <a:rPr lang="en-US" dirty="0"/>
+              <a:t> 2</a:t>
             </a:r>
           </a:p>
         </p:txBody>
@@ -4423,12 +5441,72 @@
               <a:buChar char="•"/>
             </a:pPr>
             <a:r>
+              <a:rPr lang="en-US" sz="2000" dirty="0"/>
+              <a:t>Components have everything they need to be self contained units of code</a:t>
+            </a:r>
+          </a:p>
+          <a:p>
+            <a:pPr marL="342900" indent="-342900" algn="l">
+              <a:buFont typeface="Arial"/>
+              <a:buChar char="•"/>
+            </a:pPr>
+            <a:r>
+              <a:rPr lang="en-US" sz="2000" dirty="0"/>
+              <a:t>nG2 apps should be made by composing reusable components into new features</a:t>
+            </a:r>
+            <a:endParaRPr lang="en-US" sz="1600" dirty="0"/>
+          </a:p>
+          <a:p>
+            <a:pPr marL="342900" indent="-342900" algn="l">
+              <a:buFont typeface="Arial"/>
+              <a:buChar char="•"/>
+            </a:pPr>
+            <a:r>
               <a:rPr lang="en-US" sz="2000" dirty="0" smtClean="0"/>
-              <a:t>Component</a:t>
+              <a:t>Components </a:t>
             </a:r>
             <a:r>
               <a:rPr lang="en-US" sz="2000" dirty="0"/>
-              <a:t>-based architecture can be implemented using nG1.5 Components</a:t>
+              <a:t>consist of...</a:t>
+            </a:r>
+          </a:p>
+          <a:p>
+            <a:pPr marL="800100" lvl="1" indent="-342900" algn="l">
+              <a:buFont typeface="Arial"/>
+              <a:buChar char="•"/>
+            </a:pPr>
+            <a:r>
+              <a:rPr lang="en-US" sz="1600" dirty="0" smtClean="0"/>
+              <a:t>A component definition object (CDO)</a:t>
+            </a:r>
+          </a:p>
+          <a:p>
+            <a:pPr marL="800100" lvl="1" indent="-342900" algn="l">
+              <a:buFont typeface="Arial"/>
+              <a:buChar char="•"/>
+            </a:pPr>
+            <a:r>
+              <a:rPr lang="en-US" sz="1600" dirty="0" smtClean="0"/>
+              <a:t>Template</a:t>
+            </a:r>
+            <a:endParaRPr lang="en-US" sz="1600" dirty="0"/>
+          </a:p>
+          <a:p>
+            <a:pPr marL="800100" lvl="1" indent="-342900" algn="l">
+              <a:buFont typeface="Arial"/>
+              <a:buChar char="•"/>
+            </a:pPr>
+            <a:r>
+              <a:rPr lang="en-US" sz="1600" dirty="0" smtClean="0"/>
+              <a:t>An </a:t>
+            </a:r>
+            <a:r>
+              <a:rPr lang="en-US" sz="1600" dirty="0"/>
+              <a:t>API to communicate outside (Input and Output props</a:t>
+            </a:r>
+            <a:r>
+              <a:rPr lang="en-US" sz="1600" dirty="0" smtClean="0"/>
+              <a:t>)</a:t>
             </a:r>
           </a:p>
           <a:p>
@@ -4438,11 +5516,7 @@
             </a:pPr>
             <a:r>
               <a:rPr lang="en-US" sz="2000" dirty="0" smtClean="0"/>
-              <a:t>nG1.5 </a:t>
-            </a:r>
-            <a:r>
-              <a:rPr lang="en-US" sz="2000" dirty="0"/>
-              <a:t>app following component pattern should convert relatively easily</a:t>
+              <a:t>Changes</a:t>
             </a:r>
           </a:p>
           <a:p>
@@ -4452,11 +5526,7 @@
             </a:pPr>
             <a:r>
               <a:rPr lang="en-US" sz="1600" dirty="0" smtClean="0"/>
-              <a:t>Template </a:t>
-            </a:r>
-            <a:r>
-              <a:rPr lang="en-US" sz="1600" dirty="0"/>
-              <a:t>syntax conversion is straightforward</a:t>
+              <a:t>$scope is gone. Store data directly as properties of the CDO</a:t>
             </a:r>
           </a:p>
           <a:p>
@@ -4466,78 +5536,16 @@
             </a:pPr>
             <a:r>
               <a:rPr lang="en-US" sz="1600" dirty="0" smtClean="0"/>
-              <a:t>Component </a:t>
-            </a:r>
-            <a:r>
-              <a:rPr lang="en-US" sz="1600" dirty="0"/>
-              <a:t>syntax cant be converted, but design pattern stays comparable</a:t>
-            </a:r>
-          </a:p>
-          <a:p>
-            <a:pPr marL="800100" lvl="1" indent="-342900" algn="l">
-              <a:buFont typeface="Arial"/>
-              <a:buChar char="•"/>
-            </a:pPr>
-            <a:r>
-              <a:rPr lang="en-US" sz="1600" dirty="0" smtClean="0"/>
-              <a:t>Many </a:t>
-            </a:r>
-            <a:r>
-              <a:rPr lang="en-US" sz="1600" dirty="0"/>
-              <a:t>functions will be </a:t>
-            </a:r>
-            <a:r>
-              <a:rPr lang="en-US" sz="1600" dirty="0" err="1"/>
-              <a:t>copypasteable</a:t>
-            </a:r>
-            <a:r>
-              <a:rPr lang="en-US" sz="1600" dirty="0"/>
-              <a:t>, or small tweaks</a:t>
-            </a:r>
-          </a:p>
-          <a:p>
-            <a:pPr marL="800100" lvl="1" indent="-342900" algn="l">
-              <a:buFont typeface="Arial"/>
-              <a:buChar char="•"/>
-            </a:pPr>
-            <a:r>
-              <a:rPr lang="en-US" sz="1600" dirty="0" smtClean="0"/>
-              <a:t>Services </a:t>
-            </a:r>
-            <a:r>
-              <a:rPr lang="en-US" sz="1600" dirty="0" err="1"/>
-              <a:t>dont</a:t>
-            </a:r>
-            <a:r>
-              <a:rPr lang="en-US" sz="1600" dirty="0"/>
-              <a:t> change much</a:t>
-            </a:r>
-          </a:p>
-          <a:p>
-            <a:pPr marL="342900" indent="-342900" algn="l">
-              <a:buFont typeface="Arial"/>
-              <a:buChar char="•"/>
-            </a:pPr>
-            <a:r>
-              <a:rPr lang="en-US" sz="2000" dirty="0" smtClean="0"/>
-              <a:t>&lt;</a:t>
-            </a:r>
-            <a:r>
-              <a:rPr lang="en-US" sz="2000" dirty="0"/>
-              <a:t>1.5 apps not following component style will </a:t>
-            </a:r>
-            <a:r>
-              <a:rPr lang="en-US" sz="2000" dirty="0" smtClean="0"/>
-              <a:t>require more rewriting</a:t>
-            </a:r>
-            <a:endParaRPr lang="en-US" sz="800" dirty="0"/>
+              <a:t>Controllers are gone. CDO coordinates bindings between View and Model</a:t>
+            </a:r>
+            <a:endParaRPr lang="en-US" sz="1600" dirty="0"/>
           </a:p>
         </p:txBody>
       </p:sp>
     </p:spTree>
     <p:extLst>
       <p:ext uri="{BB962C8B-B14F-4D97-AF65-F5344CB8AC3E}">
-        <p14:creationId xmlns:p14="http://schemas.microsoft.com/office/powerpoint/2010/main" val="3844937598"/>
+        <p14:creationId xmlns:p14="http://schemas.microsoft.com/office/powerpoint/2010/main" val="4200027496"/>
       </p:ext>
     </p:extLst>
   </p:cSld>
@@ -4593,7 +5601,7 @@
           <a:p>
             <a:r>
               <a:rPr lang="en-US" dirty="0"/>
-              <a:t>nG2 Migration Lab</a:t>
+              <a:t>New template syntax</a:t>
             </a:r>
           </a:p>
         </p:txBody>
@@ -4620,22 +5628,207 @@
           </a:bodyPr>
           <a:lstStyle/>
           <a:p>
+            <a:pPr marL="342900" indent="-342900" algn="l">
+              <a:buFont typeface="Arial"/>
+              <a:buChar char="•"/>
+            </a:pPr>
             <a:r>
               <a:rPr lang="en-US" sz="2000" dirty="0" smtClean="0"/>
-              <a:t>Convert </a:t>
+              <a:t>No </a:t>
             </a:r>
             <a:r>
               <a:rPr lang="en-US" sz="2000" dirty="0"/>
-              <a:t>our Jukebox UI to nG2</a:t>
-            </a:r>
-            <a:endParaRPr lang="en-US" sz="800" dirty="0"/>
+              <a:t>longer markup-based</a:t>
+            </a:r>
+          </a:p>
+          <a:p>
+            <a:pPr marL="342900" indent="-342900" algn="l">
+              <a:buFont typeface="Arial"/>
+              <a:buChar char="•"/>
+            </a:pPr>
+            <a:r>
+              <a:rPr lang="en-US" sz="2000" dirty="0" smtClean="0"/>
+              <a:t>Use </a:t>
+            </a:r>
+            <a:r>
+              <a:rPr lang="en-US" sz="2000" dirty="0"/>
+              <a:t>square bracket to bind output: [</a:t>
+            </a:r>
+            <a:r>
+              <a:rPr lang="en-US" sz="2000" dirty="0" err="1"/>
+              <a:t>ngModel</a:t>
+            </a:r>
+            <a:r>
+              <a:rPr lang="en-US" sz="2000" dirty="0"/>
+              <a:t>]="</a:t>
+            </a:r>
+            <a:r>
+              <a:rPr lang="en-US" sz="2000" dirty="0" err="1"/>
+              <a:t>editingSong.title</a:t>
+            </a:r>
+            <a:r>
+              <a:rPr lang="en-US" sz="2000" dirty="0"/>
+              <a:t>"</a:t>
+            </a:r>
+          </a:p>
+          <a:p>
+            <a:pPr marL="342900" indent="-342900" algn="l">
+              <a:buFont typeface="Arial"/>
+              <a:buChar char="•"/>
+            </a:pPr>
+            <a:r>
+              <a:rPr lang="en-US" sz="2000" dirty="0" smtClean="0"/>
+              <a:t>Parenthesis </a:t>
+            </a:r>
+            <a:r>
+              <a:rPr lang="en-US" sz="2000" dirty="0"/>
+              <a:t>subscribe their target to events: (click)="</a:t>
+            </a:r>
+            <a:r>
+              <a:rPr lang="en-US" sz="2000" dirty="0" err="1"/>
+              <a:t>editSong</a:t>
+            </a:r>
+            <a:r>
+              <a:rPr lang="en-US" sz="2000" dirty="0"/>
+              <a:t>(index)"</a:t>
+            </a:r>
+          </a:p>
+          <a:p>
+            <a:pPr marL="342900" indent="-342900" algn="l">
+              <a:buFont typeface="Arial"/>
+              <a:buChar char="•"/>
+            </a:pPr>
+            <a:r>
+              <a:rPr lang="en-US" sz="2000" dirty="0" smtClean="0"/>
+              <a:t>For </a:t>
+            </a:r>
+            <a:r>
+              <a:rPr lang="en-US" sz="2000" dirty="0"/>
+              <a:t>forms, nest </a:t>
+            </a:r>
+            <a:r>
+              <a:rPr lang="en-US" sz="2000" dirty="0" err="1"/>
+              <a:t>parens</a:t>
+            </a:r>
+            <a:r>
+              <a:rPr lang="en-US" sz="2000" dirty="0"/>
+              <a:t> inside brackets to two-way bind</a:t>
+            </a:r>
+          </a:p>
+          <a:p>
+            <a:pPr marL="342900" indent="-342900" algn="l">
+              <a:buFont typeface="Arial"/>
+              <a:buChar char="•"/>
+            </a:pPr>
+            <a:r>
+              <a:rPr lang="en-US" sz="2000" dirty="0" smtClean="0"/>
+              <a:t>Previous </a:t>
+            </a:r>
+            <a:r>
+              <a:rPr lang="en-US" sz="2000" dirty="0"/>
+              <a:t>format </a:t>
+            </a:r>
+            <a:r>
+              <a:rPr lang="en-US" sz="2000" dirty="0" err="1"/>
+              <a:t>ng-dirname</a:t>
+            </a:r>
+            <a:r>
+              <a:rPr lang="en-US" sz="2000" dirty="0"/>
+              <a:t> now *</a:t>
+            </a:r>
+            <a:r>
+              <a:rPr lang="en-US" sz="2000" dirty="0" err="1"/>
+              <a:t>ngDirname</a:t>
+            </a:r>
+            <a:endParaRPr lang="en-US" sz="2000" dirty="0"/>
+          </a:p>
+          <a:p>
+            <a:pPr marL="342900" indent="-342900" algn="l">
+              <a:buFont typeface="Arial"/>
+              <a:buChar char="•"/>
+            </a:pPr>
+            <a:r>
+              <a:rPr lang="en-US" sz="2000" dirty="0" smtClean="0"/>
+              <a:t>New </a:t>
+            </a:r>
+            <a:r>
+              <a:rPr lang="en-US" sz="2000" dirty="0"/>
+              <a:t>iteration syntax "#</a:t>
+            </a:r>
+            <a:r>
+              <a:rPr lang="en-US" sz="2000" dirty="0" err="1"/>
+              <a:t>eachThing</a:t>
+            </a:r>
+            <a:r>
+              <a:rPr lang="en-US" sz="2000" dirty="0"/>
+              <a:t> of </a:t>
+            </a:r>
+            <a:r>
+              <a:rPr lang="en-US" sz="2000" dirty="0" err="1"/>
+              <a:t>thingsList</a:t>
+            </a:r>
+            <a:r>
+              <a:rPr lang="en-US" sz="2000" dirty="0"/>
+              <a:t>; #</a:t>
+            </a:r>
+            <a:r>
+              <a:rPr lang="en-US" sz="2000" dirty="0" err="1"/>
+              <a:t>i</a:t>
+            </a:r>
+            <a:r>
+              <a:rPr lang="en-US" sz="2000" dirty="0"/>
+              <a:t> = index"</a:t>
+            </a:r>
+          </a:p>
+          <a:p>
+            <a:pPr marL="342900" indent="-342900" algn="l">
+              <a:buFont typeface="Arial"/>
+              <a:buChar char="•"/>
+            </a:pPr>
+            <a:r>
+              <a:rPr lang="en-US" sz="2000" dirty="0" smtClean="0"/>
+              <a:t>Reasons </a:t>
+            </a:r>
+            <a:r>
+              <a:rPr lang="en-US" sz="2000" dirty="0"/>
+              <a:t>for the changes</a:t>
+            </a:r>
+          </a:p>
+          <a:p>
+            <a:pPr marL="800100" lvl="1" indent="-342900" algn="l">
+              <a:buFont typeface="Arial"/>
+              <a:buChar char="•"/>
+            </a:pPr>
+            <a:r>
+              <a:rPr lang="en-US" sz="1600" dirty="0" smtClean="0"/>
+              <a:t>Enables </a:t>
+            </a:r>
+            <a:r>
+              <a:rPr lang="en-US" sz="1600" dirty="0"/>
+              <a:t>tons of IDE features like autocomplete and refactor</a:t>
+            </a:r>
+          </a:p>
+          <a:p>
+            <a:pPr marL="800100" lvl="1" indent="-342900" algn="l">
+              <a:buFont typeface="Arial"/>
+              <a:buChar char="•"/>
+            </a:pPr>
+            <a:r>
+              <a:rPr lang="en-US" sz="1600" dirty="0" smtClean="0"/>
+              <a:t>Makes </a:t>
+            </a:r>
+            <a:r>
+              <a:rPr lang="en-US" sz="1600" dirty="0"/>
+              <a:t>the direction of binding obvious from the markup</a:t>
+            </a:r>
+            <a:endParaRPr lang="en-US" sz="1200" dirty="0"/>
           </a:p>
         </p:txBody>
       </p:sp>
     </p:spTree>
     <p:extLst>
       <p:ext uri="{BB962C8B-B14F-4D97-AF65-F5344CB8AC3E}">
-        <p14:creationId xmlns:p14="http://schemas.microsoft.com/office/powerpoint/2010/main" val="1900653321"/>
+        <p14:creationId xmlns:p14="http://schemas.microsoft.com/office/powerpoint/2010/main" val="1911019148"/>
       </p:ext>
     </p:extLst>
   </p:cSld>
@@ -4691,7 +5884,7 @@
           <a:p>
             <a:r>
               <a:rPr lang="en-US" dirty="0"/>
-              <a:t>Forms and validation</a:t>
+              <a:t>Pipes</a:t>
             </a:r>
           </a:p>
         </p:txBody>
@@ -4714,7 +5907,7 @@
         </p:spPr>
         <p:txBody>
           <a:bodyPr>
-            <a:normAutofit fontScale="92500" lnSpcReduction="10000"/>
+            <a:normAutofit/>
           </a:bodyPr>
           <a:lstStyle/>
           <a:p>
@@ -4723,8 +5916,22 @@
               <a:buChar char="•"/>
             </a:pPr>
             <a:r>
+              <a:rPr lang="en-US" sz="2000" dirty="0" smtClean="0"/>
+              <a:t>Pipes aren’t </a:t>
+            </a:r>
+            <a:r>
+              <a:rPr lang="en-US" sz="2000" dirty="0"/>
+              <a:t>much more than a new name for filters</a:t>
+            </a:r>
+          </a:p>
+          <a:p>
+            <a:pPr marL="342900" indent="-342900" algn="l">
+              <a:buFont typeface="Arial"/>
+              <a:buChar char="•"/>
+            </a:pPr>
+            <a:r>
               <a:rPr lang="en-US" sz="2000" dirty="0" err="1" smtClean="0"/>
-              <a:t>ngModel</a:t>
+              <a:t>Async</a:t>
             </a:r>
             <a:r>
               <a:rPr lang="en-US" sz="2000" dirty="0" smtClean="0"/>
@@ -4732,7 +5939,7 @@
             </a:r>
             <a:r>
               <a:rPr lang="en-US" sz="2000" dirty="0"/>
-              <a:t>is still available, but forms get a new non-DOM syntax</a:t>
+              <a:t>is the exception</a:t>
             </a:r>
           </a:p>
           <a:p>
@@ -4742,11 +5949,11 @@
             </a:pPr>
             <a:r>
               <a:rPr lang="en-US" sz="1600" dirty="0" smtClean="0"/>
-              <a:t>Controls </a:t>
+              <a:t>Binds </a:t>
             </a:r>
             <a:r>
               <a:rPr lang="en-US" sz="1600" dirty="0"/>
-              <a:t>are built from Validators</a:t>
+              <a:t>to the output of an Observable</a:t>
             </a:r>
           </a:p>
           <a:p>
@@ -4756,348 +5963,24 @@
             </a:pPr>
             <a:r>
               <a:rPr lang="en-US" sz="1600" dirty="0" smtClean="0"/>
-              <a:t>email</a:t>
+              <a:t>More </a:t>
             </a:r>
             <a:r>
               <a:rPr lang="en-US" sz="1600" dirty="0"/>
-              <a:t>: new Control("email", </a:t>
-            </a:r>
-            <a:r>
-              <a:rPr lang="en-US" sz="1600" dirty="0" err="1"/>
-              <a:t>Validators.required</a:t>
-            </a:r>
-            <a:r>
-              <a:rPr lang="en-US" sz="1600" dirty="0"/>
-              <a:t>)</a:t>
-            </a:r>
-          </a:p>
-          <a:p>
-            <a:pPr marL="800100" lvl="1" indent="-342900" algn="l">
-              <a:buFont typeface="Arial"/>
-              <a:buChar char="•"/>
-            </a:pPr>
-            <a:r>
-              <a:rPr lang="en-US" sz="1600" dirty="0" err="1" smtClean="0"/>
-              <a:t>ControlGroup</a:t>
+              <a:t>on </a:t>
             </a:r>
             <a:r>
               <a:rPr lang="en-US" sz="1600" dirty="0" smtClean="0"/>
-              <a:t> </a:t>
-            </a:r>
-            <a:r>
-              <a:rPr lang="en-US" sz="1600" dirty="0"/>
-              <a:t>built from controls</a:t>
-            </a:r>
-          </a:p>
-          <a:p>
-            <a:pPr marL="800100" lvl="1" indent="-342900" algn="l">
-              <a:buFont typeface="Arial"/>
-              <a:buChar char="•"/>
-            </a:pPr>
-            <a:r>
-              <a:rPr lang="en-US" sz="1600" dirty="0" err="1" smtClean="0"/>
-              <a:t>FormBuilder</a:t>
-            </a:r>
-            <a:r>
-              <a:rPr lang="en-US" sz="1600" dirty="0" smtClean="0"/>
-              <a:t> </a:t>
-            </a:r>
-            <a:r>
-              <a:rPr lang="en-US" sz="1600" dirty="0"/>
-              <a:t>available as sugar for creating the whole </a:t>
-            </a:r>
-            <a:r>
-              <a:rPr lang="en-US" sz="1600" dirty="0" err="1"/>
-              <a:t>kaboodle</a:t>
-            </a:r>
-            <a:endParaRPr lang="en-US" sz="1600" dirty="0"/>
-          </a:p>
-          <a:p>
-            <a:pPr marL="342900" indent="-342900" algn="l">
-              <a:buFont typeface="Arial"/>
-              <a:buChar char="•"/>
-            </a:pPr>
-            <a:r>
-              <a:rPr lang="en-US" sz="2000" dirty="0" err="1" smtClean="0"/>
-              <a:t>ngControl</a:t>
-            </a:r>
-            <a:endParaRPr lang="en-US" sz="2000" dirty="0"/>
-          </a:p>
-          <a:p>
-            <a:pPr marL="800100" lvl="1" indent="-342900" algn="l">
-              <a:buFont typeface="Arial"/>
-              <a:buChar char="•"/>
-            </a:pPr>
-            <a:r>
-              <a:rPr lang="en-US" sz="1600" dirty="0" smtClean="0"/>
-              <a:t>Tracks </a:t>
-            </a:r>
-            <a:r>
-              <a:rPr lang="en-US" sz="1600" dirty="0"/>
-              <a:t>state and validity by creating Control object</a:t>
-            </a:r>
-          </a:p>
-          <a:p>
-            <a:pPr marL="800100" lvl="1" indent="-342900" algn="l">
-              <a:buFont typeface="Arial"/>
-              <a:buChar char="•"/>
-            </a:pPr>
-            <a:r>
-              <a:rPr lang="en-US" sz="1600" dirty="0" smtClean="0"/>
-              <a:t>Applies </a:t>
-            </a:r>
-            <a:r>
-              <a:rPr lang="en-US" sz="1600" dirty="0"/>
-              <a:t>classes to element based on UI actions:</a:t>
-            </a:r>
-          </a:p>
-          <a:p>
-            <a:pPr marL="800100" lvl="1" indent="-342900" algn="l">
-              <a:buFont typeface="Arial"/>
-              <a:buChar char="•"/>
-            </a:pPr>
-            <a:r>
-              <a:rPr lang="en-US" sz="1600" dirty="0" smtClean="0"/>
-              <a:t>Control </a:t>
-            </a:r>
-            <a:r>
-              <a:rPr lang="en-US" sz="1600" dirty="0"/>
-              <a:t>visited: </a:t>
-            </a:r>
-            <a:r>
-              <a:rPr lang="en-US" sz="1600" dirty="0" err="1"/>
-              <a:t>ng</a:t>
-            </a:r>
-            <a:r>
-              <a:rPr lang="en-US" sz="1600" dirty="0"/>
-              <a:t>-touched/</a:t>
-            </a:r>
-            <a:r>
-              <a:rPr lang="en-US" sz="1600" dirty="0" err="1"/>
-              <a:t>ng</a:t>
-            </a:r>
-            <a:r>
-              <a:rPr lang="en-US" sz="1600" dirty="0"/>
-              <a:t>-untouched</a:t>
-            </a:r>
-          </a:p>
-          <a:p>
-            <a:pPr marL="800100" lvl="1" indent="-342900" algn="l">
-              <a:buFont typeface="Arial"/>
-              <a:buChar char="•"/>
-            </a:pPr>
-            <a:r>
-              <a:rPr lang="en-US" sz="1600" dirty="0" smtClean="0"/>
-              <a:t>Controls </a:t>
-            </a:r>
-            <a:r>
-              <a:rPr lang="en-US" sz="1600" dirty="0"/>
-              <a:t>value changed: </a:t>
-            </a:r>
-            <a:r>
-              <a:rPr lang="en-US" sz="1600" dirty="0" err="1"/>
-              <a:t>ng</a:t>
-            </a:r>
-            <a:r>
-              <a:rPr lang="en-US" sz="1600" dirty="0"/>
-              <a:t>-dirty/</a:t>
-            </a:r>
-            <a:r>
-              <a:rPr lang="en-US" sz="1600" dirty="0" err="1"/>
-              <a:t>ng</a:t>
-            </a:r>
-            <a:r>
-              <a:rPr lang="en-US" sz="1600" dirty="0"/>
-              <a:t>-pristine</a:t>
-            </a:r>
-          </a:p>
-          <a:p>
-            <a:pPr marL="800100" lvl="1" indent="-342900" algn="l">
-              <a:buFont typeface="Arial"/>
-              <a:buChar char="•"/>
-            </a:pPr>
-            <a:r>
-              <a:rPr lang="en-US" sz="1600" dirty="0" smtClean="0"/>
-              <a:t>Controls </a:t>
-            </a:r>
-            <a:r>
-              <a:rPr lang="en-US" sz="1600" dirty="0"/>
-              <a:t>value valid:  </a:t>
-            </a:r>
-            <a:r>
-              <a:rPr lang="en-US" sz="1600" dirty="0" err="1"/>
-              <a:t>ng</a:t>
-            </a:r>
-            <a:r>
-              <a:rPr lang="en-US" sz="1600" dirty="0"/>
-              <a:t>-valid/</a:t>
-            </a:r>
-            <a:r>
-              <a:rPr lang="en-US" sz="1600" dirty="0" err="1"/>
-              <a:t>ng</a:t>
-            </a:r>
-            <a:r>
-              <a:rPr lang="en-US" sz="1600" dirty="0"/>
-              <a:t>-</a:t>
-            </a:r>
-            <a:r>
-              <a:rPr lang="en-US" sz="1600" dirty="0" smtClean="0"/>
-              <a:t>invalid</a:t>
-            </a:r>
-            <a:endParaRPr lang="en-US" sz="1600" dirty="0"/>
-          </a:p>
-          <a:p>
-            <a:pPr marL="457200" indent="-457200" algn="l">
-              <a:buFont typeface="Arial"/>
-              <a:buChar char="•"/>
-            </a:pPr>
-            <a:r>
-              <a:rPr lang="en-US" sz="2100" dirty="0"/>
-              <a:t> </a:t>
-            </a:r>
-            <a:r>
-              <a:rPr lang="en-US" sz="2100" dirty="0" smtClean="0"/>
-              <a:t>Form </a:t>
-            </a:r>
-            <a:r>
-              <a:rPr lang="en-US" sz="2100" dirty="0"/>
-              <a:t>gotchas</a:t>
-            </a:r>
-          </a:p>
-          <a:p>
-            <a:pPr marL="914400" lvl="1" indent="-457200" algn="l">
-              <a:buFont typeface="Arial"/>
-              <a:buChar char="•"/>
-            </a:pPr>
-            <a:r>
-              <a:rPr lang="en-US" sz="1600" dirty="0" err="1" smtClean="0"/>
-              <a:t>nG</a:t>
-            </a:r>
-            <a:r>
-              <a:rPr lang="en-US" sz="1600" dirty="0" smtClean="0"/>
-              <a:t> </a:t>
-            </a:r>
-            <a:r>
-              <a:rPr lang="en-US" sz="1600" dirty="0"/>
-              <a:t>adds </a:t>
-            </a:r>
-            <a:r>
-              <a:rPr lang="en-US" sz="1600" dirty="0" err="1"/>
-              <a:t>ngForm</a:t>
-            </a:r>
-            <a:r>
-              <a:rPr lang="en-US" sz="1600" dirty="0"/>
-              <a:t> directive to &lt;form&gt; automatically</a:t>
-            </a:r>
-          </a:p>
-          <a:p>
-            <a:pPr marL="914400" lvl="1" indent="-457200" algn="l">
-              <a:buFont typeface="Arial"/>
-              <a:buChar char="•"/>
-            </a:pPr>
-            <a:r>
-              <a:rPr lang="en-US" sz="1600" dirty="0" err="1" smtClean="0"/>
-              <a:t>NgForm</a:t>
-            </a:r>
-            <a:r>
-              <a:rPr lang="en-US" sz="1600" dirty="0"/>
-              <a:t>, </a:t>
-            </a:r>
-            <a:r>
-              <a:rPr lang="en-US" sz="1600" dirty="0" err="1"/>
-              <a:t>NgModel</a:t>
-            </a:r>
-            <a:r>
-              <a:rPr lang="en-US" sz="1600" dirty="0"/>
-              <a:t>, </a:t>
-            </a:r>
-            <a:r>
-              <a:rPr lang="en-US" sz="1600" dirty="0" err="1"/>
-              <a:t>NgControlName</a:t>
-            </a:r>
-            <a:r>
-              <a:rPr lang="en-US" sz="1600" dirty="0"/>
-              <a:t> and </a:t>
-            </a:r>
-            <a:r>
-              <a:rPr lang="en-US" sz="1600" dirty="0" err="1"/>
-              <a:t>NgControlGroup</a:t>
-            </a:r>
-            <a:r>
-              <a:rPr lang="en-US" sz="1600" dirty="0"/>
-              <a:t> all </a:t>
-            </a:r>
-            <a:r>
-              <a:rPr lang="en-US" sz="1600" dirty="0" err="1"/>
-              <a:t>exportAs</a:t>
-            </a:r>
-            <a:r>
-              <a:rPr lang="en-US" sz="1600" dirty="0"/>
-              <a:t> "</a:t>
-            </a:r>
-            <a:r>
-              <a:rPr lang="en-US" sz="1600" dirty="0" err="1" smtClean="0"/>
-              <a:t>ngForm</a:t>
-            </a:r>
-            <a:r>
-              <a:rPr lang="en-US" sz="1600" dirty="0" smtClean="0"/>
-              <a:t>”</a:t>
-            </a:r>
-          </a:p>
-          <a:p>
-            <a:pPr marL="914400" lvl="1" indent="-457200" algn="l">
-              <a:buFont typeface="Arial"/>
-              <a:buChar char="•"/>
-            </a:pPr>
-            <a:r>
-              <a:rPr lang="en-US" sz="1600" dirty="0" err="1" smtClean="0"/>
-              <a:t>ngModel</a:t>
-            </a:r>
-            <a:r>
-              <a:rPr lang="en-US" sz="1600" dirty="0" smtClean="0"/>
-              <a:t> overridden when any other applied to same element</a:t>
-            </a:r>
-          </a:p>
-          <a:p>
-            <a:pPr marL="914400" lvl="1" indent="-457200" algn="l">
-              <a:buFont typeface="Arial"/>
-              <a:buChar char="•"/>
-            </a:pPr>
-            <a:r>
-              <a:rPr lang="en-US" sz="1900" dirty="0" err="1" smtClean="0"/>
-              <a:t>ngControl</a:t>
-            </a:r>
-            <a:r>
-              <a:rPr lang="en-US" sz="1900" dirty="0" smtClean="0"/>
-              <a:t> </a:t>
-            </a:r>
-            <a:r>
-              <a:rPr lang="en-US" sz="1900" dirty="0"/>
-              <a:t>attribute =&gt; directive </a:t>
-            </a:r>
-            <a:r>
-              <a:rPr lang="en-US" sz="1900" dirty="0" err="1"/>
-              <a:t>ngControlName</a:t>
-            </a:r>
-            <a:r>
-              <a:rPr lang="en-US" sz="1900" dirty="0"/>
-              <a:t> (</a:t>
-            </a:r>
-            <a:r>
-              <a:rPr lang="en-US" sz="1900" dirty="0" err="1"/>
-              <a:t>ngControl</a:t>
-            </a:r>
-            <a:r>
-              <a:rPr lang="en-US" sz="1900" dirty="0"/>
-              <a:t> is abstract)</a:t>
-            </a:r>
+              <a:t>observables soon</a:t>
+            </a:r>
+            <a:endParaRPr lang="en-US" sz="800" dirty="0"/>
           </a:p>
         </p:txBody>
       </p:sp>
     </p:spTree>
     <p:extLst>
       <p:ext uri="{BB962C8B-B14F-4D97-AF65-F5344CB8AC3E}">
-        <p14:creationId xmlns:p14="http://schemas.microsoft.com/office/powerpoint/2010/main" val="1484393367"/>
+        <p14:creationId xmlns:p14="http://schemas.microsoft.com/office/powerpoint/2010/main" val="1772659482"/>
       </p:ext>
     </p:extLst>
   </p:cSld>
@@ -5151,10 +6034,9 @@
           <a:bodyPr/>
           <a:lstStyle/>
           <a:p>
-            <a:pPr marL="342900" indent="-342900"/>
             <a:r>
               <a:rPr lang="en-US" dirty="0"/>
-              <a:t>Template reference variables</a:t>
+              <a:t>nG2 Migration Strategy</a:t>
             </a:r>
           </a:p>
         </p:txBody>
@@ -5187,181 +6069,120 @@
             </a:pPr>
             <a:r>
               <a:rPr lang="en-US" sz="2000" dirty="0" smtClean="0"/>
-              <a:t>Add </a:t>
+              <a:t>Component</a:t>
             </a:r>
             <a:r>
               <a:rPr lang="en-US" sz="2000" dirty="0"/>
-              <a:t>#</a:t>
-            </a:r>
-            <a:r>
-              <a:rPr lang="en-US" sz="2000" dirty="0" err="1"/>
-              <a:t>varname</a:t>
+              <a:t>-based architecture can be implemented using nG1.5 Components</a:t>
+            </a:r>
+          </a:p>
+          <a:p>
+            <a:pPr marL="342900" indent="-342900" algn="l">
+              <a:buFont typeface="Arial"/>
+              <a:buChar char="•"/>
+            </a:pPr>
+            <a:r>
+              <a:rPr lang="en-US" sz="2000" dirty="0" smtClean="0"/>
+              <a:t>nG1.5 </a:t>
             </a:r>
             <a:r>
               <a:rPr lang="en-US" sz="2000" dirty="0"/>
-              <a:t> as an </a:t>
-            </a:r>
+              <a:t>app following component pattern should convert relatively easily</a:t>
+            </a:r>
+          </a:p>
+          <a:p>
+            <a:pPr marL="800100" lvl="1" indent="-342900" algn="l">
+              <a:buFont typeface="Arial"/>
+              <a:buChar char="•"/>
+            </a:pPr>
+            <a:r>
+              <a:rPr lang="en-US" sz="1600" dirty="0" smtClean="0"/>
+              <a:t>Template </a:t>
+            </a:r>
+            <a:r>
+              <a:rPr lang="en-US" sz="1600" dirty="0"/>
+              <a:t>syntax conversion is straightforward</a:t>
+            </a:r>
+          </a:p>
+          <a:p>
+            <a:pPr marL="800100" lvl="1" indent="-342900" algn="l">
+              <a:buFont typeface="Arial"/>
+              <a:buChar char="•"/>
+            </a:pPr>
+            <a:r>
+              <a:rPr lang="en-US" sz="1600" dirty="0" smtClean="0"/>
+              <a:t>Component </a:t>
+            </a:r>
+            <a:r>
+              <a:rPr lang="en-US" sz="1600" dirty="0"/>
+              <a:t>syntax cant be converted, but design pattern stays comparable</a:t>
+            </a:r>
+          </a:p>
+          <a:p>
+            <a:pPr marL="800100" lvl="1" indent="-342900" algn="l">
+              <a:buFont typeface="Arial"/>
+              <a:buChar char="•"/>
+            </a:pPr>
+            <a:r>
+              <a:rPr lang="en-US" sz="1600" dirty="0" smtClean="0"/>
+              <a:t>Many </a:t>
+            </a:r>
+            <a:r>
+              <a:rPr lang="en-US" sz="1600" dirty="0"/>
+              <a:t>functions will be </a:t>
+            </a:r>
+            <a:r>
+              <a:rPr lang="en-US" sz="1600" dirty="0" err="1"/>
+              <a:t>copypasteable</a:t>
+            </a:r>
+            <a:r>
+              <a:rPr lang="en-US" sz="1600" dirty="0"/>
+              <a:t>, or small tweaks</a:t>
+            </a:r>
+          </a:p>
+          <a:p>
+            <a:pPr marL="800100" lvl="1" indent="-342900" algn="l">
+              <a:buFont typeface="Arial"/>
+              <a:buChar char="•"/>
+            </a:pPr>
+            <a:r>
+              <a:rPr lang="en-US" sz="1600" dirty="0" smtClean="0"/>
+              <a:t>Services </a:t>
+            </a:r>
+            <a:r>
+              <a:rPr lang="en-US" sz="1600" dirty="0" err="1"/>
+              <a:t>dont</a:t>
+            </a:r>
+            <a:r>
+              <a:rPr lang="en-US" sz="1600" dirty="0"/>
+              <a:t> change much</a:t>
+            </a:r>
+          </a:p>
+          <a:p>
+            <a:pPr marL="342900" indent="-342900" algn="l">
+              <a:buFont typeface="Arial"/>
+              <a:buChar char="•"/>
+            </a:pPr>
             <a:r>
               <a:rPr lang="en-US" sz="2000" dirty="0" smtClean="0"/>
-              <a:t>attribute</a:t>
-            </a:r>
-            <a:endParaRPr lang="en-US" sz="2000" dirty="0"/>
-          </a:p>
-          <a:p>
-            <a:pPr marL="342900" indent="-342900" algn="l">
-              <a:buFont typeface="Arial"/>
-              <a:buChar char="•"/>
-            </a:pPr>
+              <a:t>&lt;</a:t>
+            </a:r>
+            <a:r>
+              <a:rPr lang="en-US" sz="2000" dirty="0"/>
+              <a:t>1.5 apps not following component style will </a:t>
+            </a:r>
             <a:r>
               <a:rPr lang="en-US" sz="2000" dirty="0" smtClean="0"/>
-              <a:t>References </a:t>
-            </a:r>
-            <a:r>
-              <a:rPr lang="en-US" sz="2000" dirty="0"/>
-              <a:t>element by default</a:t>
-            </a:r>
-          </a:p>
-          <a:p>
-            <a:pPr marL="800100" lvl="1" indent="-342900" algn="l">
-              <a:buFont typeface="Arial"/>
-              <a:buChar char="•"/>
-            </a:pPr>
-            <a:r>
-              <a:rPr lang="en-US" sz="1600" dirty="0" smtClean="0"/>
-              <a:t>&lt;</a:t>
-            </a:r>
-            <a:r>
-              <a:rPr lang="en-US" sz="1600" dirty="0"/>
-              <a:t>input #phone placeholder="phone number"&gt;</a:t>
-            </a:r>
-          </a:p>
-          <a:p>
-            <a:pPr marL="800100" lvl="1" indent="-342900" algn="l">
-              <a:buFont typeface="Arial"/>
-              <a:buChar char="•"/>
-            </a:pPr>
-            <a:r>
-              <a:rPr lang="en-US" sz="1600" dirty="0" smtClean="0"/>
-              <a:t>&lt;</a:t>
-            </a:r>
-            <a:r>
-              <a:rPr lang="en-US" sz="1600" dirty="0"/>
-              <a:t>button (click)="</a:t>
-            </a:r>
-            <a:r>
-              <a:rPr lang="en-US" sz="1600" dirty="0" err="1"/>
-              <a:t>callPhone</a:t>
-            </a:r>
-            <a:r>
-              <a:rPr lang="en-US" sz="1600" dirty="0"/>
-              <a:t>(</a:t>
-            </a:r>
-            <a:r>
-              <a:rPr lang="en-US" sz="1600" dirty="0" err="1"/>
-              <a:t>phone.value</a:t>
-            </a:r>
-            <a:r>
-              <a:rPr lang="en-US" sz="1600" dirty="0"/>
-              <a:t>)"&gt;Call&lt;/button&gt;</a:t>
-            </a:r>
-          </a:p>
-          <a:p>
-            <a:pPr marL="342900" indent="-342900" algn="l">
-              <a:buFont typeface="Arial"/>
-              <a:buChar char="•"/>
-            </a:pPr>
-            <a:r>
-              <a:rPr lang="en-US" sz="2000" dirty="0"/>
-              <a:t>  </a:t>
-            </a:r>
-            <a:r>
-              <a:rPr lang="en-US" sz="2000" dirty="0" smtClean="0"/>
-              <a:t>Or</a:t>
-            </a:r>
-            <a:r>
-              <a:rPr lang="en-US" sz="2000" dirty="0"/>
-              <a:t>, assign </a:t>
-            </a:r>
-            <a:r>
-              <a:rPr lang="en-US" sz="2000" dirty="0" err="1"/>
-              <a:t>var</a:t>
-            </a:r>
-            <a:r>
-              <a:rPr lang="en-US" sz="2000" dirty="0"/>
-              <a:t> to form data</a:t>
-            </a:r>
-          </a:p>
-          <a:p>
-            <a:pPr marL="800100" lvl="1" indent="-342900" algn="l">
-              <a:buFont typeface="Arial"/>
-              <a:buChar char="•"/>
-            </a:pPr>
-            <a:r>
-              <a:rPr lang="en-US" sz="1600" dirty="0" smtClean="0"/>
-              <a:t>&lt;</a:t>
-            </a:r>
-            <a:r>
-              <a:rPr lang="en-US" sz="1600" dirty="0"/>
-              <a:t>input </a:t>
-            </a:r>
-            <a:r>
-              <a:rPr lang="en-US" sz="1600" dirty="0" err="1"/>
-              <a:t>ngControl</a:t>
-            </a:r>
-            <a:r>
-              <a:rPr lang="en-US" sz="1600" dirty="0"/>
-              <a:t>="username"  #name="</a:t>
-            </a:r>
-            <a:r>
-              <a:rPr lang="en-US" sz="1600" dirty="0" err="1"/>
-              <a:t>ngForm</a:t>
-            </a:r>
-            <a:r>
-              <a:rPr lang="en-US" sz="1600" dirty="0"/>
-              <a:t>" &gt;</a:t>
-            </a:r>
-          </a:p>
-          <a:p>
-            <a:pPr marL="800100" lvl="1" indent="-342900" algn="l">
-              <a:buFont typeface="Arial"/>
-              <a:buChar char="•"/>
-            </a:pPr>
-            <a:r>
-              <a:rPr lang="en-US" sz="1600" dirty="0" smtClean="0"/>
-              <a:t>&lt;</a:t>
-            </a:r>
-            <a:r>
-              <a:rPr lang="en-US" sz="1600" dirty="0"/>
-              <a:t>div [hidden]="</a:t>
-            </a:r>
-            <a:r>
-              <a:rPr lang="en-US" sz="1600" dirty="0" err="1"/>
-              <a:t>name.valid</a:t>
-            </a:r>
-            <a:r>
-              <a:rPr lang="en-US" sz="1600" dirty="0"/>
-              <a:t> || </a:t>
-            </a:r>
-            <a:r>
-              <a:rPr lang="en-US" sz="1600" dirty="0" err="1"/>
-              <a:t>name.pristine</a:t>
-            </a:r>
-            <a:r>
-              <a:rPr lang="en-US" sz="1600" dirty="0"/>
-              <a:t>" class="alert alert-</a:t>
-            </a:r>
-            <a:r>
-              <a:rPr lang="en-US" sz="1600" dirty="0" smtClean="0"/>
-              <a:t>danger”&gt;</a:t>
-            </a:r>
-            <a:endParaRPr lang="en-US" sz="1600" dirty="0"/>
+              <a:t>require more rewriting</a:t>
+            </a:r>
+            <a:endParaRPr lang="en-US" sz="800" dirty="0"/>
           </a:p>
         </p:txBody>
       </p:sp>
     </p:spTree>
     <p:extLst>
       <p:ext uri="{BB962C8B-B14F-4D97-AF65-F5344CB8AC3E}">
-        <p14:creationId xmlns:p14="http://schemas.microsoft.com/office/powerpoint/2010/main" val="3880746114"/>
+        <p14:creationId xmlns:p14="http://schemas.microsoft.com/office/powerpoint/2010/main" val="3844937598"/>
       </p:ext>
     </p:extLst>
   </p:cSld>

--- a/slides/Angular Slides Day 3.pptx
+++ b/slides/Angular Slides Day 3.pptx
@@ -7,17 +7,25 @@
   <p:sldIdLst>
     <p:sldId id="256" r:id="rId2"/>
     <p:sldId id="258" r:id="rId3"/>
-    <p:sldId id="292" r:id="rId4"/>
-    <p:sldId id="293" r:id="rId5"/>
-    <p:sldId id="294" r:id="rId6"/>
-    <p:sldId id="283" r:id="rId7"/>
-    <p:sldId id="284" r:id="rId8"/>
-    <p:sldId id="285" r:id="rId9"/>
-    <p:sldId id="286" r:id="rId10"/>
-    <p:sldId id="287" r:id="rId11"/>
-    <p:sldId id="288" r:id="rId12"/>
-    <p:sldId id="289" r:id="rId13"/>
-    <p:sldId id="291" r:id="rId14"/>
+    <p:sldId id="295" r:id="rId4"/>
+    <p:sldId id="296" r:id="rId5"/>
+    <p:sldId id="297" r:id="rId6"/>
+    <p:sldId id="298" r:id="rId7"/>
+    <p:sldId id="299" r:id="rId8"/>
+    <p:sldId id="300" r:id="rId9"/>
+    <p:sldId id="301" r:id="rId10"/>
+    <p:sldId id="302" r:id="rId11"/>
+    <p:sldId id="292" r:id="rId12"/>
+    <p:sldId id="293" r:id="rId13"/>
+    <p:sldId id="294" r:id="rId14"/>
+    <p:sldId id="283" r:id="rId15"/>
+    <p:sldId id="284" r:id="rId16"/>
+    <p:sldId id="285" r:id="rId17"/>
+    <p:sldId id="286" r:id="rId18"/>
+    <p:sldId id="287" r:id="rId19"/>
+    <p:sldId id="288" r:id="rId20"/>
+    <p:sldId id="289" r:id="rId21"/>
+    <p:sldId id="291" r:id="rId22"/>
   </p:sldIdLst>
   <p:sldSz cx="9144000" cy="6858000" type="screen4x3"/>
   <p:notesSz cx="6858000" cy="9144000"/>
@@ -300,7 +308,7 @@
           <a:p>
             <a:fld id="{6BFECD78-3C8E-49F2-8FAB-59489D168ABB}" type="datetimeFigureOut">
               <a:rPr lang="en-US" smtClean="0"/>
-              <a:t>10/5/16</a:t>
+              <a:t>10/6/16</a:t>
             </a:fld>
             <a:endParaRPr lang="en-US"/>
           </a:p>
@@ -470,7 +478,7 @@
           <a:p>
             <a:fld id="{6BFECD78-3C8E-49F2-8FAB-59489D168ABB}" type="datetimeFigureOut">
               <a:rPr lang="en-US" smtClean="0"/>
-              <a:t>10/5/16</a:t>
+              <a:t>10/6/16</a:t>
             </a:fld>
             <a:endParaRPr lang="en-US"/>
           </a:p>
@@ -650,7 +658,7 @@
           <a:p>
             <a:fld id="{6BFECD78-3C8E-49F2-8FAB-59489D168ABB}" type="datetimeFigureOut">
               <a:rPr lang="en-US" smtClean="0"/>
-              <a:t>10/5/16</a:t>
+              <a:t>10/6/16</a:t>
             </a:fld>
             <a:endParaRPr lang="en-US"/>
           </a:p>
@@ -820,7 +828,7 @@
           <a:p>
             <a:fld id="{6BFECD78-3C8E-49F2-8FAB-59489D168ABB}" type="datetimeFigureOut">
               <a:rPr lang="en-US" smtClean="0"/>
-              <a:t>10/5/16</a:t>
+              <a:t>10/6/16</a:t>
             </a:fld>
             <a:endParaRPr lang="en-US"/>
           </a:p>
@@ -1066,7 +1074,7 @@
           <a:p>
             <a:fld id="{6BFECD78-3C8E-49F2-8FAB-59489D168ABB}" type="datetimeFigureOut">
               <a:rPr lang="en-US" smtClean="0"/>
-              <a:t>10/5/16</a:t>
+              <a:t>10/6/16</a:t>
             </a:fld>
             <a:endParaRPr lang="en-US"/>
           </a:p>
@@ -1354,7 +1362,7 @@
           <a:p>
             <a:fld id="{6BFECD78-3C8E-49F2-8FAB-59489D168ABB}" type="datetimeFigureOut">
               <a:rPr lang="en-US" smtClean="0"/>
-              <a:t>10/5/16</a:t>
+              <a:t>10/6/16</a:t>
             </a:fld>
             <a:endParaRPr lang="en-US"/>
           </a:p>
@@ -1776,7 +1784,7 @@
           <a:p>
             <a:fld id="{6BFECD78-3C8E-49F2-8FAB-59489D168ABB}" type="datetimeFigureOut">
               <a:rPr lang="en-US" smtClean="0"/>
-              <a:t>10/5/16</a:t>
+              <a:t>10/6/16</a:t>
             </a:fld>
             <a:endParaRPr lang="en-US"/>
           </a:p>
@@ -1894,7 +1902,7 @@
           <a:p>
             <a:fld id="{6BFECD78-3C8E-49F2-8FAB-59489D168ABB}" type="datetimeFigureOut">
               <a:rPr lang="en-US" smtClean="0"/>
-              <a:t>10/5/16</a:t>
+              <a:t>10/6/16</a:t>
             </a:fld>
             <a:endParaRPr lang="en-US"/>
           </a:p>
@@ -1989,7 +1997,7 @@
           <a:p>
             <a:fld id="{6BFECD78-3C8E-49F2-8FAB-59489D168ABB}" type="datetimeFigureOut">
               <a:rPr lang="en-US" smtClean="0"/>
-              <a:t>10/5/16</a:t>
+              <a:t>10/6/16</a:t>
             </a:fld>
             <a:endParaRPr lang="en-US"/>
           </a:p>
@@ -2266,7 +2274,7 @@
           <a:p>
             <a:fld id="{6BFECD78-3C8E-49F2-8FAB-59489D168ABB}" type="datetimeFigureOut">
               <a:rPr lang="en-US" smtClean="0"/>
-              <a:t>10/5/16</a:t>
+              <a:t>10/6/16</a:t>
             </a:fld>
             <a:endParaRPr lang="en-US"/>
           </a:p>
@@ -2523,7 +2531,7 @@
           <a:p>
             <a:fld id="{6BFECD78-3C8E-49F2-8FAB-59489D168ABB}" type="datetimeFigureOut">
               <a:rPr lang="en-US" smtClean="0"/>
-              <a:t>10/5/16</a:t>
+              <a:t>10/6/16</a:t>
             </a:fld>
             <a:endParaRPr lang="en-US"/>
           </a:p>
@@ -2736,7 +2744,7 @@
           <a:p>
             <a:fld id="{6BFECD78-3C8E-49F2-8FAB-59489D168ABB}" type="datetimeFigureOut">
               <a:rPr lang="en-US" smtClean="0"/>
-              <a:t>10/5/16</a:t>
+              <a:t>10/6/16</a:t>
             </a:fld>
             <a:endParaRPr lang="en-US"/>
           </a:p>
@@ -3240,7 +3248,7 @@
           <a:p>
             <a:r>
               <a:rPr lang="en-US" dirty="0"/>
-              <a:t>nG2 Migration Lab</a:t>
+              <a:t>Lab: Get started with Angular 2</a:t>
             </a:r>
           </a:p>
         </p:txBody>
@@ -3267,22 +3275,180 @@
           </a:bodyPr>
           <a:lstStyle/>
           <a:p>
+            <a:pPr marL="342900" indent="-342900" algn="l">
+              <a:buFont typeface="Arial"/>
+              <a:buChar char="•"/>
+            </a:pPr>
             <a:r>
               <a:rPr lang="en-US" sz="2000" dirty="0" smtClean="0"/>
-              <a:t>Convert </a:t>
-            </a:r>
-            <a:r>
-              <a:rPr lang="en-US" sz="2000" dirty="0"/>
-              <a:t>our Jukebox UI to nG2</a:t>
-            </a:r>
-            <a:endParaRPr lang="en-US" sz="800" dirty="0"/>
+              <a:t>Like 1.x, valid HTML + script tag pointing to </a:t>
+            </a:r>
+            <a:r>
+              <a:rPr lang="en-US" sz="2000" dirty="0" err="1" smtClean="0"/>
+              <a:t>angular.js</a:t>
+            </a:r>
+            <a:endParaRPr lang="en-US" sz="2000" dirty="0" smtClean="0"/>
+          </a:p>
+          <a:p>
+            <a:pPr marL="342900" indent="-342900" algn="l">
+              <a:buFont typeface="Arial"/>
+              <a:buChar char="•"/>
+            </a:pPr>
+            <a:r>
+              <a:rPr lang="en-US" sz="2000" dirty="0" smtClean="0"/>
+              <a:t>Core </a:t>
+            </a:r>
+            <a:r>
+              <a:rPr lang="en-US" sz="2000" dirty="0" err="1" smtClean="0"/>
+              <a:t>angular.js</a:t>
+            </a:r>
+            <a:r>
+              <a:rPr lang="en-US" sz="2000" dirty="0" smtClean="0"/>
+              <a:t> is super stripped down</a:t>
+            </a:r>
+          </a:p>
+          <a:p>
+            <a:pPr marL="342900" indent="-342900" algn="l">
+              <a:buFont typeface="Arial"/>
+              <a:buChar char="•"/>
+            </a:pPr>
+            <a:r>
+              <a:rPr lang="en-US" sz="2000" dirty="0" smtClean="0"/>
+              <a:t>More script tags to include what you need</a:t>
+            </a:r>
+          </a:p>
+          <a:p>
+            <a:pPr marL="342900" indent="-342900" algn="l">
+              <a:buFont typeface="Arial"/>
+              <a:buChar char="•"/>
+            </a:pPr>
+            <a:r>
+              <a:rPr lang="en-US" sz="2000" dirty="0" smtClean="0"/>
+              <a:t>Notes on </a:t>
+            </a:r>
+            <a:r>
+              <a:rPr lang="en-US" sz="2000" dirty="0" err="1"/>
+              <a:t>SystemJS</a:t>
+            </a:r>
+            <a:r>
+              <a:rPr lang="en-US" sz="2000" dirty="0"/>
+              <a:t> </a:t>
+            </a:r>
+            <a:endParaRPr lang="en-US" sz="2000" dirty="0" smtClean="0"/>
+          </a:p>
+          <a:p>
+            <a:pPr marL="800100" lvl="1" indent="-342900" algn="l">
+              <a:buFont typeface="Arial"/>
+              <a:buChar char="•"/>
+            </a:pPr>
+            <a:r>
+              <a:rPr lang="en-US" sz="1600" dirty="0" smtClean="0"/>
+              <a:t>It is </a:t>
+            </a:r>
+            <a:r>
+              <a:rPr lang="en-US" sz="1600" dirty="0"/>
+              <a:t>optional - other module loaders such as </a:t>
+            </a:r>
+            <a:r>
+              <a:rPr lang="en-US" sz="1600" dirty="0" err="1"/>
+              <a:t>Webpack</a:t>
+            </a:r>
+            <a:endParaRPr lang="en-US" sz="1600" dirty="0"/>
+          </a:p>
+          <a:p>
+            <a:pPr marL="800100" lvl="1" indent="-342900" algn="l">
+              <a:buFont typeface="Arial"/>
+              <a:buChar char="•"/>
+            </a:pPr>
+            <a:r>
+              <a:rPr lang="en-US" sz="1600" dirty="0" err="1" smtClean="0"/>
+              <a:t>SystemJS</a:t>
+            </a:r>
+            <a:r>
+              <a:rPr lang="en-US" sz="1600" dirty="0" smtClean="0"/>
+              <a:t> </a:t>
+            </a:r>
+            <a:r>
+              <a:rPr lang="en-US" sz="1600" dirty="0"/>
+              <a:t>is capable of </a:t>
+            </a:r>
+            <a:r>
+              <a:rPr lang="en-US" sz="1600" dirty="0" err="1"/>
+              <a:t>transpiling</a:t>
+            </a:r>
+            <a:r>
+              <a:rPr lang="en-US" sz="1600" dirty="0"/>
+              <a:t> on the fly (client side)</a:t>
+            </a:r>
+          </a:p>
+          <a:p>
+            <a:pPr marL="800100" lvl="1" indent="-342900" algn="l">
+              <a:buFont typeface="Arial"/>
+              <a:buChar char="•"/>
+            </a:pPr>
+            <a:r>
+              <a:rPr lang="en-US" sz="1600" dirty="0" smtClean="0"/>
+              <a:t>Not officially recommended</a:t>
+            </a:r>
+            <a:endParaRPr lang="en-US" sz="1600" dirty="0"/>
+          </a:p>
+          <a:p>
+            <a:pPr marL="800100" lvl="1" indent="-342900" algn="l">
+              <a:buFont typeface="Arial"/>
+              <a:buChar char="•"/>
+            </a:pPr>
+            <a:r>
+              <a:rPr lang="en-US" sz="1600" dirty="0" smtClean="0"/>
+              <a:t>But it </a:t>
+            </a:r>
+            <a:r>
+              <a:rPr lang="en-US" sz="1600" dirty="0"/>
+              <a:t>is faster than waiting for a watcher to recompile</a:t>
+            </a:r>
+          </a:p>
+          <a:p>
+            <a:pPr marL="800100" lvl="1" indent="-342900" algn="l">
+              <a:buFont typeface="Arial"/>
+              <a:buChar char="•"/>
+            </a:pPr>
+            <a:r>
+              <a:rPr lang="en-US" sz="1600" dirty="0" smtClean="0"/>
+              <a:t>Also code </a:t>
+            </a:r>
+            <a:r>
+              <a:rPr lang="en-US" sz="1600" dirty="0"/>
+              <a:t>will sometimes run in browser when the TSC compiler </a:t>
+            </a:r>
+            <a:r>
+              <a:rPr lang="en-US" sz="1600" dirty="0" smtClean="0"/>
+              <a:t>errors</a:t>
+            </a:r>
+          </a:p>
+          <a:p>
+            <a:pPr marL="800100" lvl="1" indent="-342900" algn="l">
+              <a:buFont typeface="Arial"/>
+              <a:buChar char="•"/>
+            </a:pPr>
+            <a:r>
+              <a:rPr lang="en-US" sz="1600" dirty="0" err="1" smtClean="0"/>
+              <a:t>tsc</a:t>
+            </a:r>
+            <a:r>
+              <a:rPr lang="en-US" sz="1600" dirty="0" smtClean="0"/>
+              <a:t> </a:t>
+            </a:r>
+            <a:r>
+              <a:rPr lang="en-US" sz="1600" dirty="0"/>
+              <a:t>depends more on definition files to provide typing</a:t>
+            </a:r>
+            <a:endParaRPr lang="is-IS" sz="1600" dirty="0"/>
           </a:p>
         </p:txBody>
       </p:sp>
     </p:spTree>
     <p:extLst>
       <p:ext uri="{BB962C8B-B14F-4D97-AF65-F5344CB8AC3E}">
-        <p14:creationId xmlns:p14="http://schemas.microsoft.com/office/powerpoint/2010/main" val="1900653321"/>
+        <p14:creationId xmlns:p14="http://schemas.microsoft.com/office/powerpoint/2010/main" val="1922799947"/>
       </p:ext>
     </p:extLst>
   </p:cSld>
@@ -3338,7 +3504,7 @@
           <a:p>
             <a:r>
               <a:rPr lang="en-US" dirty="0"/>
-              <a:t>Forms and validation</a:t>
+              <a:t>Built in filters</a:t>
             </a:r>
           </a:p>
         </p:txBody>
@@ -3361,7 +3527,7 @@
         </p:spPr>
         <p:txBody>
           <a:bodyPr>
-            <a:normAutofit fontScale="92500" lnSpcReduction="10000"/>
+            <a:normAutofit/>
           </a:bodyPr>
           <a:lstStyle/>
           <a:p>
@@ -3370,394 +3536,165 @@
               <a:buChar char="•"/>
             </a:pPr>
             <a:r>
-              <a:rPr lang="en-US" sz="2000" dirty="0" err="1" smtClean="0"/>
-              <a:t>ngModel</a:t>
-            </a:r>
+              <a:rPr lang="en-US" sz="2400" dirty="0" smtClean="0"/>
+              <a:t>Filters get a </a:t>
+            </a:r>
+            <a:r>
+              <a:rPr lang="en-US" sz="2400" dirty="0"/>
+              <a:t>template </a:t>
+            </a:r>
+            <a:r>
+              <a:rPr lang="en-US" sz="2400" dirty="0" smtClean="0"/>
+              <a:t>expression</a:t>
+            </a:r>
+            <a:r>
+              <a:rPr lang="en-US" sz="2400" dirty="0"/>
+              <a:t> “piped</a:t>
+            </a:r>
+            <a:r>
+              <a:rPr lang="en-US" sz="2400" dirty="0" smtClean="0"/>
+              <a:t>” to them</a:t>
+            </a:r>
+            <a:endParaRPr lang="en-US" sz="2400" dirty="0"/>
+          </a:p>
+          <a:p>
+            <a:pPr marL="342900" indent="-342900" algn="l">
+              <a:buFont typeface="Arial"/>
+              <a:buChar char="•"/>
+            </a:pPr>
+            <a:r>
+              <a:rPr lang="en-US" sz="2400" dirty="0" smtClean="0"/>
+              <a:t>&lt;</a:t>
+            </a:r>
+            <a:r>
+              <a:rPr lang="en-US" sz="2400" dirty="0"/>
+              <a:t>p </a:t>
+            </a:r>
+            <a:r>
+              <a:rPr lang="en-US" sz="2400" dirty="0" err="1"/>
+              <a:t>ng</a:t>
+            </a:r>
+            <a:r>
+              <a:rPr lang="en-US" sz="2400" dirty="0"/>
+              <a:t>-some-directive="{{ value | </a:t>
+            </a:r>
+            <a:r>
+              <a:rPr lang="en-US" sz="2400" dirty="0" err="1"/>
+              <a:t>filtername</a:t>
+            </a:r>
+            <a:r>
+              <a:rPr lang="en-US" sz="2400" dirty="0"/>
+              <a:t> }}"&lt;/p&gt;</a:t>
+            </a:r>
+          </a:p>
+          <a:p>
+            <a:pPr marL="342900" indent="-342900" algn="l">
+              <a:buFont typeface="Arial"/>
+              <a:buChar char="•"/>
+            </a:pPr>
+            <a:r>
+              <a:rPr lang="en-US" sz="2400" dirty="0" smtClean="0"/>
+              <a:t>Chainable: </a:t>
+            </a:r>
+            <a:r>
+              <a:rPr lang="en-US" sz="2400" dirty="0"/>
+              <a:t>{{ value | </a:t>
+            </a:r>
+            <a:r>
+              <a:rPr lang="en-US" sz="2400" dirty="0" err="1"/>
+              <a:t>filtername</a:t>
+            </a:r>
+            <a:r>
+              <a:rPr lang="en-US" sz="2400" dirty="0"/>
+              <a:t> | </a:t>
+            </a:r>
+            <a:r>
+              <a:rPr lang="en-US" sz="2400" dirty="0" err="1"/>
+              <a:t>anotherfilter</a:t>
+            </a:r>
+            <a:r>
+              <a:rPr lang="en-US" sz="2400" dirty="0"/>
+              <a:t> }}</a:t>
+            </a:r>
+          </a:p>
+          <a:p>
+            <a:pPr marL="342900" indent="-342900" algn="l">
+              <a:buFont typeface="Arial"/>
+              <a:buChar char="•"/>
+            </a:pPr>
+            <a:r>
+              <a:rPr lang="en-US" sz="2400" dirty="0" smtClean="0"/>
+              <a:t>Accepts </a:t>
+            </a:r>
+            <a:r>
+              <a:rPr lang="en-US" sz="2400" dirty="0"/>
+              <a:t>parameters with colon: </a:t>
+            </a:r>
+            <a:endParaRPr lang="en-US" sz="2400" dirty="0" smtClean="0"/>
+          </a:p>
+          <a:p>
+            <a:pPr marL="800100" lvl="1" indent="-342900" algn="l">
+              <a:buFont typeface="Arial"/>
+              <a:buChar char="•"/>
+            </a:pPr>
             <a:r>
               <a:rPr lang="en-US" sz="2000" dirty="0" smtClean="0"/>
-              <a:t> </a:t>
-            </a:r>
-            <a:r>
-              <a:rPr lang="en-US" sz="2000" dirty="0"/>
-              <a:t>is still available, but forms get a new non-DOM syntax</a:t>
-            </a:r>
-          </a:p>
-          <a:p>
-            <a:pPr marL="800100" lvl="1" indent="-342900" algn="l">
-              <a:buFont typeface="Arial"/>
-              <a:buChar char="•"/>
-            </a:pPr>
-            <a:r>
-              <a:rPr lang="en-US" sz="1600" dirty="0" smtClean="0"/>
-              <a:t>Controls </a:t>
-            </a:r>
-            <a:r>
-              <a:rPr lang="en-US" sz="1600" dirty="0"/>
-              <a:t>are built from Validators</a:t>
-            </a:r>
-          </a:p>
-          <a:p>
-            <a:pPr marL="800100" lvl="1" indent="-342900" algn="l">
-              <a:buFont typeface="Arial"/>
-              <a:buChar char="•"/>
-            </a:pPr>
-            <a:r>
-              <a:rPr lang="en-US" sz="1600" dirty="0" smtClean="0"/>
-              <a:t>email</a:t>
-            </a:r>
-            <a:r>
-              <a:rPr lang="en-US" sz="1600" dirty="0"/>
-              <a:t>: new Control("email", </a:t>
-            </a:r>
-            <a:r>
-              <a:rPr lang="en-US" sz="1600" dirty="0" err="1"/>
-              <a:t>Validators.required</a:t>
-            </a:r>
-            <a:r>
-              <a:rPr lang="en-US" sz="1600" dirty="0"/>
-              <a:t>)</a:t>
-            </a:r>
-          </a:p>
-          <a:p>
-            <a:pPr marL="800100" lvl="1" indent="-342900" algn="l">
-              <a:buFont typeface="Arial"/>
-              <a:buChar char="•"/>
-            </a:pPr>
-            <a:r>
-              <a:rPr lang="en-US" sz="1600" dirty="0" err="1" smtClean="0"/>
-              <a:t>ControlGroup</a:t>
-            </a:r>
-            <a:r>
-              <a:rPr lang="en-US" sz="1600" dirty="0" smtClean="0"/>
-              <a:t> </a:t>
-            </a:r>
-            <a:r>
-              <a:rPr lang="en-US" sz="1600" dirty="0"/>
-              <a:t>built from controls</a:t>
-            </a:r>
-          </a:p>
-          <a:p>
-            <a:pPr marL="800100" lvl="1" indent="-342900" algn="l">
-              <a:buFont typeface="Arial"/>
-              <a:buChar char="•"/>
-            </a:pPr>
-            <a:r>
-              <a:rPr lang="en-US" sz="1600" dirty="0" err="1" smtClean="0"/>
-              <a:t>FormBuilder</a:t>
-            </a:r>
-            <a:r>
-              <a:rPr lang="en-US" sz="1600" dirty="0" smtClean="0"/>
-              <a:t> </a:t>
-            </a:r>
-            <a:r>
-              <a:rPr lang="en-US" sz="1600" dirty="0"/>
-              <a:t>available as sugar for creating the whole </a:t>
-            </a:r>
-            <a:r>
-              <a:rPr lang="en-US" sz="1600" dirty="0" err="1"/>
-              <a:t>kaboodle</a:t>
-            </a:r>
-            <a:endParaRPr lang="en-US" sz="1600" dirty="0"/>
-          </a:p>
-          <a:p>
-            <a:pPr marL="342900" indent="-342900" algn="l">
-              <a:buFont typeface="Arial"/>
-              <a:buChar char="•"/>
-            </a:pPr>
-            <a:r>
-              <a:rPr lang="en-US" sz="2000" dirty="0" err="1" smtClean="0"/>
-              <a:t>ngControl</a:t>
+              <a:t>{</a:t>
+            </a:r>
+            <a:r>
+              <a:rPr lang="en-US" sz="2000" dirty="0"/>
+              <a:t>{ value | </a:t>
+            </a:r>
+            <a:r>
+              <a:rPr lang="en-US" sz="2000" dirty="0" err="1"/>
+              <a:t>filtername:oneparameter:anotherparam</a:t>
+            </a:r>
+            <a:r>
+              <a:rPr lang="en-US" sz="2000" dirty="0"/>
+              <a:t> }}</a:t>
+            </a:r>
+          </a:p>
+          <a:p>
+            <a:pPr marL="342900" indent="-342900" algn="l">
+              <a:buFont typeface="Arial"/>
+              <a:buChar char="•"/>
+            </a:pPr>
+            <a:r>
+              <a:rPr lang="en-US" sz="2400" dirty="0" smtClean="0"/>
+              <a:t>Watch </a:t>
+            </a:r>
+            <a:r>
+              <a:rPr lang="en-US" sz="2400" dirty="0"/>
+              <a:t>out for performance penalties (filters can be expensive)</a:t>
+            </a:r>
+          </a:p>
+          <a:p>
+            <a:pPr marL="342900" indent="-342900" algn="l">
+              <a:buFont typeface="Arial"/>
+              <a:buChar char="•"/>
+            </a:pPr>
+            <a:r>
+              <a:rPr lang="en-US" sz="2400" dirty="0" smtClean="0"/>
+              <a:t>examples</a:t>
+            </a:r>
+            <a:r>
+              <a:rPr lang="en-US" sz="2400" dirty="0"/>
+              <a:t>/01-built-in-filters</a:t>
             </a:r>
             <a:endParaRPr lang="en-US" sz="2000" dirty="0"/>
-          </a:p>
-          <a:p>
-            <a:pPr marL="800100" lvl="1" indent="-342900" algn="l">
-              <a:buFont typeface="Arial"/>
-              <a:buChar char="•"/>
-            </a:pPr>
-            <a:r>
-              <a:rPr lang="en-US" sz="1600" dirty="0" smtClean="0"/>
-              <a:t>Tracks </a:t>
-            </a:r>
-            <a:r>
-              <a:rPr lang="en-US" sz="1600" dirty="0"/>
-              <a:t>state and validity by creating Control object</a:t>
-            </a:r>
-          </a:p>
-          <a:p>
-            <a:pPr marL="800100" lvl="1" indent="-342900" algn="l">
-              <a:buFont typeface="Arial"/>
-              <a:buChar char="•"/>
-            </a:pPr>
-            <a:r>
-              <a:rPr lang="en-US" sz="1600" dirty="0" smtClean="0"/>
-              <a:t>Applies </a:t>
-            </a:r>
-            <a:r>
-              <a:rPr lang="en-US" sz="1600" dirty="0"/>
-              <a:t>classes to element based on UI actions:</a:t>
-            </a:r>
-          </a:p>
-          <a:p>
-            <a:pPr marL="800100" lvl="1" indent="-342900" algn="l">
-              <a:buFont typeface="Arial"/>
-              <a:buChar char="•"/>
-            </a:pPr>
-            <a:r>
-              <a:rPr lang="en-US" sz="1600" dirty="0" smtClean="0"/>
-              <a:t>Control </a:t>
-            </a:r>
-            <a:r>
-              <a:rPr lang="en-US" sz="1600" dirty="0"/>
-              <a:t>visited: </a:t>
-            </a:r>
-            <a:r>
-              <a:rPr lang="en-US" sz="1600" dirty="0" err="1"/>
-              <a:t>ng</a:t>
-            </a:r>
-            <a:r>
-              <a:rPr lang="en-US" sz="1600" dirty="0"/>
-              <a:t>-touched/</a:t>
-            </a:r>
-            <a:r>
-              <a:rPr lang="en-US" sz="1600" dirty="0" err="1"/>
-              <a:t>ng</a:t>
-            </a:r>
-            <a:r>
-              <a:rPr lang="en-US" sz="1600" dirty="0"/>
-              <a:t>-untouched</a:t>
-            </a:r>
-          </a:p>
-          <a:p>
-            <a:pPr marL="800100" lvl="1" indent="-342900" algn="l">
-              <a:buFont typeface="Arial"/>
-              <a:buChar char="•"/>
-            </a:pPr>
-            <a:r>
-              <a:rPr lang="en-US" sz="1600" dirty="0" smtClean="0"/>
-              <a:t>Controls </a:t>
-            </a:r>
-            <a:r>
-              <a:rPr lang="en-US" sz="1600" dirty="0"/>
-              <a:t>value changed: </a:t>
-            </a:r>
-            <a:r>
-              <a:rPr lang="en-US" sz="1600" dirty="0" err="1"/>
-              <a:t>ng</a:t>
-            </a:r>
-            <a:r>
-              <a:rPr lang="en-US" sz="1600" dirty="0"/>
-              <a:t>-dirty/</a:t>
-            </a:r>
-            <a:r>
-              <a:rPr lang="en-US" sz="1600" dirty="0" err="1"/>
-              <a:t>ng</a:t>
-            </a:r>
-            <a:r>
-              <a:rPr lang="en-US" sz="1600" dirty="0"/>
-              <a:t>-pristine</a:t>
-            </a:r>
-          </a:p>
-          <a:p>
-            <a:pPr marL="800100" lvl="1" indent="-342900" algn="l">
-              <a:buFont typeface="Arial"/>
-              <a:buChar char="•"/>
-            </a:pPr>
-            <a:r>
-              <a:rPr lang="en-US" sz="1600" dirty="0" smtClean="0"/>
-              <a:t>Controls </a:t>
-            </a:r>
-            <a:r>
-              <a:rPr lang="en-US" sz="1600" dirty="0"/>
-              <a:t>value valid:  </a:t>
-            </a:r>
-            <a:r>
-              <a:rPr lang="en-US" sz="1600" dirty="0" err="1"/>
-              <a:t>ng</a:t>
-            </a:r>
-            <a:r>
-              <a:rPr lang="en-US" sz="1600" dirty="0"/>
-              <a:t>-valid/</a:t>
-            </a:r>
-            <a:r>
-              <a:rPr lang="en-US" sz="1600" dirty="0" err="1"/>
-              <a:t>ng</a:t>
-            </a:r>
-            <a:r>
-              <a:rPr lang="en-US" sz="1600" dirty="0"/>
-              <a:t>-</a:t>
-            </a:r>
-            <a:r>
-              <a:rPr lang="en-US" sz="1600" dirty="0" smtClean="0"/>
-              <a:t>invalid</a:t>
-            </a:r>
-            <a:endParaRPr lang="en-US" sz="1600" dirty="0"/>
-          </a:p>
-          <a:p>
-            <a:pPr marL="457200" indent="-457200" algn="l">
-              <a:buFont typeface="Arial"/>
-              <a:buChar char="•"/>
-            </a:pPr>
-            <a:r>
-              <a:rPr lang="en-US" sz="2100" dirty="0"/>
-              <a:t> </a:t>
-            </a:r>
-            <a:r>
-              <a:rPr lang="en-US" sz="2100" dirty="0" smtClean="0"/>
-              <a:t>Form </a:t>
-            </a:r>
-            <a:r>
-              <a:rPr lang="en-US" sz="2100" dirty="0"/>
-              <a:t>gotchas</a:t>
-            </a:r>
-          </a:p>
-          <a:p>
-            <a:pPr marL="914400" lvl="1" indent="-457200" algn="l">
-              <a:buFont typeface="Arial"/>
-              <a:buChar char="•"/>
-            </a:pPr>
-            <a:r>
-              <a:rPr lang="en-US" sz="1600" dirty="0" err="1" smtClean="0"/>
-              <a:t>nG</a:t>
-            </a:r>
-            <a:r>
-              <a:rPr lang="en-US" sz="1600" dirty="0" smtClean="0"/>
-              <a:t> </a:t>
-            </a:r>
-            <a:r>
-              <a:rPr lang="en-US" sz="1600" dirty="0"/>
-              <a:t>adds </a:t>
-            </a:r>
-            <a:r>
-              <a:rPr lang="en-US" sz="1600" dirty="0" err="1"/>
-              <a:t>ngForm</a:t>
-            </a:r>
-            <a:r>
-              <a:rPr lang="en-US" sz="1600" dirty="0"/>
-              <a:t> directive to &lt;form&gt; automatically</a:t>
-            </a:r>
-          </a:p>
-          <a:p>
-            <a:pPr marL="914400" lvl="1" indent="-457200" algn="l">
-              <a:buFont typeface="Arial"/>
-              <a:buChar char="•"/>
-            </a:pPr>
-            <a:r>
-              <a:rPr lang="en-US" sz="1600" dirty="0" err="1" smtClean="0"/>
-              <a:t>NgForm</a:t>
-            </a:r>
-            <a:r>
-              <a:rPr lang="en-US" sz="1600" dirty="0"/>
-              <a:t>, </a:t>
-            </a:r>
-            <a:r>
-              <a:rPr lang="en-US" sz="1600" dirty="0" err="1"/>
-              <a:t>NgModel</a:t>
-            </a:r>
-            <a:r>
-              <a:rPr lang="en-US" sz="1600" dirty="0"/>
-              <a:t>, </a:t>
-            </a:r>
-            <a:r>
-              <a:rPr lang="en-US" sz="1600" dirty="0" err="1"/>
-              <a:t>NgControlName</a:t>
-            </a:r>
-            <a:r>
-              <a:rPr lang="en-US" sz="1600" dirty="0"/>
-              <a:t> and </a:t>
-            </a:r>
-            <a:r>
-              <a:rPr lang="en-US" sz="1600" dirty="0" err="1"/>
-              <a:t>NgControlGroup</a:t>
-            </a:r>
-            <a:r>
-              <a:rPr lang="en-US" sz="1600" dirty="0"/>
-              <a:t> all </a:t>
-            </a:r>
-            <a:r>
-              <a:rPr lang="en-US" sz="1600" dirty="0" err="1"/>
-              <a:t>exportAs</a:t>
-            </a:r>
-            <a:r>
-              <a:rPr lang="en-US" sz="1600" dirty="0"/>
-              <a:t> "</a:t>
-            </a:r>
-            <a:r>
-              <a:rPr lang="en-US" sz="1600" dirty="0" err="1" smtClean="0"/>
-              <a:t>ngForm</a:t>
-            </a:r>
-            <a:r>
-              <a:rPr lang="en-US" sz="1600" dirty="0" smtClean="0"/>
-              <a:t>”</a:t>
-            </a:r>
-          </a:p>
-          <a:p>
-            <a:pPr marL="914400" lvl="1" indent="-457200" algn="l">
-              <a:buFont typeface="Arial"/>
-              <a:buChar char="•"/>
-            </a:pPr>
-            <a:r>
-              <a:rPr lang="en-US" sz="1600" dirty="0" err="1" smtClean="0"/>
-              <a:t>ngModel</a:t>
-            </a:r>
-            <a:r>
-              <a:rPr lang="en-US" sz="1600" dirty="0" smtClean="0"/>
-              <a:t> overridden when any other applied to same element</a:t>
-            </a:r>
-          </a:p>
-          <a:p>
-            <a:pPr marL="914400" lvl="1" indent="-457200" algn="l">
-              <a:buFont typeface="Arial"/>
-              <a:buChar char="•"/>
-            </a:pPr>
-            <a:r>
-              <a:rPr lang="en-US" sz="1900" dirty="0" err="1" smtClean="0"/>
-              <a:t>ngControl</a:t>
-            </a:r>
-            <a:r>
-              <a:rPr lang="en-US" sz="1900" dirty="0" smtClean="0"/>
-              <a:t> </a:t>
-            </a:r>
-            <a:r>
-              <a:rPr lang="en-US" sz="1900" dirty="0"/>
-              <a:t>attribute =&gt; directive </a:t>
-            </a:r>
-            <a:r>
-              <a:rPr lang="en-US" sz="1900" dirty="0" err="1"/>
-              <a:t>ngControlName</a:t>
-            </a:r>
-            <a:r>
-              <a:rPr lang="en-US" sz="1900" dirty="0"/>
-              <a:t> (</a:t>
-            </a:r>
-            <a:r>
-              <a:rPr lang="en-US" sz="1900" dirty="0" err="1"/>
-              <a:t>ngControl</a:t>
-            </a:r>
-            <a:r>
-              <a:rPr lang="en-US" sz="1900" dirty="0"/>
-              <a:t> is abstract)</a:t>
-            </a:r>
           </a:p>
         </p:txBody>
       </p:sp>
     </p:spTree>
     <p:extLst>
       <p:ext uri="{BB962C8B-B14F-4D97-AF65-F5344CB8AC3E}">
-        <p14:creationId xmlns:p14="http://schemas.microsoft.com/office/powerpoint/2010/main" val="1484393367"/>
+        <p14:creationId xmlns:p14="http://schemas.microsoft.com/office/powerpoint/2010/main" val="1071949074"/>
       </p:ext>
     </p:extLst>
   </p:cSld>
   <p:clrMapOvr>
     <a:masterClrMapping/>
   </p:clrMapOvr>
-  <p:timing>
-    <p:tnLst>
-      <p:par>
-        <p:cTn xmlns:p14="http://schemas.microsoft.com/office/powerpoint/2010/main" id="1" dur="indefinite" restart="never" nodeType="tmRoot"/>
-      </p:par>
-    </p:tnLst>
-  </p:timing>
 </p:sld>
 </file>
 
@@ -3798,10 +3735,9 @@
           <a:bodyPr/>
           <a:lstStyle/>
           <a:p>
-            <a:pPr marL="342900" indent="-342900"/>
             <a:r>
               <a:rPr lang="en-US" dirty="0"/>
-              <a:t>Template reference variables</a:t>
+              <a:t>Custom filters</a:t>
             </a:r>
           </a:p>
         </p:txBody>
@@ -3824,7 +3760,7 @@
         </p:spPr>
         <p:txBody>
           <a:bodyPr>
-            <a:normAutofit/>
+            <a:normAutofit lnSpcReduction="10000"/>
           </a:bodyPr>
           <a:lstStyle/>
           <a:p>
@@ -3833,195 +3769,235 @@
               <a:buChar char="•"/>
             </a:pPr>
             <a:r>
+              <a:rPr lang="en-US" sz="2400" dirty="0" smtClean="0"/>
+              <a:t>Register </a:t>
+            </a:r>
+            <a:r>
+              <a:rPr lang="en-US" sz="2400" dirty="0"/>
+              <a:t>custom functions with </a:t>
+            </a:r>
+            <a:r>
+              <a:rPr lang="en-US" sz="2400" dirty="0" err="1"/>
+              <a:t>nG</a:t>
+            </a:r>
+            <a:r>
+              <a:rPr lang="en-US" sz="2400" dirty="0"/>
+              <a:t> using a '</a:t>
+            </a:r>
+            <a:r>
+              <a:rPr lang="en-US" sz="2400" dirty="0">
+                <a:solidFill>
+                  <a:srgbClr val="FF6600"/>
+                </a:solidFill>
+              </a:rPr>
+              <a:t>recipe</a:t>
+            </a:r>
+            <a:r>
+              <a:rPr lang="en-US" sz="2400" dirty="0"/>
+              <a:t>' pattern</a:t>
+            </a:r>
+          </a:p>
+          <a:p>
+            <a:pPr marL="800100" lvl="1" indent="-342900" algn="l">
+              <a:buFont typeface="Arial"/>
+              <a:buChar char="•"/>
+            </a:pPr>
+            <a:r>
               <a:rPr lang="en-US" sz="2000" dirty="0" smtClean="0"/>
-              <a:t>Add </a:t>
-            </a:r>
-            <a:r>
-              <a:rPr lang="en-US" sz="2000" dirty="0"/>
-              <a:t>#</a:t>
+              <a:t>Recipe </a:t>
+            </a:r>
+            <a:r>
+              <a:rPr lang="en-US" sz="2000" dirty="0"/>
+              <a:t>pattern: from a reference to a module, call a factory</a:t>
+            </a:r>
+          </a:p>
+          <a:p>
+            <a:pPr marL="800100" lvl="1" indent="-342900" algn="l">
+              <a:buFont typeface="Arial"/>
+              <a:buChar char="•"/>
+            </a:pPr>
+            <a:r>
+              <a:rPr lang="en-US" sz="2000" dirty="0" smtClean="0"/>
+              <a:t>module </a:t>
+            </a:r>
+            <a:r>
+              <a:rPr lang="en-US" sz="2000" dirty="0"/>
+              <a:t>is a standalone unit of </a:t>
             </a:r>
             <a:r>
               <a:rPr lang="en-US" sz="2000" dirty="0" err="1"/>
-              <a:t>varname</a:t>
-            </a:r>
-            <a:r>
-              <a:rPr lang="en-US" sz="2000" dirty="0"/>
-              <a:t> as an </a:t>
-            </a:r>
+              <a:t>nG</a:t>
+            </a:r>
+            <a:r>
+              <a:rPr lang="en-US" sz="2000" dirty="0"/>
+              <a:t> code</a:t>
+            </a:r>
+          </a:p>
+          <a:p>
+            <a:pPr marL="800100" lvl="1" indent="-342900" algn="l">
+              <a:buFont typeface="Arial"/>
+              <a:buChar char="•"/>
+            </a:pPr>
             <a:r>
               <a:rPr lang="en-US" sz="2000" dirty="0" smtClean="0"/>
-              <a:t>attribute</a:t>
+              <a:t>Reference </a:t>
+            </a:r>
+            <a:r>
+              <a:rPr lang="en-US" sz="2000" dirty="0"/>
+              <a:t>to a module:</a:t>
+            </a:r>
+          </a:p>
+          <a:p>
+            <a:pPr marL="1257300" lvl="2" indent="-342900" algn="l">
+              <a:buFont typeface="Arial"/>
+              <a:buChar char="•"/>
+            </a:pPr>
+            <a:r>
+              <a:rPr lang="en-US" sz="1600" dirty="0" smtClean="0"/>
+              <a:t>new </a:t>
+            </a:r>
+            <a:r>
+              <a:rPr lang="en-US" sz="1600" dirty="0"/>
+              <a:t>module (note empty array): </a:t>
+            </a:r>
+            <a:r>
+              <a:rPr lang="en-US" sz="1600" dirty="0" err="1" smtClean="0"/>
+              <a:t>angular.module</a:t>
+            </a:r>
+            <a:r>
+              <a:rPr lang="en-US" sz="1600" dirty="0"/>
+              <a:t>('</a:t>
+            </a:r>
+            <a:r>
+              <a:rPr lang="en-US" sz="1600" dirty="0" err="1"/>
+              <a:t>someModuleName</a:t>
+            </a:r>
+            <a:r>
+              <a:rPr lang="en-US" sz="1600" dirty="0"/>
+              <a:t>', [])</a:t>
+            </a:r>
+          </a:p>
+          <a:p>
+            <a:pPr marL="1257300" lvl="2" indent="-342900" algn="l">
+              <a:buFont typeface="Arial"/>
+              <a:buChar char="•"/>
+            </a:pPr>
+            <a:r>
+              <a:rPr lang="en-US" sz="1600" dirty="0" smtClean="0"/>
+              <a:t>existing </a:t>
+            </a:r>
+            <a:r>
+              <a:rPr lang="en-US" sz="1600" dirty="0"/>
+              <a:t>module: </a:t>
+            </a:r>
+            <a:r>
+              <a:rPr lang="en-US" sz="1600" dirty="0" err="1"/>
+              <a:t>angular.module</a:t>
+            </a:r>
+            <a:r>
+              <a:rPr lang="en-US" sz="1600" dirty="0"/>
+              <a:t>('</a:t>
+            </a:r>
+            <a:r>
+              <a:rPr lang="en-US" sz="1600" dirty="0" err="1"/>
+              <a:t>someModuleName</a:t>
+            </a:r>
+            <a:r>
+              <a:rPr lang="en-US" sz="1600" dirty="0"/>
+              <a:t>')</a:t>
+            </a:r>
+          </a:p>
+          <a:p>
+            <a:pPr marL="342900" indent="-342900" algn="l">
+              <a:buFont typeface="Arial"/>
+              <a:buChar char="•"/>
+            </a:pPr>
+            <a:r>
+              <a:rPr lang="en-US" sz="2400" dirty="0" smtClean="0"/>
+              <a:t>Factory </a:t>
+            </a:r>
+            <a:r>
+              <a:rPr lang="en-US" sz="2400" dirty="0"/>
+              <a:t>call: .filter('</a:t>
+            </a:r>
+            <a:r>
+              <a:rPr lang="en-US" sz="2400" dirty="0" err="1"/>
+              <a:t>thisFilterName</a:t>
+            </a:r>
+            <a:r>
+              <a:rPr lang="en-US" sz="2400" dirty="0"/>
+              <a:t>', function (text) {...})</a:t>
+            </a:r>
+          </a:p>
+          <a:p>
+            <a:pPr marL="342900" indent="-342900" algn="l">
+              <a:buFont typeface="Arial"/>
+              <a:buChar char="•"/>
+            </a:pPr>
+            <a:r>
+              <a:rPr lang="en-US" sz="2400" dirty="0" smtClean="0"/>
+              <a:t>Factory </a:t>
+            </a:r>
+            <a:r>
+              <a:rPr lang="en-US" sz="2400" dirty="0"/>
+              <a:t>function gets passed the value from when the filter was invoked</a:t>
+            </a:r>
+          </a:p>
+          <a:p>
+            <a:pPr marL="342900" indent="-342900" algn="l">
+              <a:buFont typeface="Arial"/>
+              <a:buChar char="•"/>
+            </a:pPr>
+            <a:r>
+              <a:rPr lang="en-US" sz="2400" dirty="0" smtClean="0"/>
+              <a:t>Recipe </a:t>
+            </a:r>
+            <a:r>
+              <a:rPr lang="en-US" sz="2400" dirty="0"/>
+              <a:t>only gets invoked when the filter is used in a view</a:t>
+            </a:r>
+          </a:p>
+          <a:p>
+            <a:pPr marL="342900" indent="-342900" algn="l">
+              <a:buFont typeface="Arial"/>
+              <a:buChar char="•"/>
+            </a:pPr>
+            <a:r>
+              <a:rPr lang="en-US" sz="2400" dirty="0" smtClean="0"/>
+              <a:t>Remember</a:t>
+            </a:r>
+            <a:r>
+              <a:rPr lang="en-US" sz="2400" dirty="0"/>
+              <a:t>, custom filter should follow best practices</a:t>
+            </a:r>
+          </a:p>
+          <a:p>
+            <a:pPr marL="342900" indent="-342900" algn="l">
+              <a:buFont typeface="Arial"/>
+              <a:buChar char="•"/>
+            </a:pPr>
+            <a:r>
+              <a:rPr lang="en-US" sz="2400" dirty="0" smtClean="0"/>
+              <a:t>More </a:t>
+            </a:r>
+            <a:r>
+              <a:rPr lang="en-US" sz="2400" dirty="0"/>
+              <a:t>complicated actions are better suited to directives</a:t>
             </a:r>
             <a:endParaRPr lang="en-US" sz="2000" dirty="0"/>
-          </a:p>
-          <a:p>
-            <a:pPr marL="342900" indent="-342900" algn="l">
-              <a:buFont typeface="Arial"/>
-              <a:buChar char="•"/>
-            </a:pPr>
-            <a:r>
-              <a:rPr lang="en-US" sz="2000" dirty="0" smtClean="0"/>
-              <a:t>References </a:t>
-            </a:r>
-            <a:r>
-              <a:rPr lang="en-US" sz="2000" dirty="0"/>
-              <a:t>element by default</a:t>
-            </a:r>
-          </a:p>
-          <a:p>
-            <a:pPr marL="800100" lvl="1" indent="-342900" algn="l">
-              <a:buFont typeface="Arial"/>
-              <a:buChar char="•"/>
-            </a:pPr>
-            <a:r>
-              <a:rPr lang="en-US" sz="1600" dirty="0" smtClean="0"/>
-              <a:t>&lt;</a:t>
-            </a:r>
-            <a:r>
-              <a:rPr lang="en-US" sz="1600" dirty="0"/>
-              <a:t>input #phone placeholder="phone number"&gt;</a:t>
-            </a:r>
-          </a:p>
-          <a:p>
-            <a:pPr marL="800100" lvl="1" indent="-342900" algn="l">
-              <a:buFont typeface="Arial"/>
-              <a:buChar char="•"/>
-            </a:pPr>
-            <a:r>
-              <a:rPr lang="en-US" sz="1600" dirty="0" smtClean="0"/>
-              <a:t>&lt;</a:t>
-            </a:r>
-            <a:r>
-              <a:rPr lang="en-US" sz="1600" dirty="0"/>
-              <a:t>button (click)="</a:t>
-            </a:r>
-            <a:r>
-              <a:rPr lang="en-US" sz="1600" dirty="0" err="1"/>
-              <a:t>callPhone</a:t>
-            </a:r>
-            <a:r>
-              <a:rPr lang="en-US" sz="1600" dirty="0"/>
-              <a:t>(</a:t>
-            </a:r>
-            <a:r>
-              <a:rPr lang="en-US" sz="1600" dirty="0" err="1"/>
-              <a:t>phone.value</a:t>
-            </a:r>
-            <a:r>
-              <a:rPr lang="en-US" sz="1600" dirty="0"/>
-              <a:t>)"&gt;Call&lt;/button&gt;</a:t>
-            </a:r>
-          </a:p>
-          <a:p>
-            <a:pPr marL="342900" indent="-342900" algn="l">
-              <a:buFont typeface="Arial"/>
-              <a:buChar char="•"/>
-            </a:pPr>
-            <a:r>
-              <a:rPr lang="en-US" sz="2000" dirty="0"/>
-              <a:t>  </a:t>
-            </a:r>
-            <a:r>
-              <a:rPr lang="en-US" sz="2000" dirty="0" smtClean="0"/>
-              <a:t>Or</a:t>
-            </a:r>
-            <a:r>
-              <a:rPr lang="en-US" sz="2000" dirty="0"/>
-              <a:t>, assign </a:t>
-            </a:r>
-            <a:r>
-              <a:rPr lang="en-US" sz="2000" dirty="0" err="1"/>
-              <a:t>var</a:t>
-            </a:r>
-            <a:r>
-              <a:rPr lang="en-US" sz="2000" dirty="0"/>
-              <a:t> to form data</a:t>
-            </a:r>
-          </a:p>
-          <a:p>
-            <a:pPr marL="800100" lvl="1" indent="-342900" algn="l">
-              <a:buFont typeface="Arial"/>
-              <a:buChar char="•"/>
-            </a:pPr>
-            <a:r>
-              <a:rPr lang="en-US" sz="1600" dirty="0" smtClean="0"/>
-              <a:t>&lt;</a:t>
-            </a:r>
-            <a:r>
-              <a:rPr lang="en-US" sz="1600" dirty="0"/>
-              <a:t>input </a:t>
-            </a:r>
-            <a:r>
-              <a:rPr lang="en-US" sz="1600" dirty="0" err="1"/>
-              <a:t>ngControl</a:t>
-            </a:r>
-            <a:r>
-              <a:rPr lang="en-US" sz="1600" dirty="0"/>
-              <a:t>="username"  #name="</a:t>
-            </a:r>
-            <a:r>
-              <a:rPr lang="en-US" sz="1600" dirty="0" err="1"/>
-              <a:t>ngForm</a:t>
-            </a:r>
-            <a:r>
-              <a:rPr lang="en-US" sz="1600" dirty="0"/>
-              <a:t>" &gt;</a:t>
-            </a:r>
-          </a:p>
-          <a:p>
-            <a:pPr marL="800100" lvl="1" indent="-342900" algn="l">
-              <a:buFont typeface="Arial"/>
-              <a:buChar char="•"/>
-            </a:pPr>
-            <a:r>
-              <a:rPr lang="en-US" sz="1600" dirty="0" smtClean="0"/>
-              <a:t>&lt;</a:t>
-            </a:r>
-            <a:r>
-              <a:rPr lang="en-US" sz="1600" dirty="0"/>
-              <a:t>div [hidden]="</a:t>
-            </a:r>
-            <a:r>
-              <a:rPr lang="en-US" sz="1600" dirty="0" err="1"/>
-              <a:t>name.valid</a:t>
-            </a:r>
-            <a:r>
-              <a:rPr lang="en-US" sz="1600" dirty="0"/>
-              <a:t> || </a:t>
-            </a:r>
-            <a:r>
-              <a:rPr lang="en-US" sz="1600" dirty="0" err="1"/>
-              <a:t>name.pristine</a:t>
-            </a:r>
-            <a:r>
-              <a:rPr lang="en-US" sz="1600" dirty="0"/>
-              <a:t>" class="alert alert-</a:t>
-            </a:r>
-            <a:r>
-              <a:rPr lang="en-US" sz="1600" dirty="0" smtClean="0"/>
-              <a:t>danger”&gt;</a:t>
-            </a:r>
-            <a:endParaRPr lang="en-US" sz="1600" dirty="0"/>
           </a:p>
         </p:txBody>
       </p:sp>
     </p:spTree>
     <p:extLst>
       <p:ext uri="{BB962C8B-B14F-4D97-AF65-F5344CB8AC3E}">
-        <p14:creationId xmlns:p14="http://schemas.microsoft.com/office/powerpoint/2010/main" val="3880746114"/>
+        <p14:creationId xmlns:p14="http://schemas.microsoft.com/office/powerpoint/2010/main" val="3924875010"/>
       </p:ext>
     </p:extLst>
   </p:cSld>
   <p:clrMapOvr>
     <a:masterClrMapping/>
   </p:clrMapOvr>
-  <p:timing>
-    <p:tnLst>
-      <p:par>
-        <p:cTn xmlns:p14="http://schemas.microsoft.com/office/powerpoint/2010/main" id="1" dur="indefinite" restart="never" nodeType="tmRoot"/>
-      </p:par>
-    </p:tnLst>
-  </p:timing>
 </p:sld>
 </file>
 
@@ -4064,7 +4040,15 @@
           <a:p>
             <a:r>
               <a:rPr lang="en-US" dirty="0"/>
-              <a:t>nG2 Forms Lab</a:t>
+              <a:t>Components (</a:t>
+            </a:r>
+            <a:r>
+              <a:rPr lang="en-US" dirty="0" err="1"/>
+              <a:t>nG</a:t>
+            </a:r>
+            <a:r>
+              <a:rPr lang="en-US" dirty="0"/>
+              <a:t> 1.5)</a:t>
             </a:r>
           </a:p>
         </p:txBody>
@@ -4091,22 +4075,1860 @@
           </a:bodyPr>
           <a:lstStyle/>
           <a:p>
+            <a:pPr marL="342900" indent="-342900" algn="l">
+              <a:buFont typeface="Arial"/>
+              <a:buChar char="•"/>
+            </a:pPr>
             <a:r>
               <a:rPr lang="en-US" sz="2000" dirty="0" smtClean="0"/>
-              <a:t>Convert </a:t>
-            </a:r>
-            <a:r>
-              <a:rPr lang="en-US" sz="2000" dirty="0"/>
-              <a:t>Playlists UI to nG2 Forms</a:t>
-            </a:r>
-            <a:endParaRPr lang="en-US" sz="1600" dirty="0"/>
+              <a:t>Transitional </a:t>
+            </a:r>
+            <a:r>
+              <a:rPr lang="en-US" sz="2000" dirty="0"/>
+              <a:t>step towards </a:t>
+            </a:r>
+            <a:r>
+              <a:rPr lang="en-US" sz="2000" dirty="0" err="1"/>
+              <a:t>nG</a:t>
+            </a:r>
+            <a:r>
+              <a:rPr lang="en-US" sz="2000" dirty="0"/>
+              <a:t> 2</a:t>
+            </a:r>
+          </a:p>
+          <a:p>
+            <a:pPr marL="342900" indent="-342900" algn="l">
+              <a:buFont typeface="Arial"/>
+              <a:buChar char="•"/>
+            </a:pPr>
+            <a:r>
+              <a:rPr lang="en-US" sz="2000" dirty="0" smtClean="0"/>
+              <a:t>Components </a:t>
+            </a:r>
+            <a:r>
+              <a:rPr lang="en-US" sz="2000" dirty="0"/>
+              <a:t>are a subtype of directive representing a complete UI element</a:t>
+            </a:r>
+          </a:p>
+          <a:p>
+            <a:pPr marL="800100" lvl="1" indent="-342900" algn="l">
+              <a:buFont typeface="Arial"/>
+              <a:buChar char="•"/>
+            </a:pPr>
+            <a:r>
+              <a:rPr lang="en-US" sz="1600" dirty="0" smtClean="0"/>
+              <a:t>Bundles </a:t>
+            </a:r>
+            <a:r>
+              <a:rPr lang="en-US" sz="1600" dirty="0"/>
+              <a:t>together a view, a controller, and bindings in simpler recipe</a:t>
+            </a:r>
+          </a:p>
+          <a:p>
+            <a:pPr marL="800100" lvl="1" indent="-342900" algn="l">
+              <a:buFont typeface="Arial"/>
+              <a:buChar char="•"/>
+            </a:pPr>
+            <a:r>
+              <a:rPr lang="en-US" sz="1600" dirty="0" smtClean="0"/>
+              <a:t>.</a:t>
+            </a:r>
+            <a:r>
+              <a:rPr lang="en-US" sz="1600" dirty="0"/>
+              <a:t>component('</a:t>
+            </a:r>
+            <a:r>
+              <a:rPr lang="en-US" sz="1600" dirty="0" err="1"/>
+              <a:t>cmpnName</a:t>
+            </a:r>
+            <a:r>
+              <a:rPr lang="en-US" sz="1600" dirty="0"/>
+              <a:t>', _</a:t>
+            </a:r>
+            <a:r>
+              <a:rPr lang="en-US" sz="1600" dirty="0" err="1"/>
+              <a:t>componentDefinitionObject</a:t>
+            </a:r>
+            <a:r>
+              <a:rPr lang="en-US" sz="1600" dirty="0"/>
+              <a:t>)</a:t>
+            </a:r>
+          </a:p>
+          <a:p>
+            <a:pPr marL="800100" lvl="1" indent="-342900" algn="l">
+              <a:buFont typeface="Arial"/>
+              <a:buChar char="•"/>
+            </a:pPr>
+            <a:r>
+              <a:rPr lang="en-US" sz="1600" dirty="0" smtClean="0"/>
+              <a:t>Many </a:t>
+            </a:r>
+            <a:r>
+              <a:rPr lang="en-US" sz="1600" dirty="0"/>
+              <a:t>Directive options are defaulted to Component values:</a:t>
+            </a:r>
+          </a:p>
+          <a:p>
+            <a:pPr marL="1257300" lvl="2" indent="-342900" algn="l">
+              <a:buFont typeface="Arial"/>
+              <a:buChar char="•"/>
+            </a:pPr>
+            <a:r>
+              <a:rPr lang="en-US" sz="1500" dirty="0" smtClean="0"/>
+              <a:t>restricted </a:t>
+            </a:r>
+            <a:r>
+              <a:rPr lang="en-US" sz="1500" dirty="0"/>
+              <a:t>to elements</a:t>
+            </a:r>
+          </a:p>
+          <a:p>
+            <a:pPr marL="1257300" lvl="2" indent="-342900" algn="l">
+              <a:buFont typeface="Arial"/>
+              <a:buChar char="•"/>
+            </a:pPr>
+            <a:r>
+              <a:rPr lang="en-US" sz="1500" dirty="0" err="1" smtClean="0"/>
+              <a:t>transclude</a:t>
+            </a:r>
+            <a:r>
+              <a:rPr lang="en-US" sz="1500" dirty="0" smtClean="0"/>
+              <a:t> </a:t>
+            </a:r>
+            <a:r>
+              <a:rPr lang="en-US" sz="1500" dirty="0"/>
+              <a:t>false</a:t>
+            </a:r>
+          </a:p>
+          <a:p>
+            <a:pPr marL="1257300" lvl="2" indent="-342900" algn="l">
+              <a:buFont typeface="Arial"/>
+              <a:buChar char="•"/>
+            </a:pPr>
+            <a:r>
+              <a:rPr lang="it-IT" sz="1500" dirty="0" smtClean="0"/>
+              <a:t>scope </a:t>
+            </a:r>
+            <a:r>
+              <a:rPr lang="it-IT" sz="1500" dirty="0"/>
+              <a:t>isolate</a:t>
+            </a:r>
+          </a:p>
+          <a:p>
+            <a:pPr marL="1257300" lvl="2" indent="-342900" algn="l">
+              <a:buFont typeface="Arial"/>
+              <a:buChar char="•"/>
+            </a:pPr>
+            <a:r>
+              <a:rPr lang="it-IT" sz="1500" dirty="0" err="1" smtClean="0"/>
+              <a:t>controllerAs</a:t>
+            </a:r>
+            <a:r>
+              <a:rPr lang="it-IT" sz="1500" dirty="0" smtClean="0"/>
+              <a:t> </a:t>
+            </a:r>
+            <a:r>
+              <a:rPr lang="it-IT" sz="1500" dirty="0"/>
+              <a:t>$</a:t>
+            </a:r>
+            <a:r>
+              <a:rPr lang="it-IT" sz="1500" dirty="0" err="1"/>
+              <a:t>ctrl</a:t>
+            </a:r>
+            <a:endParaRPr lang="it-IT" sz="1500" dirty="0"/>
+          </a:p>
+          <a:p>
+            <a:pPr marL="800100" lvl="1" indent="-342900" algn="l">
+              <a:buFont typeface="Arial"/>
+              <a:buChar char="•"/>
+            </a:pPr>
+            <a:r>
+              <a:rPr lang="it-IT" sz="1600" dirty="0" smtClean="0"/>
+              <a:t>Continue </a:t>
+            </a:r>
+            <a:r>
+              <a:rPr lang="it-IT" sz="1600" dirty="0"/>
+              <a:t>to use </a:t>
+            </a:r>
+            <a:r>
+              <a:rPr lang="it-IT" sz="1600" dirty="0" err="1"/>
+              <a:t>Directives</a:t>
+            </a:r>
+            <a:r>
+              <a:rPr lang="it-IT" sz="1600" dirty="0"/>
+              <a:t> to </a:t>
+            </a:r>
+            <a:r>
+              <a:rPr lang="it-IT" sz="1600" dirty="0" err="1"/>
+              <a:t>add</a:t>
+            </a:r>
+            <a:r>
+              <a:rPr lang="it-IT" sz="1600" dirty="0"/>
+              <a:t> custom </a:t>
+            </a:r>
+            <a:r>
+              <a:rPr lang="it-IT" sz="1600" dirty="0" err="1" smtClean="0"/>
+              <a:t>behavior</a:t>
+            </a:r>
+            <a:r>
+              <a:rPr lang="it-IT" sz="1600" dirty="0" smtClean="0"/>
+              <a:t> </a:t>
+            </a:r>
+            <a:r>
+              <a:rPr lang="it-IT" sz="1600" dirty="0"/>
+              <a:t>to </a:t>
+            </a:r>
+            <a:r>
+              <a:rPr lang="it-IT" sz="1600" dirty="0" err="1"/>
+              <a:t>existing</a:t>
+            </a:r>
+            <a:r>
+              <a:rPr lang="it-IT" sz="1600" dirty="0"/>
+              <a:t> </a:t>
+            </a:r>
+            <a:r>
+              <a:rPr lang="it-IT" sz="1600" dirty="0" err="1"/>
+              <a:t>elements</a:t>
+            </a:r>
+            <a:endParaRPr lang="it-IT" sz="1600" dirty="0"/>
+          </a:p>
+          <a:p>
+            <a:pPr marL="342900" indent="-342900" algn="l">
+              <a:buFont typeface="Arial"/>
+              <a:buChar char="•"/>
+            </a:pPr>
+            <a:r>
+              <a:rPr lang="it-IT" sz="2000" dirty="0" err="1" smtClean="0"/>
+              <a:t>Two</a:t>
+            </a:r>
+            <a:r>
+              <a:rPr lang="it-IT" sz="2000" dirty="0" smtClean="0"/>
+              <a:t> </a:t>
+            </a:r>
+            <a:r>
+              <a:rPr lang="it-IT" sz="2000" dirty="0"/>
+              <a:t>way </a:t>
+            </a:r>
+            <a:r>
+              <a:rPr lang="it-IT" sz="2000" dirty="0" err="1"/>
+              <a:t>bindings</a:t>
+            </a:r>
+            <a:r>
+              <a:rPr lang="it-IT" sz="2000" dirty="0"/>
+              <a:t> are </a:t>
+            </a:r>
+            <a:r>
+              <a:rPr lang="it-IT" sz="2000" dirty="0" err="1"/>
+              <a:t>deprecated</a:t>
+            </a:r>
+            <a:r>
+              <a:rPr lang="it-IT" sz="2000" dirty="0"/>
+              <a:t> in 1.5 Components</a:t>
+            </a:r>
+          </a:p>
+          <a:p>
+            <a:pPr marL="800100" lvl="1" indent="-342900" algn="l">
+              <a:buFont typeface="Arial"/>
+              <a:buChar char="•"/>
+            </a:pPr>
+            <a:r>
+              <a:rPr lang="it-IT" sz="1600" dirty="0" err="1" smtClean="0"/>
+              <a:t>nG</a:t>
+            </a:r>
+            <a:r>
+              <a:rPr lang="it-IT" sz="1600" dirty="0" smtClean="0"/>
+              <a:t> </a:t>
+            </a:r>
+            <a:r>
+              <a:rPr lang="it-IT" sz="1600" dirty="0"/>
+              <a:t>2 </a:t>
+            </a:r>
+            <a:r>
+              <a:rPr lang="it-IT" sz="1600" dirty="0" err="1"/>
+              <a:t>moves</a:t>
+            </a:r>
+            <a:r>
+              <a:rPr lang="it-IT" sz="1600" dirty="0"/>
+              <a:t> </a:t>
+            </a:r>
+            <a:r>
+              <a:rPr lang="it-IT" sz="1600" dirty="0" err="1"/>
+              <a:t>away</a:t>
+            </a:r>
+            <a:r>
+              <a:rPr lang="it-IT" sz="1600" dirty="0"/>
+              <a:t> from </a:t>
+            </a:r>
+            <a:r>
+              <a:rPr lang="it-IT" sz="1600" dirty="0" err="1"/>
+              <a:t>two</a:t>
+            </a:r>
+            <a:r>
+              <a:rPr lang="it-IT" sz="1600" dirty="0"/>
+              <a:t> way </a:t>
+            </a:r>
+            <a:r>
+              <a:rPr lang="it-IT" sz="1600" dirty="0" err="1"/>
+              <a:t>binding</a:t>
+            </a:r>
+            <a:endParaRPr lang="it-IT" sz="1600" dirty="0"/>
+          </a:p>
+          <a:p>
+            <a:pPr marL="800100" lvl="1" indent="-342900" algn="l">
+              <a:buFont typeface="Arial"/>
+              <a:buChar char="•"/>
+            </a:pPr>
+            <a:r>
+              <a:rPr lang="it-IT" sz="1600" dirty="0" err="1" smtClean="0"/>
+              <a:t>They</a:t>
+            </a:r>
+            <a:r>
+              <a:rPr lang="it-IT" sz="1600" dirty="0" smtClean="0"/>
+              <a:t> </a:t>
+            </a:r>
+            <a:r>
+              <a:rPr lang="it-IT" sz="1600" dirty="0"/>
+              <a:t>cause </a:t>
+            </a:r>
+            <a:r>
+              <a:rPr lang="it-IT" sz="1600" dirty="0" err="1"/>
+              <a:t>too</a:t>
+            </a:r>
+            <a:r>
+              <a:rPr lang="it-IT" sz="1600" dirty="0"/>
+              <a:t> </a:t>
+            </a:r>
+            <a:r>
+              <a:rPr lang="it-IT" sz="1600" dirty="0" err="1"/>
+              <a:t>many</a:t>
+            </a:r>
+            <a:r>
+              <a:rPr lang="it-IT" sz="1600" dirty="0"/>
+              <a:t> </a:t>
+            </a:r>
+            <a:r>
+              <a:rPr lang="it-IT" sz="1600" dirty="0" err="1"/>
+              <a:t>issues</a:t>
+            </a:r>
+            <a:r>
+              <a:rPr lang="it-IT" sz="1600" dirty="0"/>
+              <a:t> with </a:t>
+            </a:r>
+            <a:r>
+              <a:rPr lang="it-IT" sz="1600" dirty="0" err="1"/>
+              <a:t>parent</a:t>
+            </a:r>
+            <a:r>
+              <a:rPr lang="it-IT" sz="1600" dirty="0"/>
+              <a:t> scope and </a:t>
+            </a:r>
+            <a:r>
+              <a:rPr lang="it-IT" sz="1600" dirty="0" err="1"/>
+              <a:t>prevent</a:t>
+            </a:r>
+            <a:r>
+              <a:rPr lang="it-IT" sz="1600" dirty="0"/>
+              <a:t> full </a:t>
+            </a:r>
+            <a:r>
+              <a:rPr lang="it-IT" sz="1600" dirty="0" err="1"/>
+              <a:t>separation</a:t>
+            </a:r>
+            <a:r>
+              <a:rPr lang="it-IT" sz="1600" dirty="0"/>
+              <a:t> from DOM</a:t>
+            </a:r>
+          </a:p>
+          <a:p>
+            <a:pPr marL="800100" lvl="1" indent="-342900" algn="l">
+              <a:buFont typeface="Arial"/>
+              <a:buChar char="•"/>
+            </a:pPr>
+            <a:r>
+              <a:rPr lang="it-IT" sz="1600" dirty="0" err="1" smtClean="0"/>
+              <a:t>Instead</a:t>
+            </a:r>
+            <a:r>
+              <a:rPr lang="it-IT" sz="1600" dirty="0"/>
+              <a:t>, </a:t>
+            </a:r>
+            <a:r>
+              <a:rPr lang="it-IT" sz="1600" dirty="0" err="1"/>
+              <a:t>specify</a:t>
+            </a:r>
+            <a:r>
+              <a:rPr lang="it-IT" sz="1600" dirty="0"/>
+              <a:t> </a:t>
+            </a:r>
+            <a:r>
+              <a:rPr lang="it-IT" sz="1600" dirty="0" err="1"/>
+              <a:t>one</a:t>
+            </a:r>
+            <a:r>
+              <a:rPr lang="it-IT" sz="1600" dirty="0"/>
+              <a:t>-way </a:t>
+            </a:r>
+            <a:r>
+              <a:rPr lang="it-IT" sz="1600" dirty="0" err="1"/>
+              <a:t>bind</a:t>
+            </a:r>
+            <a:r>
+              <a:rPr lang="it-IT" sz="1600" dirty="0"/>
+              <a:t> for display info</a:t>
+            </a:r>
+          </a:p>
+          <a:p>
+            <a:pPr marL="800100" lvl="1" indent="-342900" algn="l">
+              <a:buFont typeface="Arial"/>
+              <a:buChar char="•"/>
+            </a:pPr>
+            <a:r>
+              <a:rPr lang="it-IT" sz="1600" dirty="0" err="1" smtClean="0"/>
+              <a:t>Then</a:t>
+            </a:r>
+            <a:r>
+              <a:rPr lang="it-IT" sz="1600" dirty="0" smtClean="0"/>
+              <a:t> </a:t>
+            </a:r>
+            <a:r>
+              <a:rPr lang="it-IT" sz="1600" dirty="0" err="1"/>
+              <a:t>register</a:t>
+            </a:r>
+            <a:r>
+              <a:rPr lang="it-IT" sz="1600" dirty="0"/>
+              <a:t> an </a:t>
+            </a:r>
+            <a:r>
+              <a:rPr lang="it-IT" sz="1600" dirty="0" err="1"/>
+              <a:t>event</a:t>
+            </a:r>
+            <a:r>
+              <a:rPr lang="it-IT" sz="1600" dirty="0"/>
+              <a:t> </a:t>
+            </a:r>
+            <a:r>
+              <a:rPr lang="it-IT" sz="1600" dirty="0" err="1"/>
+              <a:t>handler</a:t>
+            </a:r>
+            <a:r>
+              <a:rPr lang="it-IT" sz="1600" dirty="0"/>
+              <a:t> (</a:t>
+            </a:r>
+            <a:r>
+              <a:rPr lang="it-IT" sz="1600" dirty="0" err="1"/>
+              <a:t>onChange</a:t>
+            </a:r>
+            <a:r>
+              <a:rPr lang="it-IT" sz="1600" dirty="0"/>
+              <a:t>, </a:t>
+            </a:r>
+            <a:r>
+              <a:rPr lang="it-IT" sz="1600" dirty="0" err="1"/>
+              <a:t>onDelete</a:t>
+            </a:r>
+            <a:r>
+              <a:rPr lang="it-IT" sz="1600" dirty="0"/>
+              <a:t>)</a:t>
+            </a:r>
+            <a:endParaRPr lang="en-US" sz="500" dirty="0"/>
           </a:p>
         </p:txBody>
       </p:sp>
     </p:spTree>
     <p:extLst>
       <p:ext uri="{BB962C8B-B14F-4D97-AF65-F5344CB8AC3E}">
-        <p14:creationId xmlns:p14="http://schemas.microsoft.com/office/powerpoint/2010/main" val="2999542358"/>
+        <p14:creationId xmlns:p14="http://schemas.microsoft.com/office/powerpoint/2010/main" val="2762821877"/>
+      </p:ext>
+    </p:extLst>
+  </p:cSld>
+  <p:clrMapOvr>
+    <a:masterClrMapping/>
+  </p:clrMapOvr>
+</p:sld>
+</file>
+
+<file path=ppt/slides/slide14.xml><?xml version="1.0" encoding="utf-8"?>
+<p:sld xmlns:a="http://schemas.openxmlformats.org/drawingml/2006/main" xmlns:r="http://schemas.openxmlformats.org/officeDocument/2006/relationships" xmlns:p="http://schemas.openxmlformats.org/presentationml/2006/main">
+  <p:cSld>
+    <p:spTree>
+      <p:nvGrpSpPr>
+        <p:cNvPr id="1" name=""/>
+        <p:cNvGrpSpPr/>
+        <p:nvPr/>
+      </p:nvGrpSpPr>
+      <p:grpSpPr>
+        <a:xfrm>
+          <a:off x="0" y="0"/>
+          <a:ext cx="0" cy="0"/>
+          <a:chOff x="0" y="0"/>
+          <a:chExt cx="0" cy="0"/>
+        </a:xfrm>
+      </p:grpSpPr>
+      <p:sp>
+        <p:nvSpPr>
+          <p:cNvPr id="2" name="Title 1"/>
+          <p:cNvSpPr>
+            <a:spLocks noGrp="1"/>
+          </p:cNvSpPr>
+          <p:nvPr>
+            <p:ph type="ctrTitle"/>
+          </p:nvPr>
+        </p:nvSpPr>
+        <p:spPr>
+          <a:xfrm>
+            <a:off x="685800" y="160685"/>
+            <a:ext cx="7772400" cy="1470025"/>
+          </a:xfrm>
+        </p:spPr>
+        <p:txBody>
+          <a:bodyPr/>
+          <a:lstStyle/>
+          <a:p>
+            <a:pPr marL="342900" indent="-342900"/>
+            <a:r>
+              <a:rPr lang="en-US" dirty="0"/>
+              <a:t>Component Architecture in </a:t>
+            </a:r>
+            <a:r>
+              <a:rPr lang="en-US" dirty="0" err="1"/>
+              <a:t>nG</a:t>
+            </a:r>
+            <a:r>
+              <a:rPr lang="en-US" dirty="0"/>
+              <a:t> 2</a:t>
+            </a:r>
+          </a:p>
+        </p:txBody>
+      </p:sp>
+      <p:sp>
+        <p:nvSpPr>
+          <p:cNvPr id="3" name="Subtitle 2"/>
+          <p:cNvSpPr>
+            <a:spLocks noGrp="1"/>
+          </p:cNvSpPr>
+          <p:nvPr>
+            <p:ph type="subTitle" idx="1"/>
+          </p:nvPr>
+        </p:nvSpPr>
+        <p:spPr>
+          <a:xfrm>
+            <a:off x="454651" y="1630710"/>
+            <a:ext cx="8371875" cy="4609893"/>
+          </a:xfrm>
+        </p:spPr>
+        <p:txBody>
+          <a:bodyPr>
+            <a:normAutofit/>
+          </a:bodyPr>
+          <a:lstStyle/>
+          <a:p>
+            <a:pPr marL="342900" indent="-342900" algn="l">
+              <a:buFont typeface="Arial"/>
+              <a:buChar char="•"/>
+            </a:pPr>
+            <a:r>
+              <a:rPr lang="en-US" sz="2000" dirty="0"/>
+              <a:t>Components have everything they need to be self contained units of code</a:t>
+            </a:r>
+          </a:p>
+          <a:p>
+            <a:pPr marL="342900" indent="-342900" algn="l">
+              <a:buFont typeface="Arial"/>
+              <a:buChar char="•"/>
+            </a:pPr>
+            <a:r>
+              <a:rPr lang="en-US" sz="2000" dirty="0"/>
+              <a:t>nG2 apps should be made by composing reusable components into new features</a:t>
+            </a:r>
+            <a:endParaRPr lang="en-US" sz="1600" dirty="0"/>
+          </a:p>
+          <a:p>
+            <a:pPr marL="342900" indent="-342900" algn="l">
+              <a:buFont typeface="Arial"/>
+              <a:buChar char="•"/>
+            </a:pPr>
+            <a:r>
+              <a:rPr lang="en-US" sz="2000" dirty="0" smtClean="0"/>
+              <a:t>Components </a:t>
+            </a:r>
+            <a:r>
+              <a:rPr lang="en-US" sz="2000" dirty="0"/>
+              <a:t>consist of...</a:t>
+            </a:r>
+          </a:p>
+          <a:p>
+            <a:pPr marL="800100" lvl="1" indent="-342900" algn="l">
+              <a:buFont typeface="Arial"/>
+              <a:buChar char="•"/>
+            </a:pPr>
+            <a:r>
+              <a:rPr lang="en-US" sz="1600" dirty="0" smtClean="0"/>
+              <a:t>A component definition object (CDO)</a:t>
+            </a:r>
+          </a:p>
+          <a:p>
+            <a:pPr marL="800100" lvl="1" indent="-342900" algn="l">
+              <a:buFont typeface="Arial"/>
+              <a:buChar char="•"/>
+            </a:pPr>
+            <a:r>
+              <a:rPr lang="en-US" sz="1600" dirty="0" smtClean="0"/>
+              <a:t>Template</a:t>
+            </a:r>
+            <a:endParaRPr lang="en-US" sz="1600" dirty="0"/>
+          </a:p>
+          <a:p>
+            <a:pPr marL="800100" lvl="1" indent="-342900" algn="l">
+              <a:buFont typeface="Arial"/>
+              <a:buChar char="•"/>
+            </a:pPr>
+            <a:r>
+              <a:rPr lang="en-US" sz="1600" dirty="0" smtClean="0"/>
+              <a:t>An </a:t>
+            </a:r>
+            <a:r>
+              <a:rPr lang="en-US" sz="1600" dirty="0"/>
+              <a:t>API to communicate outside (Input and Output props</a:t>
+            </a:r>
+            <a:r>
+              <a:rPr lang="en-US" sz="1600" dirty="0" smtClean="0"/>
+              <a:t>)</a:t>
+            </a:r>
+          </a:p>
+          <a:p>
+            <a:pPr marL="342900" indent="-342900" algn="l">
+              <a:buFont typeface="Arial"/>
+              <a:buChar char="•"/>
+            </a:pPr>
+            <a:r>
+              <a:rPr lang="en-US" sz="2000" dirty="0" smtClean="0"/>
+              <a:t>Changes</a:t>
+            </a:r>
+          </a:p>
+          <a:p>
+            <a:pPr marL="800100" lvl="1" indent="-342900" algn="l">
+              <a:buFont typeface="Arial"/>
+              <a:buChar char="•"/>
+            </a:pPr>
+            <a:r>
+              <a:rPr lang="en-US" sz="1600" dirty="0" smtClean="0"/>
+              <a:t>$scope is gone. Store data directly as properties of the CDO</a:t>
+            </a:r>
+          </a:p>
+          <a:p>
+            <a:pPr marL="800100" lvl="1" indent="-342900" algn="l">
+              <a:buFont typeface="Arial"/>
+              <a:buChar char="•"/>
+            </a:pPr>
+            <a:r>
+              <a:rPr lang="en-US" sz="1600" dirty="0" smtClean="0"/>
+              <a:t>Controllers are gone. CDO coordinates bindings between View and Model</a:t>
+            </a:r>
+            <a:endParaRPr lang="en-US" sz="1600" dirty="0"/>
+          </a:p>
+        </p:txBody>
+      </p:sp>
+    </p:spTree>
+    <p:extLst>
+      <p:ext uri="{BB962C8B-B14F-4D97-AF65-F5344CB8AC3E}">
+        <p14:creationId xmlns:p14="http://schemas.microsoft.com/office/powerpoint/2010/main" val="4200027496"/>
+      </p:ext>
+    </p:extLst>
+  </p:cSld>
+  <p:clrMapOvr>
+    <a:masterClrMapping/>
+  </p:clrMapOvr>
+  <p:timing>
+    <p:tnLst>
+      <p:par>
+        <p:cTn xmlns:p14="http://schemas.microsoft.com/office/powerpoint/2010/main" id="1" dur="indefinite" restart="never" nodeType="tmRoot"/>
+      </p:par>
+    </p:tnLst>
+  </p:timing>
+</p:sld>
+</file>
+
+<file path=ppt/slides/slide15.xml><?xml version="1.0" encoding="utf-8"?>
+<p:sld xmlns:a="http://schemas.openxmlformats.org/drawingml/2006/main" xmlns:r="http://schemas.openxmlformats.org/officeDocument/2006/relationships" xmlns:p="http://schemas.openxmlformats.org/presentationml/2006/main">
+  <p:cSld>
+    <p:spTree>
+      <p:nvGrpSpPr>
+        <p:cNvPr id="1" name=""/>
+        <p:cNvGrpSpPr/>
+        <p:nvPr/>
+      </p:nvGrpSpPr>
+      <p:grpSpPr>
+        <a:xfrm>
+          <a:off x="0" y="0"/>
+          <a:ext cx="0" cy="0"/>
+          <a:chOff x="0" y="0"/>
+          <a:chExt cx="0" cy="0"/>
+        </a:xfrm>
+      </p:grpSpPr>
+      <p:sp>
+        <p:nvSpPr>
+          <p:cNvPr id="2" name="Title 1"/>
+          <p:cNvSpPr>
+            <a:spLocks noGrp="1"/>
+          </p:cNvSpPr>
+          <p:nvPr>
+            <p:ph type="ctrTitle"/>
+          </p:nvPr>
+        </p:nvSpPr>
+        <p:spPr>
+          <a:xfrm>
+            <a:off x="685800" y="160685"/>
+            <a:ext cx="7772400" cy="1470025"/>
+          </a:xfrm>
+        </p:spPr>
+        <p:txBody>
+          <a:bodyPr/>
+          <a:lstStyle/>
+          <a:p>
+            <a:r>
+              <a:rPr lang="en-US" dirty="0"/>
+              <a:t>New template syntax</a:t>
+            </a:r>
+          </a:p>
+        </p:txBody>
+      </p:sp>
+      <p:sp>
+        <p:nvSpPr>
+          <p:cNvPr id="3" name="Subtitle 2"/>
+          <p:cNvSpPr>
+            <a:spLocks noGrp="1"/>
+          </p:cNvSpPr>
+          <p:nvPr>
+            <p:ph type="subTitle" idx="1"/>
+          </p:nvPr>
+        </p:nvSpPr>
+        <p:spPr>
+          <a:xfrm>
+            <a:off x="454651" y="1630710"/>
+            <a:ext cx="8371875" cy="4609893"/>
+          </a:xfrm>
+        </p:spPr>
+        <p:txBody>
+          <a:bodyPr>
+            <a:normAutofit/>
+          </a:bodyPr>
+          <a:lstStyle/>
+          <a:p>
+            <a:pPr marL="342900" indent="-342900" algn="l">
+              <a:buFont typeface="Arial"/>
+              <a:buChar char="•"/>
+            </a:pPr>
+            <a:r>
+              <a:rPr lang="en-US" sz="2000" dirty="0" smtClean="0"/>
+              <a:t>No </a:t>
+            </a:r>
+            <a:r>
+              <a:rPr lang="en-US" sz="2000" dirty="0"/>
+              <a:t>longer markup-based</a:t>
+            </a:r>
+          </a:p>
+          <a:p>
+            <a:pPr marL="342900" indent="-342900" algn="l">
+              <a:buFont typeface="Arial"/>
+              <a:buChar char="•"/>
+            </a:pPr>
+            <a:r>
+              <a:rPr lang="en-US" sz="2000" dirty="0" smtClean="0"/>
+              <a:t>Use </a:t>
+            </a:r>
+            <a:r>
+              <a:rPr lang="en-US" sz="2000" dirty="0"/>
+              <a:t>square bracket to bind output: [</a:t>
+            </a:r>
+            <a:r>
+              <a:rPr lang="en-US" sz="2000" dirty="0" err="1"/>
+              <a:t>ngModel</a:t>
+            </a:r>
+            <a:r>
+              <a:rPr lang="en-US" sz="2000" dirty="0"/>
+              <a:t>]="</a:t>
+            </a:r>
+            <a:r>
+              <a:rPr lang="en-US" sz="2000" dirty="0" err="1"/>
+              <a:t>editingSong.title</a:t>
+            </a:r>
+            <a:r>
+              <a:rPr lang="en-US" sz="2000" dirty="0"/>
+              <a:t>"</a:t>
+            </a:r>
+          </a:p>
+          <a:p>
+            <a:pPr marL="342900" indent="-342900" algn="l">
+              <a:buFont typeface="Arial"/>
+              <a:buChar char="•"/>
+            </a:pPr>
+            <a:r>
+              <a:rPr lang="en-US" sz="2000" dirty="0" smtClean="0"/>
+              <a:t>Parenthesis </a:t>
+            </a:r>
+            <a:r>
+              <a:rPr lang="en-US" sz="2000" dirty="0"/>
+              <a:t>subscribe their target to events: (click)="</a:t>
+            </a:r>
+            <a:r>
+              <a:rPr lang="en-US" sz="2000" dirty="0" err="1"/>
+              <a:t>editSong</a:t>
+            </a:r>
+            <a:r>
+              <a:rPr lang="en-US" sz="2000" dirty="0"/>
+              <a:t>(index)"</a:t>
+            </a:r>
+          </a:p>
+          <a:p>
+            <a:pPr marL="342900" indent="-342900" algn="l">
+              <a:buFont typeface="Arial"/>
+              <a:buChar char="•"/>
+            </a:pPr>
+            <a:r>
+              <a:rPr lang="en-US" sz="2000" dirty="0" smtClean="0"/>
+              <a:t>For </a:t>
+            </a:r>
+            <a:r>
+              <a:rPr lang="en-US" sz="2000" dirty="0"/>
+              <a:t>forms, nest </a:t>
+            </a:r>
+            <a:r>
+              <a:rPr lang="en-US" sz="2000" dirty="0" err="1"/>
+              <a:t>parens</a:t>
+            </a:r>
+            <a:r>
+              <a:rPr lang="en-US" sz="2000" dirty="0"/>
+              <a:t> inside brackets to two-way bind</a:t>
+            </a:r>
+          </a:p>
+          <a:p>
+            <a:pPr marL="342900" indent="-342900" algn="l">
+              <a:buFont typeface="Arial"/>
+              <a:buChar char="•"/>
+            </a:pPr>
+            <a:r>
+              <a:rPr lang="en-US" sz="2000" dirty="0" smtClean="0"/>
+              <a:t>Previous </a:t>
+            </a:r>
+            <a:r>
+              <a:rPr lang="en-US" sz="2000" dirty="0"/>
+              <a:t>format </a:t>
+            </a:r>
+            <a:r>
+              <a:rPr lang="en-US" sz="2000" dirty="0" err="1"/>
+              <a:t>ng-dirname</a:t>
+            </a:r>
+            <a:r>
+              <a:rPr lang="en-US" sz="2000" dirty="0"/>
+              <a:t> now *</a:t>
+            </a:r>
+            <a:r>
+              <a:rPr lang="en-US" sz="2000" dirty="0" err="1"/>
+              <a:t>ngDirname</a:t>
+            </a:r>
+            <a:endParaRPr lang="en-US" sz="2000" dirty="0"/>
+          </a:p>
+          <a:p>
+            <a:pPr marL="342900" indent="-342900" algn="l">
+              <a:buFont typeface="Arial"/>
+              <a:buChar char="•"/>
+            </a:pPr>
+            <a:r>
+              <a:rPr lang="en-US" sz="2000" dirty="0" smtClean="0"/>
+              <a:t>New </a:t>
+            </a:r>
+            <a:r>
+              <a:rPr lang="en-US" sz="2000" dirty="0"/>
+              <a:t>iteration syntax "#</a:t>
+            </a:r>
+            <a:r>
+              <a:rPr lang="en-US" sz="2000" dirty="0" err="1"/>
+              <a:t>eachThing</a:t>
+            </a:r>
+            <a:r>
+              <a:rPr lang="en-US" sz="2000" dirty="0"/>
+              <a:t> of </a:t>
+            </a:r>
+            <a:r>
+              <a:rPr lang="en-US" sz="2000" dirty="0" err="1"/>
+              <a:t>thingsList</a:t>
+            </a:r>
+            <a:r>
+              <a:rPr lang="en-US" sz="2000" dirty="0"/>
+              <a:t>; #</a:t>
+            </a:r>
+            <a:r>
+              <a:rPr lang="en-US" sz="2000" dirty="0" err="1"/>
+              <a:t>i</a:t>
+            </a:r>
+            <a:r>
+              <a:rPr lang="en-US" sz="2000" dirty="0"/>
+              <a:t> = index"</a:t>
+            </a:r>
+          </a:p>
+          <a:p>
+            <a:pPr marL="342900" indent="-342900" algn="l">
+              <a:buFont typeface="Arial"/>
+              <a:buChar char="•"/>
+            </a:pPr>
+            <a:r>
+              <a:rPr lang="en-US" sz="2000" dirty="0" smtClean="0"/>
+              <a:t>Reasons </a:t>
+            </a:r>
+            <a:r>
+              <a:rPr lang="en-US" sz="2000" dirty="0"/>
+              <a:t>for the changes</a:t>
+            </a:r>
+          </a:p>
+          <a:p>
+            <a:pPr marL="800100" lvl="1" indent="-342900" algn="l">
+              <a:buFont typeface="Arial"/>
+              <a:buChar char="•"/>
+            </a:pPr>
+            <a:r>
+              <a:rPr lang="en-US" sz="1600" dirty="0" smtClean="0"/>
+              <a:t>Enables </a:t>
+            </a:r>
+            <a:r>
+              <a:rPr lang="en-US" sz="1600" dirty="0"/>
+              <a:t>tons of IDE features like autocomplete and refactor</a:t>
+            </a:r>
+          </a:p>
+          <a:p>
+            <a:pPr marL="800100" lvl="1" indent="-342900" algn="l">
+              <a:buFont typeface="Arial"/>
+              <a:buChar char="•"/>
+            </a:pPr>
+            <a:r>
+              <a:rPr lang="en-US" sz="1600" dirty="0" smtClean="0"/>
+              <a:t>Makes </a:t>
+            </a:r>
+            <a:r>
+              <a:rPr lang="en-US" sz="1600" dirty="0"/>
+              <a:t>the direction of binding obvious from the markup</a:t>
+            </a:r>
+            <a:endParaRPr lang="en-US" sz="1200" dirty="0"/>
+          </a:p>
+        </p:txBody>
+      </p:sp>
+    </p:spTree>
+    <p:extLst>
+      <p:ext uri="{BB962C8B-B14F-4D97-AF65-F5344CB8AC3E}">
+        <p14:creationId xmlns:p14="http://schemas.microsoft.com/office/powerpoint/2010/main" val="1911019148"/>
+      </p:ext>
+    </p:extLst>
+  </p:cSld>
+  <p:clrMapOvr>
+    <a:masterClrMapping/>
+  </p:clrMapOvr>
+  <p:timing>
+    <p:tnLst>
+      <p:par>
+        <p:cTn xmlns:p14="http://schemas.microsoft.com/office/powerpoint/2010/main" id="1" dur="indefinite" restart="never" nodeType="tmRoot"/>
+      </p:par>
+    </p:tnLst>
+  </p:timing>
+</p:sld>
+</file>
+
+<file path=ppt/slides/slide16.xml><?xml version="1.0" encoding="utf-8"?>
+<p:sld xmlns:a="http://schemas.openxmlformats.org/drawingml/2006/main" xmlns:r="http://schemas.openxmlformats.org/officeDocument/2006/relationships" xmlns:p="http://schemas.openxmlformats.org/presentationml/2006/main">
+  <p:cSld>
+    <p:spTree>
+      <p:nvGrpSpPr>
+        <p:cNvPr id="1" name=""/>
+        <p:cNvGrpSpPr/>
+        <p:nvPr/>
+      </p:nvGrpSpPr>
+      <p:grpSpPr>
+        <a:xfrm>
+          <a:off x="0" y="0"/>
+          <a:ext cx="0" cy="0"/>
+          <a:chOff x="0" y="0"/>
+          <a:chExt cx="0" cy="0"/>
+        </a:xfrm>
+      </p:grpSpPr>
+      <p:sp>
+        <p:nvSpPr>
+          <p:cNvPr id="2" name="Title 1"/>
+          <p:cNvSpPr>
+            <a:spLocks noGrp="1"/>
+          </p:cNvSpPr>
+          <p:nvPr>
+            <p:ph type="ctrTitle"/>
+          </p:nvPr>
+        </p:nvSpPr>
+        <p:spPr>
+          <a:xfrm>
+            <a:off x="685800" y="160685"/>
+            <a:ext cx="7772400" cy="1470025"/>
+          </a:xfrm>
+        </p:spPr>
+        <p:txBody>
+          <a:bodyPr/>
+          <a:lstStyle/>
+          <a:p>
+            <a:r>
+              <a:rPr lang="en-US" dirty="0"/>
+              <a:t>Pipes</a:t>
+            </a:r>
+          </a:p>
+        </p:txBody>
+      </p:sp>
+      <p:sp>
+        <p:nvSpPr>
+          <p:cNvPr id="3" name="Subtitle 2"/>
+          <p:cNvSpPr>
+            <a:spLocks noGrp="1"/>
+          </p:cNvSpPr>
+          <p:nvPr>
+            <p:ph type="subTitle" idx="1"/>
+          </p:nvPr>
+        </p:nvSpPr>
+        <p:spPr>
+          <a:xfrm>
+            <a:off x="454651" y="1630710"/>
+            <a:ext cx="8371875" cy="4609893"/>
+          </a:xfrm>
+        </p:spPr>
+        <p:txBody>
+          <a:bodyPr>
+            <a:normAutofit/>
+          </a:bodyPr>
+          <a:lstStyle/>
+          <a:p>
+            <a:pPr marL="342900" indent="-342900" algn="l">
+              <a:buFont typeface="Arial"/>
+              <a:buChar char="•"/>
+            </a:pPr>
+            <a:r>
+              <a:rPr lang="en-US" sz="2000" dirty="0" smtClean="0"/>
+              <a:t>Pipes aren’t </a:t>
+            </a:r>
+            <a:r>
+              <a:rPr lang="en-US" sz="2000" dirty="0"/>
+              <a:t>much more than a new name for filters</a:t>
+            </a:r>
+          </a:p>
+          <a:p>
+            <a:pPr marL="342900" indent="-342900" algn="l">
+              <a:buFont typeface="Arial"/>
+              <a:buChar char="•"/>
+            </a:pPr>
+            <a:r>
+              <a:rPr lang="en-US" sz="2000" dirty="0" err="1" smtClean="0"/>
+              <a:t>Async</a:t>
+            </a:r>
+            <a:r>
+              <a:rPr lang="en-US" sz="2000" dirty="0" smtClean="0"/>
+              <a:t> </a:t>
+            </a:r>
+            <a:r>
+              <a:rPr lang="en-US" sz="2000" dirty="0"/>
+              <a:t>is the exception</a:t>
+            </a:r>
+          </a:p>
+          <a:p>
+            <a:pPr marL="800100" lvl="1" indent="-342900" algn="l">
+              <a:buFont typeface="Arial"/>
+              <a:buChar char="•"/>
+            </a:pPr>
+            <a:r>
+              <a:rPr lang="en-US" sz="1600" dirty="0" smtClean="0"/>
+              <a:t>Binds </a:t>
+            </a:r>
+            <a:r>
+              <a:rPr lang="en-US" sz="1600" dirty="0"/>
+              <a:t>to the output of an Observable</a:t>
+            </a:r>
+          </a:p>
+          <a:p>
+            <a:pPr marL="800100" lvl="1" indent="-342900" algn="l">
+              <a:buFont typeface="Arial"/>
+              <a:buChar char="•"/>
+            </a:pPr>
+            <a:r>
+              <a:rPr lang="en-US" sz="1600" dirty="0" smtClean="0"/>
+              <a:t>More </a:t>
+            </a:r>
+            <a:r>
+              <a:rPr lang="en-US" sz="1600" dirty="0"/>
+              <a:t>on </a:t>
+            </a:r>
+            <a:r>
+              <a:rPr lang="en-US" sz="1600" dirty="0" smtClean="0"/>
+              <a:t>observables soon</a:t>
+            </a:r>
+            <a:endParaRPr lang="en-US" sz="800" dirty="0"/>
+          </a:p>
+        </p:txBody>
+      </p:sp>
+    </p:spTree>
+    <p:extLst>
+      <p:ext uri="{BB962C8B-B14F-4D97-AF65-F5344CB8AC3E}">
+        <p14:creationId xmlns:p14="http://schemas.microsoft.com/office/powerpoint/2010/main" val="1772659482"/>
+      </p:ext>
+    </p:extLst>
+  </p:cSld>
+  <p:clrMapOvr>
+    <a:masterClrMapping/>
+  </p:clrMapOvr>
+  <p:timing>
+    <p:tnLst>
+      <p:par>
+        <p:cTn xmlns:p14="http://schemas.microsoft.com/office/powerpoint/2010/main" id="1" dur="indefinite" restart="never" nodeType="tmRoot"/>
+      </p:par>
+    </p:tnLst>
+  </p:timing>
+</p:sld>
+</file>
+
+<file path=ppt/slides/slide17.xml><?xml version="1.0" encoding="utf-8"?>
+<p:sld xmlns:a="http://schemas.openxmlformats.org/drawingml/2006/main" xmlns:r="http://schemas.openxmlformats.org/officeDocument/2006/relationships" xmlns:p="http://schemas.openxmlformats.org/presentationml/2006/main">
+  <p:cSld>
+    <p:spTree>
+      <p:nvGrpSpPr>
+        <p:cNvPr id="1" name=""/>
+        <p:cNvGrpSpPr/>
+        <p:nvPr/>
+      </p:nvGrpSpPr>
+      <p:grpSpPr>
+        <a:xfrm>
+          <a:off x="0" y="0"/>
+          <a:ext cx="0" cy="0"/>
+          <a:chOff x="0" y="0"/>
+          <a:chExt cx="0" cy="0"/>
+        </a:xfrm>
+      </p:grpSpPr>
+      <p:sp>
+        <p:nvSpPr>
+          <p:cNvPr id="2" name="Title 1"/>
+          <p:cNvSpPr>
+            <a:spLocks noGrp="1"/>
+          </p:cNvSpPr>
+          <p:nvPr>
+            <p:ph type="ctrTitle"/>
+          </p:nvPr>
+        </p:nvSpPr>
+        <p:spPr>
+          <a:xfrm>
+            <a:off x="685800" y="160685"/>
+            <a:ext cx="7772400" cy="1470025"/>
+          </a:xfrm>
+        </p:spPr>
+        <p:txBody>
+          <a:bodyPr/>
+          <a:lstStyle/>
+          <a:p>
+            <a:r>
+              <a:rPr lang="en-US" dirty="0"/>
+              <a:t>nG2 Migration Strategy</a:t>
+            </a:r>
+          </a:p>
+        </p:txBody>
+      </p:sp>
+      <p:sp>
+        <p:nvSpPr>
+          <p:cNvPr id="3" name="Subtitle 2"/>
+          <p:cNvSpPr>
+            <a:spLocks noGrp="1"/>
+          </p:cNvSpPr>
+          <p:nvPr>
+            <p:ph type="subTitle" idx="1"/>
+          </p:nvPr>
+        </p:nvSpPr>
+        <p:spPr>
+          <a:xfrm>
+            <a:off x="454651" y="1630710"/>
+            <a:ext cx="8371875" cy="4609893"/>
+          </a:xfrm>
+        </p:spPr>
+        <p:txBody>
+          <a:bodyPr>
+            <a:normAutofit/>
+          </a:bodyPr>
+          <a:lstStyle/>
+          <a:p>
+            <a:pPr marL="342900" indent="-342900" algn="l">
+              <a:buFont typeface="Arial"/>
+              <a:buChar char="•"/>
+            </a:pPr>
+            <a:r>
+              <a:rPr lang="en-US" sz="2000" dirty="0" smtClean="0"/>
+              <a:t>Component</a:t>
+            </a:r>
+            <a:r>
+              <a:rPr lang="en-US" sz="2000" dirty="0"/>
+              <a:t>-based architecture can be implemented using nG1.5 Components</a:t>
+            </a:r>
+          </a:p>
+          <a:p>
+            <a:pPr marL="342900" indent="-342900" algn="l">
+              <a:buFont typeface="Arial"/>
+              <a:buChar char="•"/>
+            </a:pPr>
+            <a:r>
+              <a:rPr lang="en-US" sz="2000" dirty="0" smtClean="0"/>
+              <a:t>nG1.5 </a:t>
+            </a:r>
+            <a:r>
+              <a:rPr lang="en-US" sz="2000" dirty="0"/>
+              <a:t>app following component pattern should convert relatively easily</a:t>
+            </a:r>
+          </a:p>
+          <a:p>
+            <a:pPr marL="800100" lvl="1" indent="-342900" algn="l">
+              <a:buFont typeface="Arial"/>
+              <a:buChar char="•"/>
+            </a:pPr>
+            <a:r>
+              <a:rPr lang="en-US" sz="1600" dirty="0" smtClean="0"/>
+              <a:t>Template </a:t>
+            </a:r>
+            <a:r>
+              <a:rPr lang="en-US" sz="1600" dirty="0"/>
+              <a:t>syntax conversion is straightforward</a:t>
+            </a:r>
+          </a:p>
+          <a:p>
+            <a:pPr marL="800100" lvl="1" indent="-342900" algn="l">
+              <a:buFont typeface="Arial"/>
+              <a:buChar char="•"/>
+            </a:pPr>
+            <a:r>
+              <a:rPr lang="en-US" sz="1600" dirty="0" smtClean="0"/>
+              <a:t>Component </a:t>
+            </a:r>
+            <a:r>
+              <a:rPr lang="en-US" sz="1600" dirty="0"/>
+              <a:t>syntax cant be converted, but design pattern stays comparable</a:t>
+            </a:r>
+          </a:p>
+          <a:p>
+            <a:pPr marL="800100" lvl="1" indent="-342900" algn="l">
+              <a:buFont typeface="Arial"/>
+              <a:buChar char="•"/>
+            </a:pPr>
+            <a:r>
+              <a:rPr lang="en-US" sz="1600" dirty="0" smtClean="0"/>
+              <a:t>Many </a:t>
+            </a:r>
+            <a:r>
+              <a:rPr lang="en-US" sz="1600" dirty="0"/>
+              <a:t>functions will be </a:t>
+            </a:r>
+            <a:r>
+              <a:rPr lang="en-US" sz="1600" dirty="0" err="1"/>
+              <a:t>copypasteable</a:t>
+            </a:r>
+            <a:r>
+              <a:rPr lang="en-US" sz="1600" dirty="0"/>
+              <a:t>, or small tweaks</a:t>
+            </a:r>
+          </a:p>
+          <a:p>
+            <a:pPr marL="800100" lvl="1" indent="-342900" algn="l">
+              <a:buFont typeface="Arial"/>
+              <a:buChar char="•"/>
+            </a:pPr>
+            <a:r>
+              <a:rPr lang="en-US" sz="1600" dirty="0" smtClean="0"/>
+              <a:t>Services </a:t>
+            </a:r>
+            <a:r>
+              <a:rPr lang="en-US" sz="1600" dirty="0" err="1"/>
+              <a:t>dont</a:t>
+            </a:r>
+            <a:r>
+              <a:rPr lang="en-US" sz="1600" dirty="0"/>
+              <a:t> change much</a:t>
+            </a:r>
+          </a:p>
+          <a:p>
+            <a:pPr marL="342900" indent="-342900" algn="l">
+              <a:buFont typeface="Arial"/>
+              <a:buChar char="•"/>
+            </a:pPr>
+            <a:r>
+              <a:rPr lang="en-US" sz="2000" dirty="0" smtClean="0"/>
+              <a:t>&lt;</a:t>
+            </a:r>
+            <a:r>
+              <a:rPr lang="en-US" sz="2000" dirty="0"/>
+              <a:t>1.5 apps not following component style will </a:t>
+            </a:r>
+            <a:r>
+              <a:rPr lang="en-US" sz="2000" dirty="0" smtClean="0"/>
+              <a:t>require more rewriting</a:t>
+            </a:r>
+            <a:endParaRPr lang="en-US" sz="800" dirty="0"/>
+          </a:p>
+        </p:txBody>
+      </p:sp>
+    </p:spTree>
+    <p:extLst>
+      <p:ext uri="{BB962C8B-B14F-4D97-AF65-F5344CB8AC3E}">
+        <p14:creationId xmlns:p14="http://schemas.microsoft.com/office/powerpoint/2010/main" val="3844937598"/>
+      </p:ext>
+    </p:extLst>
+  </p:cSld>
+  <p:clrMapOvr>
+    <a:masterClrMapping/>
+  </p:clrMapOvr>
+  <p:timing>
+    <p:tnLst>
+      <p:par>
+        <p:cTn xmlns:p14="http://schemas.microsoft.com/office/powerpoint/2010/main" id="1" dur="indefinite" restart="never" nodeType="tmRoot"/>
+      </p:par>
+    </p:tnLst>
+  </p:timing>
+</p:sld>
+</file>
+
+<file path=ppt/slides/slide18.xml><?xml version="1.0" encoding="utf-8"?>
+<p:sld xmlns:a="http://schemas.openxmlformats.org/drawingml/2006/main" xmlns:r="http://schemas.openxmlformats.org/officeDocument/2006/relationships" xmlns:p="http://schemas.openxmlformats.org/presentationml/2006/main">
+  <p:cSld>
+    <p:spTree>
+      <p:nvGrpSpPr>
+        <p:cNvPr id="1" name=""/>
+        <p:cNvGrpSpPr/>
+        <p:nvPr/>
+      </p:nvGrpSpPr>
+      <p:grpSpPr>
+        <a:xfrm>
+          <a:off x="0" y="0"/>
+          <a:ext cx="0" cy="0"/>
+          <a:chOff x="0" y="0"/>
+          <a:chExt cx="0" cy="0"/>
+        </a:xfrm>
+      </p:grpSpPr>
+      <p:sp>
+        <p:nvSpPr>
+          <p:cNvPr id="2" name="Title 1"/>
+          <p:cNvSpPr>
+            <a:spLocks noGrp="1"/>
+          </p:cNvSpPr>
+          <p:nvPr>
+            <p:ph type="ctrTitle"/>
+          </p:nvPr>
+        </p:nvSpPr>
+        <p:spPr>
+          <a:xfrm>
+            <a:off x="685800" y="160685"/>
+            <a:ext cx="7772400" cy="1470025"/>
+          </a:xfrm>
+        </p:spPr>
+        <p:txBody>
+          <a:bodyPr/>
+          <a:lstStyle/>
+          <a:p>
+            <a:r>
+              <a:rPr lang="en-US" dirty="0"/>
+              <a:t>nG2 Migration Lab</a:t>
+            </a:r>
+          </a:p>
+        </p:txBody>
+      </p:sp>
+      <p:sp>
+        <p:nvSpPr>
+          <p:cNvPr id="3" name="Subtitle 2"/>
+          <p:cNvSpPr>
+            <a:spLocks noGrp="1"/>
+          </p:cNvSpPr>
+          <p:nvPr>
+            <p:ph type="subTitle" idx="1"/>
+          </p:nvPr>
+        </p:nvSpPr>
+        <p:spPr>
+          <a:xfrm>
+            <a:off x="454651" y="1630710"/>
+            <a:ext cx="8371875" cy="4609893"/>
+          </a:xfrm>
+        </p:spPr>
+        <p:txBody>
+          <a:bodyPr>
+            <a:normAutofit/>
+          </a:bodyPr>
+          <a:lstStyle/>
+          <a:p>
+            <a:r>
+              <a:rPr lang="en-US" sz="2000" dirty="0" smtClean="0"/>
+              <a:t>Convert </a:t>
+            </a:r>
+            <a:r>
+              <a:rPr lang="en-US" sz="2000" dirty="0"/>
+              <a:t>our Jukebox UI to nG2</a:t>
+            </a:r>
+            <a:endParaRPr lang="en-US" sz="800" dirty="0"/>
+          </a:p>
+        </p:txBody>
+      </p:sp>
+    </p:spTree>
+    <p:extLst>
+      <p:ext uri="{BB962C8B-B14F-4D97-AF65-F5344CB8AC3E}">
+        <p14:creationId xmlns:p14="http://schemas.microsoft.com/office/powerpoint/2010/main" val="1900653321"/>
+      </p:ext>
+    </p:extLst>
+  </p:cSld>
+  <p:clrMapOvr>
+    <a:masterClrMapping/>
+  </p:clrMapOvr>
+  <p:timing>
+    <p:tnLst>
+      <p:par>
+        <p:cTn xmlns:p14="http://schemas.microsoft.com/office/powerpoint/2010/main" id="1" dur="indefinite" restart="never" nodeType="tmRoot"/>
+      </p:par>
+    </p:tnLst>
+  </p:timing>
+</p:sld>
+</file>
+
+<file path=ppt/slides/slide19.xml><?xml version="1.0" encoding="utf-8"?>
+<p:sld xmlns:a="http://schemas.openxmlformats.org/drawingml/2006/main" xmlns:r="http://schemas.openxmlformats.org/officeDocument/2006/relationships" xmlns:p="http://schemas.openxmlformats.org/presentationml/2006/main">
+  <p:cSld>
+    <p:spTree>
+      <p:nvGrpSpPr>
+        <p:cNvPr id="1" name=""/>
+        <p:cNvGrpSpPr/>
+        <p:nvPr/>
+      </p:nvGrpSpPr>
+      <p:grpSpPr>
+        <a:xfrm>
+          <a:off x="0" y="0"/>
+          <a:ext cx="0" cy="0"/>
+          <a:chOff x="0" y="0"/>
+          <a:chExt cx="0" cy="0"/>
+        </a:xfrm>
+      </p:grpSpPr>
+      <p:sp>
+        <p:nvSpPr>
+          <p:cNvPr id="2" name="Title 1"/>
+          <p:cNvSpPr>
+            <a:spLocks noGrp="1"/>
+          </p:cNvSpPr>
+          <p:nvPr>
+            <p:ph type="ctrTitle"/>
+          </p:nvPr>
+        </p:nvSpPr>
+        <p:spPr>
+          <a:xfrm>
+            <a:off x="685800" y="160685"/>
+            <a:ext cx="7772400" cy="1470025"/>
+          </a:xfrm>
+        </p:spPr>
+        <p:txBody>
+          <a:bodyPr/>
+          <a:lstStyle/>
+          <a:p>
+            <a:r>
+              <a:rPr lang="en-US" dirty="0"/>
+              <a:t>Forms and validation</a:t>
+            </a:r>
+          </a:p>
+        </p:txBody>
+      </p:sp>
+      <p:sp>
+        <p:nvSpPr>
+          <p:cNvPr id="3" name="Subtitle 2"/>
+          <p:cNvSpPr>
+            <a:spLocks noGrp="1"/>
+          </p:cNvSpPr>
+          <p:nvPr>
+            <p:ph type="subTitle" idx="1"/>
+          </p:nvPr>
+        </p:nvSpPr>
+        <p:spPr>
+          <a:xfrm>
+            <a:off x="454651" y="1630710"/>
+            <a:ext cx="8371875" cy="4609893"/>
+          </a:xfrm>
+        </p:spPr>
+        <p:txBody>
+          <a:bodyPr>
+            <a:normAutofit fontScale="92500" lnSpcReduction="10000"/>
+          </a:bodyPr>
+          <a:lstStyle/>
+          <a:p>
+            <a:pPr marL="342900" indent="-342900" algn="l">
+              <a:buFont typeface="Arial"/>
+              <a:buChar char="•"/>
+            </a:pPr>
+            <a:r>
+              <a:rPr lang="en-US" sz="2000" dirty="0" err="1" smtClean="0"/>
+              <a:t>ngModel</a:t>
+            </a:r>
+            <a:r>
+              <a:rPr lang="en-US" sz="2000" dirty="0" smtClean="0"/>
+              <a:t> </a:t>
+            </a:r>
+            <a:r>
+              <a:rPr lang="en-US" sz="2000" dirty="0"/>
+              <a:t>is still available, but forms get a new non-DOM syntax</a:t>
+            </a:r>
+          </a:p>
+          <a:p>
+            <a:pPr marL="800100" lvl="1" indent="-342900" algn="l">
+              <a:buFont typeface="Arial"/>
+              <a:buChar char="•"/>
+            </a:pPr>
+            <a:r>
+              <a:rPr lang="en-US" sz="1600" dirty="0" smtClean="0"/>
+              <a:t>Controls </a:t>
+            </a:r>
+            <a:r>
+              <a:rPr lang="en-US" sz="1600" dirty="0"/>
+              <a:t>are built from Validators</a:t>
+            </a:r>
+          </a:p>
+          <a:p>
+            <a:pPr marL="800100" lvl="1" indent="-342900" algn="l">
+              <a:buFont typeface="Arial"/>
+              <a:buChar char="•"/>
+            </a:pPr>
+            <a:r>
+              <a:rPr lang="en-US" sz="1600" dirty="0" smtClean="0"/>
+              <a:t>email</a:t>
+            </a:r>
+            <a:r>
+              <a:rPr lang="en-US" sz="1600" dirty="0"/>
+              <a:t>: new Control("email", </a:t>
+            </a:r>
+            <a:r>
+              <a:rPr lang="en-US" sz="1600" dirty="0" err="1"/>
+              <a:t>Validators.required</a:t>
+            </a:r>
+            <a:r>
+              <a:rPr lang="en-US" sz="1600" dirty="0"/>
+              <a:t>)</a:t>
+            </a:r>
+          </a:p>
+          <a:p>
+            <a:pPr marL="800100" lvl="1" indent="-342900" algn="l">
+              <a:buFont typeface="Arial"/>
+              <a:buChar char="•"/>
+            </a:pPr>
+            <a:r>
+              <a:rPr lang="en-US" sz="1600" dirty="0" err="1" smtClean="0"/>
+              <a:t>ControlGroup</a:t>
+            </a:r>
+            <a:r>
+              <a:rPr lang="en-US" sz="1600" dirty="0" smtClean="0"/>
+              <a:t> </a:t>
+            </a:r>
+            <a:r>
+              <a:rPr lang="en-US" sz="1600" dirty="0"/>
+              <a:t>built from controls</a:t>
+            </a:r>
+          </a:p>
+          <a:p>
+            <a:pPr marL="800100" lvl="1" indent="-342900" algn="l">
+              <a:buFont typeface="Arial"/>
+              <a:buChar char="•"/>
+            </a:pPr>
+            <a:r>
+              <a:rPr lang="en-US" sz="1600" dirty="0" err="1" smtClean="0"/>
+              <a:t>FormBuilder</a:t>
+            </a:r>
+            <a:r>
+              <a:rPr lang="en-US" sz="1600" dirty="0" smtClean="0"/>
+              <a:t> </a:t>
+            </a:r>
+            <a:r>
+              <a:rPr lang="en-US" sz="1600" dirty="0"/>
+              <a:t>available as sugar for creating the whole </a:t>
+            </a:r>
+            <a:r>
+              <a:rPr lang="en-US" sz="1600" dirty="0" err="1"/>
+              <a:t>kaboodle</a:t>
+            </a:r>
+            <a:endParaRPr lang="en-US" sz="1600" dirty="0"/>
+          </a:p>
+          <a:p>
+            <a:pPr marL="342900" indent="-342900" algn="l">
+              <a:buFont typeface="Arial"/>
+              <a:buChar char="•"/>
+            </a:pPr>
+            <a:r>
+              <a:rPr lang="en-US" sz="2000" dirty="0" err="1" smtClean="0"/>
+              <a:t>ngControl</a:t>
+            </a:r>
+            <a:endParaRPr lang="en-US" sz="2000" dirty="0"/>
+          </a:p>
+          <a:p>
+            <a:pPr marL="800100" lvl="1" indent="-342900" algn="l">
+              <a:buFont typeface="Arial"/>
+              <a:buChar char="•"/>
+            </a:pPr>
+            <a:r>
+              <a:rPr lang="en-US" sz="1600" dirty="0" smtClean="0"/>
+              <a:t>Tracks </a:t>
+            </a:r>
+            <a:r>
+              <a:rPr lang="en-US" sz="1600" dirty="0"/>
+              <a:t>state and validity by creating Control object</a:t>
+            </a:r>
+          </a:p>
+          <a:p>
+            <a:pPr marL="800100" lvl="1" indent="-342900" algn="l">
+              <a:buFont typeface="Arial"/>
+              <a:buChar char="•"/>
+            </a:pPr>
+            <a:r>
+              <a:rPr lang="en-US" sz="1600" dirty="0" smtClean="0"/>
+              <a:t>Applies </a:t>
+            </a:r>
+            <a:r>
+              <a:rPr lang="en-US" sz="1600" dirty="0"/>
+              <a:t>classes to element based on UI actions:</a:t>
+            </a:r>
+          </a:p>
+          <a:p>
+            <a:pPr marL="800100" lvl="1" indent="-342900" algn="l">
+              <a:buFont typeface="Arial"/>
+              <a:buChar char="•"/>
+            </a:pPr>
+            <a:r>
+              <a:rPr lang="en-US" sz="1600" dirty="0" smtClean="0"/>
+              <a:t>Control </a:t>
+            </a:r>
+            <a:r>
+              <a:rPr lang="en-US" sz="1600" dirty="0"/>
+              <a:t>visited: </a:t>
+            </a:r>
+            <a:r>
+              <a:rPr lang="en-US" sz="1600" dirty="0" err="1"/>
+              <a:t>ng</a:t>
+            </a:r>
+            <a:r>
+              <a:rPr lang="en-US" sz="1600" dirty="0"/>
+              <a:t>-touched/</a:t>
+            </a:r>
+            <a:r>
+              <a:rPr lang="en-US" sz="1600" dirty="0" err="1"/>
+              <a:t>ng</a:t>
+            </a:r>
+            <a:r>
+              <a:rPr lang="en-US" sz="1600" dirty="0"/>
+              <a:t>-untouched</a:t>
+            </a:r>
+          </a:p>
+          <a:p>
+            <a:pPr marL="800100" lvl="1" indent="-342900" algn="l">
+              <a:buFont typeface="Arial"/>
+              <a:buChar char="•"/>
+            </a:pPr>
+            <a:r>
+              <a:rPr lang="en-US" sz="1600" dirty="0" smtClean="0"/>
+              <a:t>Controls </a:t>
+            </a:r>
+            <a:r>
+              <a:rPr lang="en-US" sz="1600" dirty="0"/>
+              <a:t>value changed: </a:t>
+            </a:r>
+            <a:r>
+              <a:rPr lang="en-US" sz="1600" dirty="0" err="1"/>
+              <a:t>ng</a:t>
+            </a:r>
+            <a:r>
+              <a:rPr lang="en-US" sz="1600" dirty="0"/>
+              <a:t>-dirty/</a:t>
+            </a:r>
+            <a:r>
+              <a:rPr lang="en-US" sz="1600" dirty="0" err="1"/>
+              <a:t>ng</a:t>
+            </a:r>
+            <a:r>
+              <a:rPr lang="en-US" sz="1600" dirty="0"/>
+              <a:t>-pristine</a:t>
+            </a:r>
+          </a:p>
+          <a:p>
+            <a:pPr marL="800100" lvl="1" indent="-342900" algn="l">
+              <a:buFont typeface="Arial"/>
+              <a:buChar char="•"/>
+            </a:pPr>
+            <a:r>
+              <a:rPr lang="en-US" sz="1600" dirty="0" smtClean="0"/>
+              <a:t>Controls </a:t>
+            </a:r>
+            <a:r>
+              <a:rPr lang="en-US" sz="1600" dirty="0"/>
+              <a:t>value valid:  </a:t>
+            </a:r>
+            <a:r>
+              <a:rPr lang="en-US" sz="1600" dirty="0" err="1"/>
+              <a:t>ng</a:t>
+            </a:r>
+            <a:r>
+              <a:rPr lang="en-US" sz="1600" dirty="0"/>
+              <a:t>-valid/</a:t>
+            </a:r>
+            <a:r>
+              <a:rPr lang="en-US" sz="1600" dirty="0" err="1"/>
+              <a:t>ng</a:t>
+            </a:r>
+            <a:r>
+              <a:rPr lang="en-US" sz="1600" dirty="0"/>
+              <a:t>-</a:t>
+            </a:r>
+            <a:r>
+              <a:rPr lang="en-US" sz="1600" dirty="0" smtClean="0"/>
+              <a:t>invalid</a:t>
+            </a:r>
+            <a:endParaRPr lang="en-US" sz="1600" dirty="0"/>
+          </a:p>
+          <a:p>
+            <a:pPr marL="457200" indent="-457200" algn="l">
+              <a:buFont typeface="Arial"/>
+              <a:buChar char="•"/>
+            </a:pPr>
+            <a:r>
+              <a:rPr lang="en-US" sz="2100" dirty="0"/>
+              <a:t> </a:t>
+            </a:r>
+            <a:r>
+              <a:rPr lang="en-US" sz="2100" dirty="0" smtClean="0"/>
+              <a:t>Form </a:t>
+            </a:r>
+            <a:r>
+              <a:rPr lang="en-US" sz="2100" dirty="0"/>
+              <a:t>gotchas</a:t>
+            </a:r>
+          </a:p>
+          <a:p>
+            <a:pPr marL="914400" lvl="1" indent="-457200" algn="l">
+              <a:buFont typeface="Arial"/>
+              <a:buChar char="•"/>
+            </a:pPr>
+            <a:r>
+              <a:rPr lang="en-US" sz="1600" dirty="0" err="1" smtClean="0"/>
+              <a:t>nG</a:t>
+            </a:r>
+            <a:r>
+              <a:rPr lang="en-US" sz="1600" dirty="0" smtClean="0"/>
+              <a:t> </a:t>
+            </a:r>
+            <a:r>
+              <a:rPr lang="en-US" sz="1600" dirty="0"/>
+              <a:t>adds </a:t>
+            </a:r>
+            <a:r>
+              <a:rPr lang="en-US" sz="1600" dirty="0" err="1"/>
+              <a:t>ngForm</a:t>
+            </a:r>
+            <a:r>
+              <a:rPr lang="en-US" sz="1600" dirty="0"/>
+              <a:t> directive to &lt;form&gt; automatically</a:t>
+            </a:r>
+          </a:p>
+          <a:p>
+            <a:pPr marL="914400" lvl="1" indent="-457200" algn="l">
+              <a:buFont typeface="Arial"/>
+              <a:buChar char="•"/>
+            </a:pPr>
+            <a:r>
+              <a:rPr lang="en-US" sz="1600" dirty="0" err="1" smtClean="0"/>
+              <a:t>NgForm</a:t>
+            </a:r>
+            <a:r>
+              <a:rPr lang="en-US" sz="1600" dirty="0"/>
+              <a:t>, </a:t>
+            </a:r>
+            <a:r>
+              <a:rPr lang="en-US" sz="1600" dirty="0" err="1"/>
+              <a:t>NgModel</a:t>
+            </a:r>
+            <a:r>
+              <a:rPr lang="en-US" sz="1600" dirty="0"/>
+              <a:t>, </a:t>
+            </a:r>
+            <a:r>
+              <a:rPr lang="en-US" sz="1600" dirty="0" err="1"/>
+              <a:t>NgControlName</a:t>
+            </a:r>
+            <a:r>
+              <a:rPr lang="en-US" sz="1600" dirty="0"/>
+              <a:t> and </a:t>
+            </a:r>
+            <a:r>
+              <a:rPr lang="en-US" sz="1600" dirty="0" err="1"/>
+              <a:t>NgControlGroup</a:t>
+            </a:r>
+            <a:r>
+              <a:rPr lang="en-US" sz="1600" dirty="0"/>
+              <a:t> all </a:t>
+            </a:r>
+            <a:r>
+              <a:rPr lang="en-US" sz="1600" dirty="0" err="1"/>
+              <a:t>exportAs</a:t>
+            </a:r>
+            <a:r>
+              <a:rPr lang="en-US" sz="1600" dirty="0"/>
+              <a:t> "</a:t>
+            </a:r>
+            <a:r>
+              <a:rPr lang="en-US" sz="1600" dirty="0" err="1" smtClean="0"/>
+              <a:t>ngForm</a:t>
+            </a:r>
+            <a:r>
+              <a:rPr lang="en-US" sz="1600" dirty="0" smtClean="0"/>
+              <a:t>”</a:t>
+            </a:r>
+          </a:p>
+          <a:p>
+            <a:pPr marL="914400" lvl="1" indent="-457200" algn="l">
+              <a:buFont typeface="Arial"/>
+              <a:buChar char="•"/>
+            </a:pPr>
+            <a:r>
+              <a:rPr lang="en-US" sz="1600" dirty="0" err="1" smtClean="0"/>
+              <a:t>ngModel</a:t>
+            </a:r>
+            <a:r>
+              <a:rPr lang="en-US" sz="1600" dirty="0" smtClean="0"/>
+              <a:t> overridden when any other applied to same element</a:t>
+            </a:r>
+          </a:p>
+          <a:p>
+            <a:pPr marL="914400" lvl="1" indent="-457200" algn="l">
+              <a:buFont typeface="Arial"/>
+              <a:buChar char="•"/>
+            </a:pPr>
+            <a:r>
+              <a:rPr lang="en-US" sz="1900" dirty="0" err="1" smtClean="0"/>
+              <a:t>ngControl</a:t>
+            </a:r>
+            <a:r>
+              <a:rPr lang="en-US" sz="1900" dirty="0" smtClean="0"/>
+              <a:t> </a:t>
+            </a:r>
+            <a:r>
+              <a:rPr lang="en-US" sz="1900" dirty="0"/>
+              <a:t>attribute =&gt; directive </a:t>
+            </a:r>
+            <a:r>
+              <a:rPr lang="en-US" sz="1900" dirty="0" err="1"/>
+              <a:t>ngControlName</a:t>
+            </a:r>
+            <a:r>
+              <a:rPr lang="en-US" sz="1900" dirty="0"/>
+              <a:t> (</a:t>
+            </a:r>
+            <a:r>
+              <a:rPr lang="en-US" sz="1900" dirty="0" err="1"/>
+              <a:t>ngControl</a:t>
+            </a:r>
+            <a:r>
+              <a:rPr lang="en-US" sz="1900" dirty="0"/>
+              <a:t> is abstract)</a:t>
+            </a:r>
+          </a:p>
+        </p:txBody>
+      </p:sp>
+    </p:spTree>
+    <p:extLst>
+      <p:ext uri="{BB962C8B-B14F-4D97-AF65-F5344CB8AC3E}">
+        <p14:creationId xmlns:p14="http://schemas.microsoft.com/office/powerpoint/2010/main" val="1484393367"/>
       </p:ext>
     </p:extLst>
   </p:cSld>
@@ -4279,6 +6101,368 @@
 </p:sld>
 </file>
 
+<file path=ppt/slides/slide20.xml><?xml version="1.0" encoding="utf-8"?>
+<p:sld xmlns:a="http://schemas.openxmlformats.org/drawingml/2006/main" xmlns:r="http://schemas.openxmlformats.org/officeDocument/2006/relationships" xmlns:p="http://schemas.openxmlformats.org/presentationml/2006/main">
+  <p:cSld>
+    <p:spTree>
+      <p:nvGrpSpPr>
+        <p:cNvPr id="1" name=""/>
+        <p:cNvGrpSpPr/>
+        <p:nvPr/>
+      </p:nvGrpSpPr>
+      <p:grpSpPr>
+        <a:xfrm>
+          <a:off x="0" y="0"/>
+          <a:ext cx="0" cy="0"/>
+          <a:chOff x="0" y="0"/>
+          <a:chExt cx="0" cy="0"/>
+        </a:xfrm>
+      </p:grpSpPr>
+      <p:sp>
+        <p:nvSpPr>
+          <p:cNvPr id="2" name="Title 1"/>
+          <p:cNvSpPr>
+            <a:spLocks noGrp="1"/>
+          </p:cNvSpPr>
+          <p:nvPr>
+            <p:ph type="ctrTitle"/>
+          </p:nvPr>
+        </p:nvSpPr>
+        <p:spPr>
+          <a:xfrm>
+            <a:off x="685800" y="160685"/>
+            <a:ext cx="7772400" cy="1470025"/>
+          </a:xfrm>
+        </p:spPr>
+        <p:txBody>
+          <a:bodyPr/>
+          <a:lstStyle/>
+          <a:p>
+            <a:pPr marL="342900" indent="-342900"/>
+            <a:r>
+              <a:rPr lang="en-US" dirty="0"/>
+              <a:t>Template reference variables</a:t>
+            </a:r>
+          </a:p>
+        </p:txBody>
+      </p:sp>
+      <p:sp>
+        <p:nvSpPr>
+          <p:cNvPr id="3" name="Subtitle 2"/>
+          <p:cNvSpPr>
+            <a:spLocks noGrp="1"/>
+          </p:cNvSpPr>
+          <p:nvPr>
+            <p:ph type="subTitle" idx="1"/>
+          </p:nvPr>
+        </p:nvSpPr>
+        <p:spPr>
+          <a:xfrm>
+            <a:off x="454651" y="1630710"/>
+            <a:ext cx="8371875" cy="4609893"/>
+          </a:xfrm>
+        </p:spPr>
+        <p:txBody>
+          <a:bodyPr>
+            <a:normAutofit/>
+          </a:bodyPr>
+          <a:lstStyle/>
+          <a:p>
+            <a:pPr marL="342900" indent="-342900" algn="l">
+              <a:buFont typeface="Arial"/>
+              <a:buChar char="•"/>
+            </a:pPr>
+            <a:r>
+              <a:rPr lang="en-US" sz="2000" dirty="0" smtClean="0"/>
+              <a:t>Add </a:t>
+            </a:r>
+            <a:r>
+              <a:rPr lang="en-US" sz="2000" dirty="0"/>
+              <a:t>#</a:t>
+            </a:r>
+            <a:r>
+              <a:rPr lang="en-US" sz="2000" dirty="0" err="1"/>
+              <a:t>varname</a:t>
+            </a:r>
+            <a:r>
+              <a:rPr lang="en-US" sz="2000" dirty="0"/>
+              <a:t> as an </a:t>
+            </a:r>
+            <a:r>
+              <a:rPr lang="en-US" sz="2000" dirty="0" smtClean="0"/>
+              <a:t>attribute</a:t>
+            </a:r>
+            <a:endParaRPr lang="en-US" sz="2000" dirty="0"/>
+          </a:p>
+          <a:p>
+            <a:pPr marL="342900" indent="-342900" algn="l">
+              <a:buFont typeface="Arial"/>
+              <a:buChar char="•"/>
+            </a:pPr>
+            <a:r>
+              <a:rPr lang="en-US" sz="2000" dirty="0" smtClean="0"/>
+              <a:t>References </a:t>
+            </a:r>
+            <a:r>
+              <a:rPr lang="en-US" sz="2000" dirty="0"/>
+              <a:t>element by default</a:t>
+            </a:r>
+          </a:p>
+          <a:p>
+            <a:pPr marL="800100" lvl="1" indent="-342900" algn="l">
+              <a:buFont typeface="Arial"/>
+              <a:buChar char="•"/>
+            </a:pPr>
+            <a:r>
+              <a:rPr lang="en-US" sz="1600" dirty="0" smtClean="0"/>
+              <a:t>&lt;</a:t>
+            </a:r>
+            <a:r>
+              <a:rPr lang="en-US" sz="1600" dirty="0"/>
+              <a:t>input #phone placeholder="phone number"&gt;</a:t>
+            </a:r>
+          </a:p>
+          <a:p>
+            <a:pPr marL="800100" lvl="1" indent="-342900" algn="l">
+              <a:buFont typeface="Arial"/>
+              <a:buChar char="•"/>
+            </a:pPr>
+            <a:r>
+              <a:rPr lang="en-US" sz="1600" dirty="0" smtClean="0"/>
+              <a:t>&lt;</a:t>
+            </a:r>
+            <a:r>
+              <a:rPr lang="en-US" sz="1600" dirty="0"/>
+              <a:t>button (click)="</a:t>
+            </a:r>
+            <a:r>
+              <a:rPr lang="en-US" sz="1600" dirty="0" err="1"/>
+              <a:t>callPhone</a:t>
+            </a:r>
+            <a:r>
+              <a:rPr lang="en-US" sz="1600" dirty="0"/>
+              <a:t>(</a:t>
+            </a:r>
+            <a:r>
+              <a:rPr lang="en-US" sz="1600" dirty="0" err="1"/>
+              <a:t>phone.value</a:t>
+            </a:r>
+            <a:r>
+              <a:rPr lang="en-US" sz="1600" dirty="0"/>
+              <a:t>)"&gt;Call&lt;/button&gt;</a:t>
+            </a:r>
+          </a:p>
+          <a:p>
+            <a:pPr marL="342900" indent="-342900" algn="l">
+              <a:buFont typeface="Arial"/>
+              <a:buChar char="•"/>
+            </a:pPr>
+            <a:r>
+              <a:rPr lang="en-US" sz="2000" dirty="0"/>
+              <a:t>  </a:t>
+            </a:r>
+            <a:r>
+              <a:rPr lang="en-US" sz="2000" dirty="0" smtClean="0"/>
+              <a:t>Or</a:t>
+            </a:r>
+            <a:r>
+              <a:rPr lang="en-US" sz="2000" dirty="0"/>
+              <a:t>, assign </a:t>
+            </a:r>
+            <a:r>
+              <a:rPr lang="en-US" sz="2000" dirty="0" err="1"/>
+              <a:t>var</a:t>
+            </a:r>
+            <a:r>
+              <a:rPr lang="en-US" sz="2000" dirty="0"/>
+              <a:t> to form data</a:t>
+            </a:r>
+          </a:p>
+          <a:p>
+            <a:pPr marL="800100" lvl="1" indent="-342900" algn="l">
+              <a:buFont typeface="Arial"/>
+              <a:buChar char="•"/>
+            </a:pPr>
+            <a:r>
+              <a:rPr lang="en-US" sz="1600" dirty="0" smtClean="0"/>
+              <a:t>&lt;</a:t>
+            </a:r>
+            <a:r>
+              <a:rPr lang="en-US" sz="1600" dirty="0"/>
+              <a:t>input </a:t>
+            </a:r>
+            <a:r>
+              <a:rPr lang="en-US" sz="1600" dirty="0" err="1"/>
+              <a:t>ngControl</a:t>
+            </a:r>
+            <a:r>
+              <a:rPr lang="en-US" sz="1600" dirty="0"/>
+              <a:t>="username"  #name="</a:t>
+            </a:r>
+            <a:r>
+              <a:rPr lang="en-US" sz="1600" dirty="0" err="1"/>
+              <a:t>ngForm</a:t>
+            </a:r>
+            <a:r>
+              <a:rPr lang="en-US" sz="1600" dirty="0"/>
+              <a:t>" &gt;</a:t>
+            </a:r>
+          </a:p>
+          <a:p>
+            <a:pPr marL="800100" lvl="1" indent="-342900" algn="l">
+              <a:buFont typeface="Arial"/>
+              <a:buChar char="•"/>
+            </a:pPr>
+            <a:r>
+              <a:rPr lang="en-US" sz="1600" dirty="0" smtClean="0"/>
+              <a:t>&lt;</a:t>
+            </a:r>
+            <a:r>
+              <a:rPr lang="en-US" sz="1600" dirty="0"/>
+              <a:t>div [hidden]="</a:t>
+            </a:r>
+            <a:r>
+              <a:rPr lang="en-US" sz="1600" dirty="0" err="1"/>
+              <a:t>name.valid</a:t>
+            </a:r>
+            <a:r>
+              <a:rPr lang="en-US" sz="1600" dirty="0"/>
+              <a:t> || </a:t>
+            </a:r>
+            <a:r>
+              <a:rPr lang="en-US" sz="1600" dirty="0" err="1"/>
+              <a:t>name.pristine</a:t>
+            </a:r>
+            <a:r>
+              <a:rPr lang="en-US" sz="1600" dirty="0"/>
+              <a:t>" class="alert alert-</a:t>
+            </a:r>
+            <a:r>
+              <a:rPr lang="en-US" sz="1600" dirty="0" smtClean="0"/>
+              <a:t>danger”&gt;</a:t>
+            </a:r>
+            <a:endParaRPr lang="en-US" sz="1600" dirty="0"/>
+          </a:p>
+        </p:txBody>
+      </p:sp>
+    </p:spTree>
+    <p:extLst>
+      <p:ext uri="{BB962C8B-B14F-4D97-AF65-F5344CB8AC3E}">
+        <p14:creationId xmlns:p14="http://schemas.microsoft.com/office/powerpoint/2010/main" val="3880746114"/>
+      </p:ext>
+    </p:extLst>
+  </p:cSld>
+  <p:clrMapOvr>
+    <a:masterClrMapping/>
+  </p:clrMapOvr>
+  <p:timing>
+    <p:tnLst>
+      <p:par>
+        <p:cTn xmlns:p14="http://schemas.microsoft.com/office/powerpoint/2010/main" id="1" dur="indefinite" restart="never" nodeType="tmRoot"/>
+      </p:par>
+    </p:tnLst>
+  </p:timing>
+</p:sld>
+</file>
+
+<file path=ppt/slides/slide21.xml><?xml version="1.0" encoding="utf-8"?>
+<p:sld xmlns:a="http://schemas.openxmlformats.org/drawingml/2006/main" xmlns:r="http://schemas.openxmlformats.org/officeDocument/2006/relationships" xmlns:p="http://schemas.openxmlformats.org/presentationml/2006/main">
+  <p:cSld>
+    <p:spTree>
+      <p:nvGrpSpPr>
+        <p:cNvPr id="1" name=""/>
+        <p:cNvGrpSpPr/>
+        <p:nvPr/>
+      </p:nvGrpSpPr>
+      <p:grpSpPr>
+        <a:xfrm>
+          <a:off x="0" y="0"/>
+          <a:ext cx="0" cy="0"/>
+          <a:chOff x="0" y="0"/>
+          <a:chExt cx="0" cy="0"/>
+        </a:xfrm>
+      </p:grpSpPr>
+      <p:sp>
+        <p:nvSpPr>
+          <p:cNvPr id="2" name="Title 1"/>
+          <p:cNvSpPr>
+            <a:spLocks noGrp="1"/>
+          </p:cNvSpPr>
+          <p:nvPr>
+            <p:ph type="ctrTitle"/>
+          </p:nvPr>
+        </p:nvSpPr>
+        <p:spPr>
+          <a:xfrm>
+            <a:off x="685800" y="160685"/>
+            <a:ext cx="7772400" cy="1470025"/>
+          </a:xfrm>
+        </p:spPr>
+        <p:txBody>
+          <a:bodyPr/>
+          <a:lstStyle/>
+          <a:p>
+            <a:r>
+              <a:rPr lang="en-US" dirty="0"/>
+              <a:t>nG2 Forms Lab</a:t>
+            </a:r>
+          </a:p>
+        </p:txBody>
+      </p:sp>
+      <p:sp>
+        <p:nvSpPr>
+          <p:cNvPr id="3" name="Subtitle 2"/>
+          <p:cNvSpPr>
+            <a:spLocks noGrp="1"/>
+          </p:cNvSpPr>
+          <p:nvPr>
+            <p:ph type="subTitle" idx="1"/>
+          </p:nvPr>
+        </p:nvSpPr>
+        <p:spPr>
+          <a:xfrm>
+            <a:off x="454651" y="1630710"/>
+            <a:ext cx="8371875" cy="4609893"/>
+          </a:xfrm>
+        </p:spPr>
+        <p:txBody>
+          <a:bodyPr>
+            <a:normAutofit/>
+          </a:bodyPr>
+          <a:lstStyle/>
+          <a:p>
+            <a:r>
+              <a:rPr lang="en-US" sz="2000" dirty="0" smtClean="0"/>
+              <a:t>Convert </a:t>
+            </a:r>
+            <a:r>
+              <a:rPr lang="en-US" sz="2000" dirty="0"/>
+              <a:t>Playlists UI to nG2 Forms</a:t>
+            </a:r>
+            <a:endParaRPr lang="en-US" sz="1600" dirty="0"/>
+          </a:p>
+        </p:txBody>
+      </p:sp>
+    </p:spTree>
+    <p:extLst>
+      <p:ext uri="{BB962C8B-B14F-4D97-AF65-F5344CB8AC3E}">
+        <p14:creationId xmlns:p14="http://schemas.microsoft.com/office/powerpoint/2010/main" val="2999542358"/>
+      </p:ext>
+    </p:extLst>
+  </p:cSld>
+  <p:clrMapOvr>
+    <a:masterClrMapping/>
+  </p:clrMapOvr>
+  <p:timing>
+    <p:tnLst>
+      <p:par>
+        <p:cTn xmlns:p14="http://schemas.microsoft.com/office/powerpoint/2010/main" id="1" dur="indefinite" restart="never" nodeType="tmRoot"/>
+      </p:par>
+    </p:tnLst>
+  </p:timing>
+</p:sld>
+</file>
+
 <file path=ppt/slides/slide3.xml><?xml version="1.0" encoding="utf-8"?>
 <p:sld xmlns:a="http://schemas.openxmlformats.org/drawingml/2006/main" xmlns:r="http://schemas.openxmlformats.org/officeDocument/2006/relationships" xmlns:p="http://schemas.openxmlformats.org/presentationml/2006/main">
   <p:cSld>
@@ -4318,7 +6502,7 @@
           <a:p>
             <a:r>
               <a:rPr lang="en-US" dirty="0"/>
-              <a:t>Built in filters</a:t>
+              <a:t>Intro to Angular 2</a:t>
             </a:r>
           </a:p>
         </p:txBody>
@@ -4350,165 +6534,84 @@
               <a:buChar char="•"/>
             </a:pPr>
             <a:r>
-              <a:rPr lang="en-US" sz="2400" dirty="0" smtClean="0"/>
-              <a:t>Filters get a </a:t>
-            </a:r>
-            <a:r>
-              <a:rPr lang="en-US" sz="2400" dirty="0"/>
-              <a:t>template </a:t>
-            </a:r>
-            <a:r>
-              <a:rPr lang="en-US" sz="2400" dirty="0" smtClean="0"/>
-              <a:t>expression</a:t>
-            </a:r>
-            <a:r>
-              <a:rPr lang="en-US" sz="2400" dirty="0"/>
-              <a:t> “piped</a:t>
-            </a:r>
-            <a:r>
-              <a:rPr lang="en-US" sz="2400" dirty="0" smtClean="0"/>
-              <a:t>” to them</a:t>
-            </a:r>
-            <a:endParaRPr lang="en-US" sz="2400" dirty="0"/>
-          </a:p>
-          <a:p>
-            <a:pPr marL="342900" indent="-342900" algn="l">
-              <a:buFont typeface="Arial"/>
-              <a:buChar char="•"/>
-            </a:pPr>
-            <a:r>
-              <a:rPr lang="en-US" sz="2400" dirty="0" smtClean="0"/>
-              <a:t>&lt;</a:t>
-            </a:r>
-            <a:r>
-              <a:rPr lang="en-US" sz="2400" dirty="0"/>
-              <a:t>p </a:t>
-            </a:r>
-            <a:r>
-              <a:rPr lang="en-US" sz="2400" dirty="0" err="1"/>
-              <a:t>ng</a:t>
-            </a:r>
-            <a:r>
-              <a:rPr lang="en-US" sz="2400" dirty="0"/>
-              <a:t>-some-directive="{{ value | </a:t>
-            </a:r>
-            <a:r>
-              <a:rPr lang="en-US" sz="2400" dirty="0" err="1"/>
-              <a:t>filtername</a:t>
-            </a:r>
-            <a:r>
-              <a:rPr lang="en-US" sz="2400" dirty="0"/>
-              <a:t> }}"&lt;/p&gt;</a:t>
-            </a:r>
-          </a:p>
-          <a:p>
-            <a:pPr marL="342900" indent="-342900" algn="l">
-              <a:buFont typeface="Arial"/>
-              <a:buChar char="•"/>
-            </a:pPr>
-            <a:r>
-              <a:rPr lang="en-US" sz="2400" dirty="0" smtClean="0"/>
-              <a:t>Chainable: </a:t>
-            </a:r>
-            <a:r>
-              <a:rPr lang="en-US" sz="2400" dirty="0"/>
-              <a:t>{{ value | </a:t>
-            </a:r>
-            <a:r>
-              <a:rPr lang="en-US" sz="2400" dirty="0" err="1"/>
-              <a:t>filtername</a:t>
-            </a:r>
-            <a:r>
-              <a:rPr lang="en-US" sz="2400" dirty="0"/>
-              <a:t> | </a:t>
-            </a:r>
-            <a:r>
-              <a:rPr lang="en-US" sz="2400" dirty="0" err="1"/>
-              <a:t>anotherfilter</a:t>
-            </a:r>
-            <a:r>
-              <a:rPr lang="en-US" sz="2400" dirty="0"/>
-              <a:t> }}</a:t>
-            </a:r>
-          </a:p>
-          <a:p>
-            <a:pPr marL="342900" indent="-342900" algn="l">
-              <a:buFont typeface="Arial"/>
-              <a:buChar char="•"/>
-            </a:pPr>
-            <a:r>
-              <a:rPr lang="en-US" sz="2400" dirty="0" smtClean="0"/>
-              <a:t>Accepts </a:t>
-            </a:r>
-            <a:r>
-              <a:rPr lang="en-US" sz="2400" dirty="0"/>
-              <a:t>parameters with colon: </a:t>
-            </a:r>
-            <a:endParaRPr lang="en-US" sz="2400" dirty="0" smtClean="0"/>
-          </a:p>
-          <a:p>
-            <a:pPr marL="800100" lvl="1" indent="-342900" algn="l">
-              <a:buFont typeface="Arial"/>
-              <a:buChar char="•"/>
-            </a:pPr>
-            <a:r>
               <a:rPr lang="en-US" sz="2000" dirty="0" smtClean="0"/>
-              <a:t>{</a:t>
-            </a:r>
-            <a:r>
-              <a:rPr lang="en-US" sz="2000" dirty="0"/>
-              <a:t>{ value | </a:t>
-            </a:r>
-            <a:r>
-              <a:rPr lang="en-US" sz="2000" dirty="0" err="1"/>
-              <a:t>filtername:oneparameter:anotherparam</a:t>
-            </a:r>
-            <a:r>
-              <a:rPr lang="en-US" sz="2000" dirty="0"/>
-              <a:t> }}</a:t>
-            </a:r>
-          </a:p>
-          <a:p>
-            <a:pPr marL="342900" indent="-342900" algn="l">
-              <a:buFont typeface="Arial"/>
-              <a:buChar char="•"/>
-            </a:pPr>
-            <a:r>
-              <a:rPr lang="en-US" sz="2400" dirty="0" smtClean="0"/>
-              <a:t>Watch </a:t>
-            </a:r>
-            <a:r>
-              <a:rPr lang="en-US" sz="2400" dirty="0"/>
-              <a:t>out for performance penalties (filters can be expensive)</a:t>
-            </a:r>
-          </a:p>
-          <a:p>
-            <a:pPr marL="342900" indent="-342900" algn="l">
-              <a:buFont typeface="Arial"/>
-              <a:buChar char="•"/>
-            </a:pPr>
-            <a:r>
-              <a:rPr lang="en-US" sz="2400" dirty="0" smtClean="0"/>
-              <a:t>examples</a:t>
-            </a:r>
-            <a:r>
-              <a:rPr lang="en-US" sz="2400" dirty="0"/>
-              <a:t>/01-built-in-filters</a:t>
-            </a:r>
-            <a:endParaRPr lang="en-US" sz="2000" dirty="0"/>
+              <a:t>Targets </a:t>
+            </a:r>
+            <a:r>
+              <a:rPr lang="en-US" sz="2000" dirty="0"/>
+              <a:t>"evergreen" browsers - no legacy support (IE9+)</a:t>
+            </a:r>
+          </a:p>
+          <a:p>
+            <a:pPr marL="342900" indent="-342900" algn="l">
+              <a:buFont typeface="Arial"/>
+              <a:buChar char="•"/>
+            </a:pPr>
+            <a:r>
+              <a:rPr lang="en-US" sz="2000" dirty="0" err="1" smtClean="0"/>
+              <a:t>nG</a:t>
+            </a:r>
+            <a:r>
+              <a:rPr lang="en-US" sz="2000" dirty="0" smtClean="0"/>
+              <a:t> </a:t>
+            </a:r>
+            <a:r>
+              <a:rPr lang="en-US" sz="2000" dirty="0"/>
+              <a:t>2 is a major redesign, with many breaking changes</a:t>
+            </a:r>
+          </a:p>
+          <a:p>
+            <a:pPr marL="342900" indent="-342900" algn="l">
+              <a:buFont typeface="Arial"/>
+              <a:buChar char="•"/>
+            </a:pPr>
+            <a:r>
+              <a:rPr lang="en-US" sz="2000" dirty="0" smtClean="0"/>
+              <a:t>Emphasis </a:t>
+            </a:r>
+            <a:r>
+              <a:rPr lang="en-US" sz="2000" dirty="0"/>
+              <a:t>on moving towards HTML5 web components</a:t>
+            </a:r>
+          </a:p>
+          <a:p>
+            <a:pPr marL="342900" indent="-342900" algn="l">
+              <a:buFont typeface="Arial"/>
+              <a:buChar char="•"/>
+            </a:pPr>
+            <a:r>
+              <a:rPr lang="en-US" sz="2000" dirty="0" err="1" smtClean="0"/>
+              <a:t>TypeScript</a:t>
+            </a:r>
+            <a:r>
+              <a:rPr lang="en-US" sz="2000" dirty="0" smtClean="0"/>
+              <a:t> </a:t>
+            </a:r>
+            <a:r>
+              <a:rPr lang="en-US" sz="2000" dirty="0"/>
+              <a:t>recommended</a:t>
+            </a:r>
+            <a:endParaRPr lang="is-IS" sz="1200" dirty="0"/>
           </a:p>
         </p:txBody>
       </p:sp>
     </p:spTree>
     <p:extLst>
       <p:ext uri="{BB962C8B-B14F-4D97-AF65-F5344CB8AC3E}">
-        <p14:creationId xmlns:p14="http://schemas.microsoft.com/office/powerpoint/2010/main" val="1071949074"/>
+        <p14:creationId xmlns:p14="http://schemas.microsoft.com/office/powerpoint/2010/main" val="2614652572"/>
       </p:ext>
     </p:extLst>
   </p:cSld>
   <p:clrMapOvr>
     <a:masterClrMapping/>
   </p:clrMapOvr>
+  <p:timing>
+    <p:tnLst>
+      <p:par>
+        <p:cTn xmlns:p14="http://schemas.microsoft.com/office/powerpoint/2010/main" id="1" dur="indefinite" restart="never" nodeType="tmRoot"/>
+      </p:par>
+    </p:tnLst>
+  </p:timing>
 </p:sld>
 </file>
 
@@ -4551,7 +6654,7 @@
           <a:p>
             <a:r>
               <a:rPr lang="en-US" dirty="0"/>
-              <a:t>Custom filters</a:t>
+              <a:t>Major changes</a:t>
             </a:r>
           </a:p>
         </p:txBody>
@@ -4574,7 +6677,7 @@
         </p:spPr>
         <p:txBody>
           <a:bodyPr>
-            <a:normAutofit lnSpcReduction="10000"/>
+            <a:normAutofit/>
           </a:bodyPr>
           <a:lstStyle/>
           <a:p>
@@ -4583,32 +6686,68 @@
               <a:buChar char="•"/>
             </a:pPr>
             <a:r>
-              <a:rPr lang="en-US" sz="2400" dirty="0" smtClean="0"/>
-              <a:t>Register </a:t>
-            </a:r>
-            <a:r>
-              <a:rPr lang="en-US" sz="2400" dirty="0"/>
-              <a:t>custom functions with </a:t>
-            </a:r>
-            <a:r>
-              <a:rPr lang="en-US" sz="2400" dirty="0" err="1"/>
-              <a:t>nG</a:t>
-            </a:r>
-            <a:r>
-              <a:rPr lang="en-US" sz="2400" dirty="0"/>
-              <a:t> using a '</a:t>
-            </a:r>
-            <a:r>
-              <a:rPr lang="en-US" sz="2400" dirty="0">
-                <a:solidFill>
-                  <a:srgbClr val="FF6600"/>
-                </a:solidFill>
-              </a:rPr>
-              <a:t>recipe</a:t>
-            </a:r>
-            <a:r>
-              <a:rPr lang="en-US" sz="2400" dirty="0"/>
-              <a:t>' pattern</a:t>
+              <a:rPr lang="en-US" sz="2000" dirty="0" smtClean="0"/>
+              <a:t>More </a:t>
+            </a:r>
+            <a:r>
+              <a:rPr lang="en-US" sz="2000" dirty="0"/>
+              <a:t>like a reboot</a:t>
+            </a:r>
+          </a:p>
+          <a:p>
+            <a:pPr marL="342900" indent="-342900" algn="l">
+              <a:buFont typeface="Arial"/>
+              <a:buChar char="•"/>
+            </a:pPr>
+            <a:r>
+              <a:rPr lang="en-US" sz="2000" dirty="0" smtClean="0"/>
+              <a:t>The </a:t>
+            </a:r>
+            <a:r>
+              <a:rPr lang="en-US" sz="2000" dirty="0"/>
+              <a:t>central API is now Components</a:t>
+            </a:r>
+          </a:p>
+          <a:p>
+            <a:pPr marL="342900" indent="-342900" algn="l">
+              <a:buFont typeface="Arial"/>
+              <a:buChar char="•"/>
+            </a:pPr>
+            <a:r>
+              <a:rPr lang="en-US" sz="2000" dirty="0" smtClean="0"/>
+              <a:t>Components </a:t>
+            </a:r>
+            <a:r>
+              <a:rPr lang="en-US" sz="2000" dirty="0"/>
+              <a:t>are a type of Directive, those are still around</a:t>
+            </a:r>
+          </a:p>
+          <a:p>
+            <a:pPr marL="342900" indent="-342900" algn="l">
+              <a:buFont typeface="Arial"/>
+              <a:buChar char="•"/>
+            </a:pPr>
+            <a:r>
+              <a:rPr lang="en-US" sz="2000" dirty="0" smtClean="0"/>
+              <a:t>Providers </a:t>
+            </a:r>
+            <a:r>
+              <a:rPr lang="en-US" sz="2000" dirty="0"/>
+              <a:t>are still around, but their sugar/subtypes have been removed</a:t>
+            </a:r>
+          </a:p>
+          <a:p>
+            <a:pPr marL="342900" indent="-342900" algn="l">
+              <a:buFont typeface="Arial"/>
+              <a:buChar char="•"/>
+            </a:pPr>
+            <a:r>
+              <a:rPr lang="en-US" sz="2000" dirty="0" smtClean="0"/>
+              <a:t>Large </a:t>
+            </a:r>
+            <a:r>
+              <a:rPr lang="en-US" sz="2000" dirty="0"/>
+              <a:t>portions of the API have been removed:</a:t>
             </a:r>
           </a:p>
           <a:p>
@@ -4616,202 +6755,85 @@
               <a:buFont typeface="Arial"/>
               <a:buChar char="•"/>
             </a:pPr>
-            <a:r>
-              <a:rPr lang="en-US" sz="2000" dirty="0" smtClean="0"/>
-              <a:t>Recipe </a:t>
-            </a:r>
-            <a:r>
-              <a:rPr lang="en-US" sz="2000" dirty="0"/>
-              <a:t>pattern: from a reference to a module, call a factory</a:t>
-            </a:r>
-          </a:p>
-          <a:p>
-            <a:pPr marL="800100" lvl="1" indent="-342900" algn="l">
-              <a:buFont typeface="Arial"/>
-              <a:buChar char="•"/>
-            </a:pPr>
-            <a:r>
-              <a:rPr lang="en-US" sz="2000" dirty="0" smtClean="0"/>
-              <a:t>module </a:t>
-            </a:r>
-            <a:r>
-              <a:rPr lang="en-US" sz="2000" dirty="0"/>
-              <a:t>is a standalone unit of </a:t>
-            </a:r>
-            <a:r>
-              <a:rPr lang="en-US" sz="2000" dirty="0" err="1"/>
-              <a:t>nG</a:t>
-            </a:r>
-            <a:r>
-              <a:rPr lang="en-US" sz="2000" dirty="0"/>
-              <a:t> code</a:t>
-            </a:r>
-          </a:p>
-          <a:p>
-            <a:pPr marL="800100" lvl="1" indent="-342900" algn="l">
-              <a:buFont typeface="Arial"/>
-              <a:buChar char="•"/>
-            </a:pPr>
-            <a:r>
-              <a:rPr lang="en-US" sz="2000" dirty="0" smtClean="0"/>
-              <a:t>Reference </a:t>
-            </a:r>
-            <a:r>
-              <a:rPr lang="en-US" sz="2000" dirty="0"/>
-              <a:t>to a module:</a:t>
-            </a:r>
-          </a:p>
-          <a:p>
-            <a:pPr marL="1257300" lvl="2" indent="-342900" algn="l">
-              <a:buFont typeface="Arial"/>
-              <a:buChar char="•"/>
-            </a:pPr>
-            <a:r>
-              <a:rPr lang="en-US" sz="1600" dirty="0" smtClean="0"/>
-              <a:t>new </a:t>
-            </a:r>
-            <a:r>
-              <a:rPr lang="en-US" sz="1600" dirty="0"/>
-              <a:t>module (note empty array): </a:t>
-            </a:r>
             <a:r>
               <a:rPr lang="en-US" sz="1600" dirty="0" err="1" smtClean="0"/>
               <a:t>angular.module</a:t>
             </a:r>
             <a:r>
               <a:rPr lang="en-US" sz="1600" dirty="0"/>
-              <a:t>('</a:t>
+              <a:t>, scope, controllers, filters, </a:t>
             </a:r>
             <a:r>
               <a:rPr lang="en-US" sz="1600" dirty="0" err="1"/>
-              <a:t>someModuleName</a:t>
+              <a:t>ng</a:t>
             </a:r>
             <a:r>
               <a:rPr lang="en-US" sz="1600" dirty="0"/>
-              <a:t>', [])</a:t>
-            </a:r>
-          </a:p>
-          <a:p>
-            <a:pPr marL="1257300" lvl="2" indent="-342900" algn="l">
+              <a:t>-app</a:t>
+            </a:r>
+          </a:p>
+          <a:p>
+            <a:pPr marL="342900" indent="-342900" algn="l">
+              <a:buFont typeface="Arial"/>
+              <a:buChar char="•"/>
+            </a:pPr>
+            <a:r>
+              <a:rPr lang="en-US" sz="2000" dirty="0" smtClean="0"/>
+              <a:t>Greater </a:t>
+            </a:r>
+            <a:r>
+              <a:rPr lang="en-US" sz="2000" dirty="0"/>
+              <a:t>reliance on dependency injection</a:t>
+            </a:r>
+          </a:p>
+          <a:p>
+            <a:pPr marL="800100" lvl="1" indent="-342900" algn="l">
               <a:buFont typeface="Arial"/>
               <a:buChar char="•"/>
             </a:pPr>
             <a:r>
               <a:rPr lang="en-US" sz="1600" dirty="0" smtClean="0"/>
-              <a:t>existing </a:t>
+              <a:t>nG2 </a:t>
             </a:r>
             <a:r>
               <a:rPr lang="en-US" sz="1600" dirty="0"/>
-              <a:t>module: </a:t>
-            </a:r>
-            <a:r>
-              <a:rPr lang="en-US" sz="1600" dirty="0" err="1"/>
-              <a:t>angular.module</a:t>
+              <a:t>only includes minimum functionality by default</a:t>
+            </a:r>
+          </a:p>
+          <a:p>
+            <a:pPr marL="800100" lvl="1" indent="-342900" algn="l">
+              <a:buFont typeface="Arial"/>
+              <a:buChar char="•"/>
+            </a:pPr>
+            <a:r>
+              <a:rPr lang="en-US" sz="1600" dirty="0" smtClean="0"/>
+              <a:t>Gotcha</a:t>
             </a:r>
             <a:r>
               <a:rPr lang="en-US" sz="1600" dirty="0"/>
-              <a:t>('</a:t>
-            </a:r>
-            <a:r>
-              <a:rPr lang="en-US" sz="1600" dirty="0" err="1"/>
-              <a:t>someModuleName</a:t>
-            </a:r>
-            <a:r>
-              <a:rPr lang="en-US" sz="1600" dirty="0"/>
-              <a:t>')</a:t>
-            </a:r>
-          </a:p>
-          <a:p>
-            <a:pPr marL="342900" indent="-342900" algn="l">
-              <a:buFont typeface="Arial"/>
-              <a:buChar char="•"/>
-            </a:pPr>
-            <a:r>
-              <a:rPr lang="en-US" sz="2400" dirty="0" smtClean="0"/>
-              <a:t>Factory </a:t>
-            </a:r>
-            <a:r>
-              <a:rPr lang="en-US" sz="2400" dirty="0"/>
-              <a:t>call: .filter('</a:t>
-            </a:r>
-            <a:r>
-              <a:rPr lang="en-US" sz="2400" dirty="0" err="1"/>
-              <a:t>thisFilterName</a:t>
-            </a:r>
-            <a:r>
-              <a:rPr lang="en-US" sz="2400" dirty="0"/>
-              <a:t>', function (text) {...})</a:t>
-            </a:r>
-          </a:p>
-          <a:p>
-            <a:pPr marL="342900" indent="-342900" algn="l">
-              <a:buFont typeface="Arial"/>
-              <a:buChar char="•"/>
-            </a:pPr>
-            <a:r>
-              <a:rPr lang="en-US" sz="2400" dirty="0" smtClean="0"/>
-              <a:t>Factory </a:t>
-            </a:r>
-            <a:r>
-              <a:rPr lang="en-US" sz="2400" dirty="0"/>
-              <a:t>function gets passed the value from when the filter was invoked</a:t>
-            </a:r>
-          </a:p>
-          <a:p>
-            <a:pPr marL="342900" indent="-342900" algn="l">
-              <a:buFont typeface="Arial"/>
-              <a:buChar char="•"/>
-            </a:pPr>
-            <a:r>
-              <a:rPr lang="en-US" sz="2400" dirty="0" smtClean="0"/>
-              <a:t>Recipe </a:t>
-            </a:r>
-            <a:r>
-              <a:rPr lang="en-US" sz="2400" dirty="0"/>
-              <a:t>only gets invoked when the filter is used in a view</a:t>
-            </a:r>
-          </a:p>
-          <a:p>
-            <a:pPr marL="342900" indent="-342900" algn="l">
-              <a:buFont typeface="Arial"/>
-              <a:buChar char="•"/>
-            </a:pPr>
-            <a:r>
-              <a:rPr lang="en-US" sz="2400" dirty="0" smtClean="0"/>
-              <a:t>Remember</a:t>
-            </a:r>
-            <a:r>
-              <a:rPr lang="en-US" sz="2400" dirty="0"/>
-              <a:t>, custom filter should follow best practices</a:t>
-            </a:r>
-          </a:p>
-          <a:p>
-            <a:pPr marL="342900" indent="-342900" algn="l">
-              <a:buFont typeface="Arial"/>
-              <a:buChar char="•"/>
-            </a:pPr>
-            <a:r>
-              <a:rPr lang="en-US" sz="2400" dirty="0" smtClean="0"/>
-              <a:t>More </a:t>
-            </a:r>
-            <a:r>
-              <a:rPr lang="en-US" sz="2400" dirty="0"/>
-              <a:t>complicated actions are better suited to directives</a:t>
-            </a:r>
-            <a:endParaRPr lang="en-US" sz="2000" dirty="0"/>
+              <a:t>: common "undefined" or "not a function" errors when you forget an import</a:t>
+            </a:r>
+            <a:endParaRPr lang="is-IS" sz="800" dirty="0"/>
           </a:p>
         </p:txBody>
       </p:sp>
     </p:spTree>
     <p:extLst>
       <p:ext uri="{BB962C8B-B14F-4D97-AF65-F5344CB8AC3E}">
-        <p14:creationId xmlns:p14="http://schemas.microsoft.com/office/powerpoint/2010/main" val="3924875010"/>
+        <p14:creationId xmlns:p14="http://schemas.microsoft.com/office/powerpoint/2010/main" val="2565676434"/>
       </p:ext>
     </p:extLst>
   </p:cSld>
   <p:clrMapOvr>
     <a:masterClrMapping/>
   </p:clrMapOvr>
+  <p:timing>
+    <p:tnLst>
+      <p:par>
+        <p:cTn xmlns:p14="http://schemas.microsoft.com/office/powerpoint/2010/main" id="1" dur="indefinite" restart="never" nodeType="tmRoot"/>
+      </p:par>
+    </p:tnLst>
+  </p:timing>
 </p:sld>
 </file>
 
@@ -4854,16 +6876,13 @@
           <a:p>
             <a:r>
               <a:rPr lang="en-US" dirty="0"/>
-              <a:t>Components (</a:t>
-            </a:r>
-            <a:r>
-              <a:rPr lang="en-US" dirty="0" err="1"/>
-              <a:t>nG</a:t>
-            </a:r>
-            <a:r>
-              <a:rPr lang="en-US" dirty="0"/>
-              <a:t> 1.5)</a:t>
-            </a:r>
+              <a:t>Advantages </a:t>
+            </a:r>
+            <a:r>
+              <a:rPr lang="en-US" dirty="0" smtClean="0"/>
+              <a:t>gained</a:t>
+            </a:r>
+            <a:endParaRPr lang="en-US" dirty="0"/>
           </a:p>
         </p:txBody>
       </p:sp>
@@ -4895,19 +6914,11 @@
             </a:pPr>
             <a:r>
               <a:rPr lang="en-US" sz="2000" dirty="0" smtClean="0"/>
-              <a:t>Transitional </a:t>
-            </a:r>
-            <a:r>
-              <a:rPr lang="en-US" sz="2000" dirty="0"/>
-              <a:t>step towards </a:t>
-            </a:r>
-            <a:r>
-              <a:rPr lang="en-US" sz="2000" dirty="0" err="1"/>
-              <a:t>nG</a:t>
-            </a:r>
-            <a:r>
-              <a:rPr lang="en-US" sz="2000" dirty="0"/>
-              <a:t> 2</a:t>
+              <a:t>Smaller</a:t>
+            </a:r>
+            <a:r>
+              <a:rPr lang="en-US" sz="2000" dirty="0"/>
+              <a:t>, more consistent API</a:t>
             </a:r>
           </a:p>
           <a:p>
@@ -4917,447 +6928,75 @@
             </a:pPr>
             <a:r>
               <a:rPr lang="en-US" sz="2000" dirty="0" smtClean="0"/>
-              <a:t>Components </a:t>
-            </a:r>
-            <a:r>
-              <a:rPr lang="en-US" sz="2000" dirty="0"/>
-              <a:t>are a subtype of directive representing a complete UI element</a:t>
-            </a:r>
-          </a:p>
-          <a:p>
-            <a:pPr marL="800100" lvl="1" indent="-342900" algn="l">
-              <a:buFont typeface="Arial"/>
-              <a:buChar char="•"/>
-            </a:pPr>
-            <a:r>
-              <a:rPr lang="en-US" sz="1600" dirty="0" smtClean="0"/>
-              <a:t>Bundles </a:t>
-            </a:r>
-            <a:r>
-              <a:rPr lang="en-US" sz="1600" dirty="0"/>
-              <a:t>together a view, a controller, and bindings in simpler recipe</a:t>
-            </a:r>
-          </a:p>
-          <a:p>
-            <a:pPr marL="800100" lvl="1" indent="-342900" algn="l">
-              <a:buFont typeface="Arial"/>
-              <a:buChar char="•"/>
-            </a:pPr>
-            <a:r>
-              <a:rPr lang="en-US" sz="1600" dirty="0" smtClean="0"/>
-              <a:t>.</a:t>
-            </a:r>
-            <a:r>
-              <a:rPr lang="en-US" sz="1600" dirty="0"/>
-              <a:t>component('</a:t>
-            </a:r>
-            <a:r>
-              <a:rPr lang="en-US" sz="1600" dirty="0" err="1"/>
-              <a:t>cmpnName</a:t>
-            </a:r>
-            <a:r>
-              <a:rPr lang="en-US" sz="1600" dirty="0"/>
-              <a:t>', _</a:t>
-            </a:r>
-            <a:r>
-              <a:rPr lang="en-US" sz="1600" dirty="0" err="1"/>
-              <a:t>componentDefinitionObject</a:t>
-            </a:r>
-            <a:r>
-              <a:rPr lang="en-US" sz="1600" dirty="0"/>
-              <a:t>)</a:t>
-            </a:r>
-          </a:p>
-          <a:p>
-            <a:pPr marL="800100" lvl="1" indent="-342900" algn="l">
-              <a:buFont typeface="Arial"/>
-              <a:buChar char="•"/>
-            </a:pPr>
-            <a:r>
-              <a:rPr lang="en-US" sz="1600" dirty="0" smtClean="0"/>
-              <a:t>Many </a:t>
-            </a:r>
-            <a:r>
-              <a:rPr lang="en-US" sz="1600" dirty="0"/>
-              <a:t>Directive options are defaulted to Component values:</a:t>
-            </a:r>
-          </a:p>
-          <a:p>
-            <a:pPr marL="1257300" lvl="2" indent="-342900" algn="l">
-              <a:buFont typeface="Arial"/>
-              <a:buChar char="•"/>
-            </a:pPr>
-            <a:r>
-              <a:rPr lang="en-US" sz="1500" dirty="0" smtClean="0"/>
-              <a:t>restricted </a:t>
-            </a:r>
-            <a:r>
-              <a:rPr lang="en-US" sz="1500" dirty="0"/>
-              <a:t>to elements</a:t>
-            </a:r>
-          </a:p>
-          <a:p>
-            <a:pPr marL="1257300" lvl="2" indent="-342900" algn="l">
-              <a:buFont typeface="Arial"/>
-              <a:buChar char="•"/>
-            </a:pPr>
-            <a:r>
-              <a:rPr lang="en-US" sz="1500" dirty="0" err="1" smtClean="0"/>
-              <a:t>transclude</a:t>
-            </a:r>
-            <a:r>
-              <a:rPr lang="en-US" sz="1500" dirty="0" smtClean="0"/>
-              <a:t> </a:t>
-            </a:r>
-            <a:r>
-              <a:rPr lang="en-US" sz="1500" dirty="0"/>
-              <a:t>false</a:t>
-            </a:r>
-          </a:p>
-          <a:p>
-            <a:pPr marL="1257300" lvl="2" indent="-342900" algn="l">
-              <a:buFont typeface="Arial"/>
-              <a:buChar char="•"/>
-            </a:pPr>
-            <a:r>
-              <a:rPr lang="it-IT" sz="1500" dirty="0" smtClean="0"/>
-              <a:t>scope </a:t>
-            </a:r>
-            <a:r>
-              <a:rPr lang="it-IT" sz="1500" dirty="0"/>
-              <a:t>isolate</a:t>
-            </a:r>
-          </a:p>
-          <a:p>
-            <a:pPr marL="1257300" lvl="2" indent="-342900" algn="l">
-              <a:buFont typeface="Arial"/>
-              <a:buChar char="•"/>
-            </a:pPr>
-            <a:r>
-              <a:rPr lang="it-IT" sz="1500" dirty="0" err="1" smtClean="0"/>
-              <a:t>controllerAs</a:t>
-            </a:r>
-            <a:r>
-              <a:rPr lang="it-IT" sz="1500" dirty="0" smtClean="0"/>
-              <a:t> </a:t>
-            </a:r>
-            <a:r>
-              <a:rPr lang="it-IT" sz="1500" dirty="0"/>
-              <a:t>$</a:t>
-            </a:r>
-            <a:r>
-              <a:rPr lang="it-IT" sz="1500" dirty="0" err="1"/>
-              <a:t>ctrl</a:t>
-            </a:r>
-            <a:endParaRPr lang="it-IT" sz="1500" dirty="0"/>
-          </a:p>
-          <a:p>
-            <a:pPr marL="800100" lvl="1" indent="-342900" algn="l">
-              <a:buFont typeface="Arial"/>
-              <a:buChar char="•"/>
-            </a:pPr>
-            <a:r>
-              <a:rPr lang="it-IT" sz="1600" dirty="0" smtClean="0"/>
-              <a:t>Continue </a:t>
-            </a:r>
-            <a:r>
-              <a:rPr lang="it-IT" sz="1600" dirty="0"/>
-              <a:t>to use </a:t>
-            </a:r>
-            <a:r>
-              <a:rPr lang="it-IT" sz="1600" dirty="0" err="1"/>
-              <a:t>Directives</a:t>
-            </a:r>
-            <a:r>
-              <a:rPr lang="it-IT" sz="1600" dirty="0"/>
-              <a:t> to </a:t>
-            </a:r>
-            <a:r>
-              <a:rPr lang="it-IT" sz="1600" dirty="0" err="1"/>
-              <a:t>add</a:t>
-            </a:r>
-            <a:r>
-              <a:rPr lang="it-IT" sz="1600" dirty="0"/>
-              <a:t> custom </a:t>
-            </a:r>
-            <a:r>
-              <a:rPr lang="it-IT" sz="1600" dirty="0" err="1" smtClean="0"/>
-              <a:t>behavior</a:t>
-            </a:r>
-            <a:r>
-              <a:rPr lang="it-IT" sz="1600" dirty="0" smtClean="0"/>
-              <a:t> </a:t>
-            </a:r>
-            <a:r>
-              <a:rPr lang="it-IT" sz="1600" dirty="0"/>
-              <a:t>to </a:t>
-            </a:r>
-            <a:r>
-              <a:rPr lang="it-IT" sz="1600" dirty="0" err="1"/>
-              <a:t>existing</a:t>
-            </a:r>
-            <a:r>
-              <a:rPr lang="it-IT" sz="1600" dirty="0"/>
-              <a:t> </a:t>
-            </a:r>
-            <a:r>
-              <a:rPr lang="it-IT" sz="1600" dirty="0" err="1"/>
-              <a:t>elements</a:t>
-            </a:r>
-            <a:endParaRPr lang="it-IT" sz="1600" dirty="0"/>
-          </a:p>
-          <a:p>
-            <a:pPr marL="342900" indent="-342900" algn="l">
-              <a:buFont typeface="Arial"/>
-              <a:buChar char="•"/>
-            </a:pPr>
-            <a:r>
-              <a:rPr lang="it-IT" sz="2000" dirty="0" err="1" smtClean="0"/>
-              <a:t>Two</a:t>
-            </a:r>
-            <a:r>
-              <a:rPr lang="it-IT" sz="2000" dirty="0" smtClean="0"/>
-              <a:t> </a:t>
-            </a:r>
-            <a:r>
-              <a:rPr lang="it-IT" sz="2000" dirty="0"/>
-              <a:t>way </a:t>
-            </a:r>
-            <a:r>
-              <a:rPr lang="it-IT" sz="2000" dirty="0" err="1"/>
-              <a:t>bindings</a:t>
-            </a:r>
-            <a:r>
-              <a:rPr lang="it-IT" sz="2000" dirty="0"/>
-              <a:t> are </a:t>
-            </a:r>
-            <a:r>
-              <a:rPr lang="it-IT" sz="2000" dirty="0" err="1"/>
-              <a:t>deprecated</a:t>
-            </a:r>
-            <a:r>
-              <a:rPr lang="it-IT" sz="2000" dirty="0"/>
-              <a:t> in 1.5 Components</a:t>
-            </a:r>
-          </a:p>
-          <a:p>
-            <a:pPr marL="800100" lvl="1" indent="-342900" algn="l">
-              <a:buFont typeface="Arial"/>
-              <a:buChar char="•"/>
-            </a:pPr>
-            <a:r>
-              <a:rPr lang="it-IT" sz="1600" dirty="0" err="1" smtClean="0"/>
-              <a:t>nG</a:t>
-            </a:r>
-            <a:r>
-              <a:rPr lang="it-IT" sz="1600" dirty="0" smtClean="0"/>
-              <a:t> </a:t>
-            </a:r>
-            <a:r>
-              <a:rPr lang="it-IT" sz="1600" dirty="0"/>
-              <a:t>2 </a:t>
-            </a:r>
-            <a:r>
-              <a:rPr lang="it-IT" sz="1600" dirty="0" err="1"/>
-              <a:t>moves</a:t>
-            </a:r>
-            <a:r>
-              <a:rPr lang="it-IT" sz="1600" dirty="0"/>
-              <a:t> </a:t>
-            </a:r>
-            <a:r>
-              <a:rPr lang="it-IT" sz="1600" dirty="0" err="1"/>
-              <a:t>away</a:t>
-            </a:r>
-            <a:r>
-              <a:rPr lang="it-IT" sz="1600" dirty="0"/>
-              <a:t> from </a:t>
-            </a:r>
-            <a:r>
-              <a:rPr lang="it-IT" sz="1600" dirty="0" err="1"/>
-              <a:t>two</a:t>
-            </a:r>
-            <a:r>
-              <a:rPr lang="it-IT" sz="1600" dirty="0"/>
-              <a:t> way </a:t>
-            </a:r>
-            <a:r>
-              <a:rPr lang="it-IT" sz="1600" dirty="0" err="1"/>
-              <a:t>binding</a:t>
-            </a:r>
-            <a:endParaRPr lang="it-IT" sz="1600" dirty="0"/>
-          </a:p>
-          <a:p>
-            <a:pPr marL="800100" lvl="1" indent="-342900" algn="l">
-              <a:buFont typeface="Arial"/>
-              <a:buChar char="•"/>
-            </a:pPr>
-            <a:r>
-              <a:rPr lang="it-IT" sz="1600" dirty="0" err="1" smtClean="0"/>
-              <a:t>They</a:t>
-            </a:r>
-            <a:r>
-              <a:rPr lang="it-IT" sz="1600" dirty="0" smtClean="0"/>
-              <a:t> </a:t>
-            </a:r>
-            <a:r>
-              <a:rPr lang="it-IT" sz="1600" dirty="0"/>
-              <a:t>cause </a:t>
-            </a:r>
-            <a:r>
-              <a:rPr lang="it-IT" sz="1600" dirty="0" err="1"/>
-              <a:t>too</a:t>
-            </a:r>
-            <a:r>
-              <a:rPr lang="it-IT" sz="1600" dirty="0"/>
-              <a:t> </a:t>
-            </a:r>
-            <a:r>
-              <a:rPr lang="it-IT" sz="1600" dirty="0" err="1"/>
-              <a:t>many</a:t>
-            </a:r>
-            <a:r>
-              <a:rPr lang="it-IT" sz="1600" dirty="0"/>
-              <a:t> </a:t>
-            </a:r>
-            <a:r>
-              <a:rPr lang="it-IT" sz="1600" dirty="0" err="1"/>
-              <a:t>issues</a:t>
-            </a:r>
-            <a:r>
-              <a:rPr lang="it-IT" sz="1600" dirty="0"/>
-              <a:t> with </a:t>
-            </a:r>
-            <a:r>
-              <a:rPr lang="it-IT" sz="1600" dirty="0" err="1"/>
-              <a:t>parent</a:t>
-            </a:r>
-            <a:r>
-              <a:rPr lang="it-IT" sz="1600" dirty="0"/>
-              <a:t> scope and </a:t>
-            </a:r>
-            <a:r>
-              <a:rPr lang="it-IT" sz="1600" dirty="0" err="1"/>
-              <a:t>prevent</a:t>
-            </a:r>
-            <a:r>
-              <a:rPr lang="it-IT" sz="1600" dirty="0"/>
-              <a:t> full </a:t>
-            </a:r>
-            <a:r>
-              <a:rPr lang="it-IT" sz="1600" dirty="0" err="1"/>
-              <a:t>separation</a:t>
-            </a:r>
-            <a:r>
-              <a:rPr lang="it-IT" sz="1600" dirty="0"/>
-              <a:t> from DOM</a:t>
-            </a:r>
-          </a:p>
-          <a:p>
-            <a:pPr marL="800100" lvl="1" indent="-342900" algn="l">
-              <a:buFont typeface="Arial"/>
-              <a:buChar char="•"/>
-            </a:pPr>
-            <a:r>
-              <a:rPr lang="it-IT" sz="1600" dirty="0" err="1" smtClean="0"/>
-              <a:t>Instead</a:t>
-            </a:r>
-            <a:r>
-              <a:rPr lang="it-IT" sz="1600" dirty="0"/>
-              <a:t>, </a:t>
-            </a:r>
-            <a:r>
-              <a:rPr lang="it-IT" sz="1600" dirty="0" err="1"/>
-              <a:t>specify</a:t>
-            </a:r>
-            <a:r>
-              <a:rPr lang="it-IT" sz="1600" dirty="0"/>
-              <a:t> </a:t>
-            </a:r>
-            <a:r>
-              <a:rPr lang="it-IT" sz="1600" dirty="0" err="1"/>
-              <a:t>one</a:t>
-            </a:r>
-            <a:r>
-              <a:rPr lang="it-IT" sz="1600" dirty="0"/>
-              <a:t>-way </a:t>
-            </a:r>
-            <a:r>
-              <a:rPr lang="it-IT" sz="1600" dirty="0" err="1"/>
-              <a:t>bind</a:t>
-            </a:r>
-            <a:r>
-              <a:rPr lang="it-IT" sz="1600" dirty="0"/>
-              <a:t> for display info</a:t>
-            </a:r>
-          </a:p>
-          <a:p>
-            <a:pPr marL="800100" lvl="1" indent="-342900" algn="l">
-              <a:buFont typeface="Arial"/>
-              <a:buChar char="•"/>
-            </a:pPr>
-            <a:r>
-              <a:rPr lang="it-IT" sz="1600" dirty="0" err="1" smtClean="0"/>
-              <a:t>Then</a:t>
-            </a:r>
-            <a:r>
-              <a:rPr lang="it-IT" sz="1600" dirty="0" smtClean="0"/>
-              <a:t> </a:t>
-            </a:r>
-            <a:r>
-              <a:rPr lang="it-IT" sz="1600" dirty="0" err="1"/>
-              <a:t>register</a:t>
-            </a:r>
-            <a:r>
-              <a:rPr lang="it-IT" sz="1600" dirty="0"/>
-              <a:t> an </a:t>
-            </a:r>
-            <a:r>
-              <a:rPr lang="it-IT" sz="1600" dirty="0" err="1"/>
-              <a:t>event</a:t>
-            </a:r>
-            <a:r>
-              <a:rPr lang="it-IT" sz="1600" dirty="0"/>
-              <a:t> </a:t>
-            </a:r>
-            <a:r>
-              <a:rPr lang="it-IT" sz="1600" dirty="0" err="1"/>
-              <a:t>handler</a:t>
-            </a:r>
-            <a:r>
-              <a:rPr lang="it-IT" sz="1600" dirty="0"/>
-              <a:t> (</a:t>
-            </a:r>
-            <a:r>
-              <a:rPr lang="it-IT" sz="1600" dirty="0" err="1"/>
-              <a:t>onChange</a:t>
-            </a:r>
-            <a:r>
-              <a:rPr lang="it-IT" sz="1600" dirty="0"/>
-              <a:t>, </a:t>
-            </a:r>
-            <a:r>
-              <a:rPr lang="it-IT" sz="1600" dirty="0" err="1"/>
-              <a:t>onDelete</a:t>
-            </a:r>
-            <a:r>
-              <a:rPr lang="it-IT" sz="1600" dirty="0"/>
-              <a:t>)</a:t>
-            </a:r>
-            <a:endParaRPr lang="en-US" sz="500" dirty="0"/>
+              <a:t>Greater </a:t>
+            </a:r>
+            <a:r>
+              <a:rPr lang="en-US" sz="2000" dirty="0"/>
+              <a:t>modularity/DI - import only what you need means smaller downloads</a:t>
+            </a:r>
+          </a:p>
+          <a:p>
+            <a:pPr marL="342900" indent="-342900" algn="l">
+              <a:buFont typeface="Arial"/>
+              <a:buChar char="•"/>
+            </a:pPr>
+            <a:r>
+              <a:rPr lang="en-US" sz="2000" dirty="0" smtClean="0"/>
+              <a:t>Greater </a:t>
+            </a:r>
+            <a:r>
+              <a:rPr lang="en-US" sz="2000" dirty="0"/>
+              <a:t>separation from DOM - testing, IDE support</a:t>
+            </a:r>
+          </a:p>
+          <a:p>
+            <a:pPr marL="342900" indent="-342900" algn="l">
+              <a:buFont typeface="Arial"/>
+              <a:buChar char="•"/>
+            </a:pPr>
+            <a:r>
+              <a:rPr lang="en-US" sz="2000" dirty="0" smtClean="0"/>
+              <a:t>Performance </a:t>
+            </a:r>
+            <a:r>
+              <a:rPr lang="en-US" sz="2000" dirty="0"/>
+              <a:t>speedups primarily due to jettisoning digest checking</a:t>
+            </a:r>
+          </a:p>
+          <a:p>
+            <a:pPr marL="342900" indent="-342900" algn="l">
+              <a:buFont typeface="Arial"/>
+              <a:buChar char="•"/>
+            </a:pPr>
+            <a:r>
+              <a:rPr lang="en-US" sz="2000" dirty="0" smtClean="0"/>
+              <a:t>Aligns </a:t>
+            </a:r>
+            <a:r>
+              <a:rPr lang="en-US" sz="2000" dirty="0"/>
+              <a:t>closer with the future of web components</a:t>
+            </a:r>
+            <a:endParaRPr lang="is-IS" sz="800" dirty="0"/>
           </a:p>
         </p:txBody>
       </p:sp>
     </p:spTree>
     <p:extLst>
       <p:ext uri="{BB962C8B-B14F-4D97-AF65-F5344CB8AC3E}">
-        <p14:creationId xmlns:p14="http://schemas.microsoft.com/office/powerpoint/2010/main" val="2762821877"/>
+        <p14:creationId xmlns:p14="http://schemas.microsoft.com/office/powerpoint/2010/main" val="2035884072"/>
       </p:ext>
     </p:extLst>
   </p:cSld>
   <p:clrMapOvr>
     <a:masterClrMapping/>
   </p:clrMapOvr>
+  <p:timing>
+    <p:tnLst>
+      <p:par>
+        <p:cTn xmlns:p14="http://schemas.microsoft.com/office/powerpoint/2010/main" id="1" dur="indefinite" restart="never" nodeType="tmRoot"/>
+      </p:par>
+    </p:tnLst>
+  </p:timing>
 </p:sld>
 </file>
 
@@ -5398,18 +7037,9 @@
           <a:bodyPr/>
           <a:lstStyle/>
           <a:p>
-            <a:pPr marL="342900" indent="-342900"/>
             <a:r>
               <a:rPr lang="en-US" dirty="0"/>
-              <a:t>Component Architecture in </a:t>
-            </a:r>
-            <a:r>
-              <a:rPr lang="en-US" dirty="0" err="1"/>
-              <a:t>nG</a:t>
-            </a:r>
-            <a:r>
-              <a:rPr lang="en-US" dirty="0"/>
-              <a:t> 2</a:t>
+              <a:t>A word of caution</a:t>
             </a:r>
           </a:p>
         </p:txBody>
@@ -5441,33 +7071,131 @@
               <a:buChar char="•"/>
             </a:pPr>
             <a:r>
-              <a:rPr lang="en-US" sz="2000" dirty="0"/>
-              <a:t>Components have everything they need to be self contained units of code</a:t>
-            </a:r>
-          </a:p>
-          <a:p>
-            <a:pPr marL="342900" indent="-342900" algn="l">
-              <a:buFont typeface="Arial"/>
-              <a:buChar char="•"/>
-            </a:pPr>
-            <a:r>
-              <a:rPr lang="en-US" sz="2000" dirty="0"/>
-              <a:t>nG2 apps should be made by composing reusable components into new features</a:t>
-            </a:r>
-            <a:endParaRPr lang="en-US" sz="1600" dirty="0"/>
-          </a:p>
-          <a:p>
-            <a:pPr marL="342900" indent="-342900" algn="l">
-              <a:buFont typeface="Arial"/>
-              <a:buChar char="•"/>
-            </a:pPr>
+              <a:rPr lang="en-US" sz="2000" dirty="0" err="1" smtClean="0"/>
+              <a:t>nG</a:t>
+            </a:r>
             <a:r>
               <a:rPr lang="en-US" sz="2000" dirty="0" smtClean="0"/>
-              <a:t>Components </a:t>
-            </a:r>
-            <a:r>
-              <a:rPr lang="en-US" sz="2000" dirty="0"/>
-              <a:t>consist of...</a:t>
+              <a:t> </a:t>
+            </a:r>
+            <a:r>
+              <a:rPr lang="en-US" sz="2000" dirty="0"/>
+              <a:t>2 </a:t>
+            </a:r>
+            <a:r>
+              <a:rPr lang="en-US" sz="2000" dirty="0" smtClean="0"/>
+              <a:t>is officially in beta. </a:t>
+            </a:r>
+            <a:r>
+              <a:rPr lang="en-US" sz="2000" dirty="0"/>
+              <a:t>What does beta mean?</a:t>
+            </a:r>
+          </a:p>
+          <a:p>
+            <a:pPr marL="342900" indent="-342900" algn="l">
+              <a:buFont typeface="Arial"/>
+              <a:buChar char="•"/>
+            </a:pPr>
+            <a:r>
+              <a:rPr lang="en-US" sz="2000" dirty="0" smtClean="0"/>
+              <a:t>"</a:t>
+            </a:r>
+            <a:r>
+              <a:rPr lang="en-US" sz="2000" dirty="0"/>
+              <a:t>we're now confident that most developers can be successful building large applications"</a:t>
+            </a:r>
+          </a:p>
+          <a:p>
+            <a:pPr marL="342900" indent="-342900" algn="l">
+              <a:buFont typeface="Arial"/>
+              <a:buChar char="•"/>
+            </a:pPr>
+            <a:r>
+              <a:rPr lang="en-US" sz="2000" dirty="0" smtClean="0"/>
+              <a:t>A </a:t>
+            </a:r>
+            <a:r>
+              <a:rPr lang="en-US" sz="2000" dirty="0"/>
+              <a:t>platform is not just its code though, also its ecosystem</a:t>
+            </a:r>
+          </a:p>
+          <a:p>
+            <a:pPr marL="342900" indent="-342900" algn="l">
+              <a:buFont typeface="Arial"/>
+              <a:buChar char="•"/>
+            </a:pPr>
+            <a:r>
+              <a:rPr lang="en-US" sz="2000" dirty="0"/>
+              <a:t>  </a:t>
+            </a:r>
+            <a:r>
+              <a:rPr lang="en-US" sz="2000" dirty="0" smtClean="0"/>
+              <a:t>Tooling </a:t>
+            </a:r>
+            <a:r>
+              <a:rPr lang="en-US" sz="2000" dirty="0"/>
+              <a:t>&amp; 3rd party library support</a:t>
+            </a:r>
+          </a:p>
+          <a:p>
+            <a:pPr marL="342900" indent="-342900" algn="l">
+              <a:buFont typeface="Arial"/>
+              <a:buChar char="•"/>
+            </a:pPr>
+            <a:r>
+              <a:rPr lang="en-US" sz="2000" dirty="0"/>
+              <a:t>  </a:t>
+            </a:r>
+            <a:r>
+              <a:rPr lang="en-US" sz="2000" dirty="0" smtClean="0"/>
+              <a:t>Documentation</a:t>
+            </a:r>
+            <a:endParaRPr lang="en-US" sz="2000" dirty="0"/>
+          </a:p>
+          <a:p>
+            <a:pPr marL="342900" indent="-342900" algn="l">
+              <a:buFont typeface="Arial"/>
+              <a:buChar char="•"/>
+            </a:pPr>
+            <a:r>
+              <a:rPr lang="en-US" sz="2000" dirty="0"/>
+              <a:t>  </a:t>
+            </a:r>
+            <a:r>
+              <a:rPr lang="en-US" sz="2000" dirty="0" smtClean="0"/>
+              <a:t>Error </a:t>
+            </a:r>
+            <a:r>
+              <a:rPr lang="en-US" sz="2000" dirty="0"/>
+              <a:t>handling messages</a:t>
+            </a:r>
+          </a:p>
+          <a:p>
+            <a:pPr marL="342900" indent="-342900" algn="l">
+              <a:buFont typeface="Arial"/>
+              <a:buChar char="•"/>
+            </a:pPr>
+            <a:r>
+              <a:rPr lang="en-US" sz="2000" dirty="0"/>
+              <a:t>  </a:t>
+            </a:r>
+            <a:r>
+              <a:rPr lang="en-US" sz="2000" dirty="0" smtClean="0"/>
+              <a:t>Community </a:t>
+            </a:r>
+            <a:r>
+              <a:rPr lang="en-US" sz="2000" dirty="0"/>
+              <a:t>support</a:t>
+            </a:r>
+          </a:p>
+          <a:p>
+            <a:pPr marL="342900" indent="-342900" algn="l">
+              <a:buFont typeface="Arial"/>
+              <a:buChar char="•"/>
+            </a:pPr>
+            <a:r>
+              <a:rPr lang="en-US" sz="2000" dirty="0" smtClean="0"/>
+              <a:t>IMO, nG2 ecosystem is not mature yet</a:t>
             </a:r>
           </a:p>
           <a:p>
@@ -5476,9 +7204,14 @@
               <a:buChar char="•"/>
             </a:pPr>
             <a:r>
+              <a:rPr lang="en-US" sz="1600" dirty="0"/>
+              <a:t>Official documentation is </a:t>
+            </a:r>
+            <a:r>
               <a:rPr lang="en-US" sz="1600" dirty="0" smtClean="0"/>
-              <a:t>A component definition object (CDO)</a:t>
-            </a:r>
+              <a:t>intentionally complete</a:t>
+            </a:r>
+            <a:endParaRPr lang="is-IS" sz="400" dirty="0"/>
           </a:p>
           <a:p>
             <a:pPr marL="800100" lvl="1" indent="-342900" algn="l">
@@ -5487,9 +7220,8 @@
             </a:pPr>
             <a:r>
               <a:rPr lang="en-US" sz="1600" dirty="0" smtClean="0"/>
-              <a:t>Template</a:t>
-            </a:r>
-            <a:endParaRPr lang="en-US" sz="1600" dirty="0"/>
+              <a:t>Many syntax changes make older articles unreliable</a:t>
+            </a:r>
           </a:p>
           <a:p>
             <a:pPr marL="800100" lvl="1" indent="-342900" algn="l">
@@ -5498,54 +7230,16 @@
             </a:pPr>
             <a:r>
               <a:rPr lang="en-US" sz="1600" dirty="0" smtClean="0"/>
-              <a:t>An </a:t>
-            </a:r>
-            <a:r>
-              <a:rPr lang="en-US" sz="1600" dirty="0"/>
-              <a:t>API to communicate outside (Input and Output props</a:t>
-            </a:r>
-            <a:r>
-              <a:rPr lang="en-US" sz="1600" dirty="0" smtClean="0"/>
-              <a:t>)</a:t>
-            </a:r>
-          </a:p>
-          <a:p>
-            <a:pPr marL="342900" indent="-342900" algn="l">
-              <a:buFont typeface="Arial"/>
-              <a:buChar char="•"/>
-            </a:pPr>
-            <a:r>
-              <a:rPr lang="en-US" sz="2000" dirty="0" smtClean="0"/>
-              <a:t>Changes</a:t>
-            </a:r>
-          </a:p>
-          <a:p>
-            <a:pPr marL="800100" lvl="1" indent="-342900" algn="l">
-              <a:buFont typeface="Arial"/>
-              <a:buChar char="•"/>
-            </a:pPr>
-            <a:r>
-              <a:rPr lang="en-US" sz="1600" dirty="0" smtClean="0"/>
-              <a:t>$scope is gone. Store data directly as properties of the CDO</a:t>
-            </a:r>
-          </a:p>
-          <a:p>
-            <a:pPr marL="800100" lvl="1" indent="-342900" algn="l">
-              <a:buFont typeface="Arial"/>
-              <a:buChar char="•"/>
-            </a:pPr>
-            <a:r>
-              <a:rPr lang="en-US" sz="1600" dirty="0" smtClean="0"/>
-              <a:t>Controllers are gone. CDO coordinates bindings between View and Model</a:t>
-            </a:r>
-            <a:endParaRPr lang="en-US" sz="1600" dirty="0"/>
+              <a:t>TSC compilation issues</a:t>
+            </a:r>
+            <a:endParaRPr lang="is-IS" sz="400" dirty="0"/>
           </a:p>
         </p:txBody>
       </p:sp>
     </p:spTree>
     <p:extLst>
       <p:ext uri="{BB962C8B-B14F-4D97-AF65-F5344CB8AC3E}">
-        <p14:creationId xmlns:p14="http://schemas.microsoft.com/office/powerpoint/2010/main" val="4200027496"/>
+        <p14:creationId xmlns:p14="http://schemas.microsoft.com/office/powerpoint/2010/main" val="3368516280"/>
       </p:ext>
     </p:extLst>
   </p:cSld>
@@ -5601,7 +7295,7 @@
           <a:p>
             <a:r>
               <a:rPr lang="en-US" dirty="0"/>
-              <a:t>New template syntax</a:t>
+              <a:t>A word of caution</a:t>
             </a:r>
           </a:p>
         </p:txBody>
@@ -5633,43 +7327,39 @@
               <a:buChar char="•"/>
             </a:pPr>
             <a:r>
+              <a:rPr lang="en-US" sz="2000" dirty="0" err="1" smtClean="0"/>
+              <a:t>nG</a:t>
+            </a:r>
+            <a:r>
               <a:rPr lang="en-US" sz="2000" dirty="0" smtClean="0"/>
-              <a:t>No </a:t>
-            </a:r>
-            <a:r>
-              <a:rPr lang="en-US" sz="2000" dirty="0"/>
-              <a:t>longer markup-based</a:t>
-            </a:r>
-          </a:p>
-          <a:p>
-            <a:pPr marL="342900" indent="-342900" algn="l">
-              <a:buFont typeface="Arial"/>
-              <a:buChar char="•"/>
-            </a:pPr>
+              <a:t> </a:t>
+            </a:r>
+            <a:r>
+              <a:rPr lang="en-US" sz="2000" dirty="0"/>
+              <a:t>2 </a:t>
+            </a:r>
             <a:r>
               <a:rPr lang="en-US" sz="2000" dirty="0" smtClean="0"/>
-              <a:t>Use </a:t>
-            </a:r>
-            <a:r>
-              <a:rPr lang="en-US" sz="2000" dirty="0"/>
-              <a:t>square bracket to bind output: [</a:t>
-            </a:r>
-            <a:r>
-              <a:rPr lang="en-US" sz="2000" dirty="0" err="1"/>
-              <a:t>ngModel</a:t>
-            </a:r>
-            <a:r>
-              <a:rPr lang="en-US" sz="2000" dirty="0"/>
-              <a:t>]="</a:t>
-            </a:r>
-            <a:r>
-              <a:rPr lang="en-US" sz="2000" dirty="0" err="1"/>
-              <a:t>editingSong.title</a:t>
-            </a:r>
-            <a:r>
-              <a:rPr lang="en-US" sz="2000" dirty="0"/>
+              <a:t>is officially in beta. </a:t>
+            </a:r>
+            <a:r>
+              <a:rPr lang="en-US" sz="2000" dirty="0"/>
+              <a:t>What does beta mean?</a:t>
+            </a:r>
+          </a:p>
+          <a:p>
+            <a:pPr marL="342900" indent="-342900" algn="l">
+              <a:buFont typeface="Arial"/>
+              <a:buChar char="•"/>
+            </a:pPr>
+            <a:r>
+              <a:rPr lang="en-US" sz="2000" dirty="0" smtClean="0"/>
               <a:t>"</a:t>
             </a:r>
+            <a:r>
+              <a:rPr lang="en-US" sz="2000" dirty="0"/>
+              <a:t>we're now confident that most developers can be successful building large applications"</a:t>
+            </a:r>
           </a:p>
           <a:p>
             <a:pPr marL="342900" indent="-342900" algn="l">
@@ -5678,67 +7368,43 @@
             </a:pPr>
             <a:r>
               <a:rPr lang="en-US" sz="2000" dirty="0" smtClean="0"/>
-              <a:t>Parenthesis </a:t>
-            </a:r>
-            <a:r>
-              <a:rPr lang="en-US" sz="2000" dirty="0"/>
-              <a:t>subscribe their target to events: (click)="</a:t>
-            </a:r>
-            <a:r>
-              <a:rPr lang="en-US" sz="2000" dirty="0" err="1"/>
-              <a:t>editSong</a:t>
-            </a:r>
-            <a:r>
-              <a:rPr lang="en-US" sz="2000" dirty="0"/>
-              <a:t>(index)"</a:t>
-            </a:r>
-          </a:p>
-          <a:p>
-            <a:pPr marL="342900" indent="-342900" algn="l">
-              <a:buFont typeface="Arial"/>
-              <a:buChar char="•"/>
-            </a:pPr>
+              <a:t>A </a:t>
+            </a:r>
+            <a:r>
+              <a:rPr lang="en-US" sz="2000" dirty="0"/>
+              <a:t>platform is not just its code though, also its ecosystem</a:t>
+            </a:r>
+          </a:p>
+          <a:p>
+            <a:pPr marL="342900" indent="-342900" algn="l">
+              <a:buFont typeface="Arial"/>
+              <a:buChar char="•"/>
+            </a:pPr>
+            <a:r>
+              <a:rPr lang="en-US" sz="2000" dirty="0"/>
+              <a:t>  </a:t>
+            </a:r>
             <a:r>
               <a:rPr lang="en-US" sz="2000" dirty="0" smtClean="0"/>
-              <a:t>For </a:t>
-            </a:r>
-            <a:r>
-              <a:rPr lang="en-US" sz="2000" dirty="0"/>
-              <a:t>forms, nest </a:t>
-            </a:r>
-            <a:r>
-              <a:rPr lang="en-US" sz="2000" dirty="0" err="1"/>
-              <a:t>parens</a:t>
-            </a:r>
-            <a:r>
-              <a:rPr lang="en-US" sz="2000" dirty="0"/>
-              <a:t> inside brackets to two-way bind</a:t>
-            </a:r>
-          </a:p>
-          <a:p>
-            <a:pPr marL="342900" indent="-342900" algn="l">
-              <a:buFont typeface="Arial"/>
-              <a:buChar char="•"/>
-            </a:pPr>
+              <a:t>Tooling </a:t>
+            </a:r>
+            <a:r>
+              <a:rPr lang="en-US" sz="2000" dirty="0"/>
+              <a:t>&amp; 3rd party library support</a:t>
+            </a:r>
+          </a:p>
+          <a:p>
+            <a:pPr marL="342900" indent="-342900" algn="l">
+              <a:buFont typeface="Arial"/>
+              <a:buChar char="•"/>
+            </a:pPr>
+            <a:r>
+              <a:rPr lang="en-US" sz="2000" dirty="0"/>
+              <a:t>  </a:t>
+            </a:r>
             <a:r>
               <a:rPr lang="en-US" sz="2000" dirty="0" smtClean="0"/>
-              <a:t>Previous </a:t>
-            </a:r>
-            <a:r>
-              <a:rPr lang="en-US" sz="2000" dirty="0"/>
-              <a:t>format </a:t>
-            </a:r>
-            <a:r>
-              <a:rPr lang="en-US" sz="2000" dirty="0" err="1"/>
-              <a:t>ng-dirname</a:t>
-            </a:r>
-            <a:r>
-              <a:rPr lang="en-US" sz="2000" dirty="0"/>
-              <a:t> now *</a:t>
-            </a:r>
-            <a:r>
-              <a:rPr lang="en-US" sz="2000" dirty="0" err="1"/>
-              <a:t>ngDirname</a:t>
+              <a:t>Documentation</a:t>
             </a:r>
             <a:endParaRPr lang="en-US" sz="2000" dirty="0"/>
           </a:p>
@@ -5748,50 +7414,44 @@
               <a:buChar char="•"/>
             </a:pPr>
             <a:r>
+              <a:rPr lang="en-US" sz="2000" dirty="0"/>
+              <a:t>  </a:t>
+            </a:r>
+            <a:r>
               <a:rPr lang="en-US" sz="2000" dirty="0" smtClean="0"/>
-              <a:t>New </a:t>
-            </a:r>
-            <a:r>
-              <a:rPr lang="en-US" sz="2000" dirty="0"/>
-              <a:t>iteration syntax "#</a:t>
-            </a:r>
-            <a:r>
-              <a:rPr lang="en-US" sz="2000" dirty="0" err="1"/>
-              <a:t>eachThing</a:t>
-            </a:r>
-            <a:r>
-              <a:rPr lang="en-US" sz="2000" dirty="0"/>
-              <a:t> of </a:t>
-            </a:r>
-            <a:r>
-              <a:rPr lang="en-US" sz="2000" dirty="0" err="1"/>
-              <a:t>thingsList</a:t>
-            </a:r>
-            <a:r>
-              <a:rPr lang="en-US" sz="2000" dirty="0"/>
-              <a:t>; #</a:t>
-            </a:r>
-            <a:r>
-              <a:rPr lang="en-US" sz="2000" dirty="0" err="1"/>
-              <a:t>i</a:t>
-            </a:r>
-            <a:r>
-              <a:rPr lang="en-US" sz="2000" dirty="0"/>
-              <a:t> = index"</a:t>
-            </a:r>
-          </a:p>
-          <a:p>
-            <a:pPr marL="342900" indent="-342900" algn="l">
-              <a:buFont typeface="Arial"/>
-              <a:buChar char="•"/>
-            </a:pPr>
+              <a:t>Error </a:t>
+            </a:r>
+            <a:r>
+              <a:rPr lang="en-US" sz="2000" dirty="0"/>
+              <a:t>handling messages</a:t>
+            </a:r>
+          </a:p>
+          <a:p>
+            <a:pPr marL="342900" indent="-342900" algn="l">
+              <a:buFont typeface="Arial"/>
+              <a:buChar char="•"/>
+            </a:pPr>
+            <a:r>
+              <a:rPr lang="en-US" sz="2000" dirty="0"/>
+              <a:t>  </a:t>
+            </a:r>
             <a:r>
               <a:rPr lang="en-US" sz="2000" dirty="0" smtClean="0"/>
-              <a:t>Reasons </a:t>
-            </a:r>
-            <a:r>
-              <a:rPr lang="en-US" sz="2000" dirty="0"/>
-              <a:t>for the changes</a:t>
+              <a:t>Community </a:t>
+            </a:r>
+            <a:r>
+              <a:rPr lang="en-US" sz="2000" dirty="0"/>
+              <a:t>support</a:t>
+            </a:r>
+          </a:p>
+          <a:p>
+            <a:pPr marL="342900" indent="-342900" algn="l">
+              <a:buFont typeface="Arial"/>
+              <a:buChar char="•"/>
+            </a:pPr>
+            <a:r>
+              <a:rPr lang="en-US" sz="2000" dirty="0" smtClean="0"/>
+              <a:t>IMO, nG2 ecosystem is not mature yet</a:t>
             </a:r>
           </a:p>
           <a:p>
@@ -5801,12 +7461,17 @@
             </a:pPr>
             <a:r>
               <a:rPr lang="en-US" sz="1600" dirty="0" smtClean="0"/>
-              <a:t>Enables </a:t>
+              <a:t>Official </a:t>
             </a:r>
             <a:r>
               <a:rPr lang="en-US" sz="1600" dirty="0"/>
-              <a:t>tons of IDE features like autocomplete and refactor</a:t>
-            </a:r>
+              <a:t>documentation is </a:t>
+            </a:r>
+            <a:r>
+              <a:rPr lang="en-US" sz="1600" dirty="0" smtClean="0"/>
+              <a:t>intentionally complete</a:t>
+            </a:r>
+            <a:endParaRPr lang="is-IS" sz="400" dirty="0"/>
           </a:p>
           <a:p>
             <a:pPr marL="800100" lvl="1" indent="-342900" algn="l">
@@ -5815,20 +7480,47 @@
             </a:pPr>
             <a:r>
               <a:rPr lang="en-US" sz="1600" dirty="0" smtClean="0"/>
-              <a:t>Makes </a:t>
-            </a:r>
-            <a:r>
-              <a:rPr lang="en-US" sz="1600" dirty="0"/>
-              <a:t>the direction of binding obvious from the markup</a:t>
-            </a:r>
-            <a:endParaRPr lang="en-US" sz="1200" dirty="0"/>
+              <a:t>Many syntax changes make older articles unreliable</a:t>
+            </a:r>
+          </a:p>
+          <a:p>
+            <a:pPr marL="800100" lvl="1" indent="-342900" algn="l">
+              <a:buFont typeface="Arial"/>
+              <a:buChar char="•"/>
+            </a:pPr>
+            <a:r>
+              <a:rPr lang="en-US" sz="1600" dirty="0" smtClean="0"/>
+              <a:t>TSC compilation issues</a:t>
+            </a:r>
+          </a:p>
+          <a:p>
+            <a:pPr marL="342900" indent="-342900" algn="l">
+              <a:buFont typeface="Arial"/>
+              <a:buChar char="•"/>
+            </a:pPr>
+            <a:r>
+              <a:rPr lang="en-US" sz="2000" dirty="0" smtClean="0"/>
+              <a:t>Proceed </a:t>
+            </a:r>
+            <a:r>
+              <a:rPr lang="en-US" sz="2000" dirty="0"/>
+              <a:t>with </a:t>
+            </a:r>
+            <a:r>
+              <a:rPr lang="en-US" sz="2000" dirty="0" smtClean="0"/>
+              <a:t>caution</a:t>
+            </a:r>
+          </a:p>
+          <a:p>
+            <a:pPr lvl="1" algn="l"/>
+            <a:endParaRPr lang="is-IS" sz="400" dirty="0"/>
           </a:p>
         </p:txBody>
       </p:sp>
     </p:spTree>
     <p:extLst>
       <p:ext uri="{BB962C8B-B14F-4D97-AF65-F5344CB8AC3E}">
-        <p14:creationId xmlns:p14="http://schemas.microsoft.com/office/powerpoint/2010/main" val="1911019148"/>
+        <p14:creationId xmlns:p14="http://schemas.microsoft.com/office/powerpoint/2010/main" val="1792213489"/>
       </p:ext>
     </p:extLst>
   </p:cSld>
@@ -5883,9 +7575,10 @@
           <a:lstStyle/>
           <a:p>
             <a:r>
-              <a:rPr lang="en-US" dirty="0"/>
-              <a:t>Pipes</a:t>
-            </a:r>
+              <a:rPr lang="en-US" dirty="0" err="1"/>
+              <a:t>TypeScript</a:t>
+            </a:r>
+            <a:endParaRPr lang="en-US" dirty="0"/>
           </a:p>
         </p:txBody>
       </p:sp>
@@ -5907,7 +7600,7 @@
         </p:spPr>
         <p:txBody>
           <a:bodyPr>
-            <a:normAutofit/>
+            <a:normAutofit lnSpcReduction="10000"/>
           </a:bodyPr>
           <a:lstStyle/>
           <a:p>
@@ -5917,29 +7610,44 @@
             </a:pPr>
             <a:r>
               <a:rPr lang="en-US" sz="2000" dirty="0" smtClean="0"/>
-              <a:t>Pipes aren’t </a:t>
-            </a:r>
-            <a:r>
-              <a:rPr lang="en-US" sz="2000" dirty="0"/>
-              <a:t>much more than a new name for filters</a:t>
-            </a:r>
-          </a:p>
-          <a:p>
-            <a:pPr marL="342900" indent="-342900" algn="l">
-              <a:buFont typeface="Arial"/>
-              <a:buChar char="•"/>
-            </a:pPr>
-            <a:r>
-              <a:rPr lang="en-US" sz="2000" dirty="0" err="1" smtClean="0"/>
-              <a:t>Async</a:t>
-            </a:r>
+              <a:t>From </a:t>
+            </a:r>
+            <a:r>
+              <a:rPr lang="en-US" sz="2000" dirty="0"/>
+              <a:t>Microsoft, a compiled superset of </a:t>
+            </a:r>
+            <a:r>
+              <a:rPr lang="en-US" sz="2000" dirty="0" err="1"/>
+              <a:t>Javascript</a:t>
+            </a:r>
+            <a:endParaRPr lang="en-US" sz="2000" dirty="0"/>
+          </a:p>
+          <a:p>
+            <a:pPr marL="342900" indent="-342900" algn="l">
+              <a:buFont typeface="Arial"/>
+              <a:buChar char="•"/>
+            </a:pPr>
             <a:r>
               <a:rPr lang="en-US" sz="2000" dirty="0" smtClean="0"/>
-              <a:t> </a:t>
-            </a:r>
-            <a:r>
-              <a:rPr lang="en-US" sz="2000" dirty="0"/>
-              <a:t>is the exception</a:t>
+              <a:t>All </a:t>
+            </a:r>
+            <a:r>
+              <a:rPr lang="en-US" sz="2000" dirty="0"/>
+              <a:t>valid JS is valid TS (theoretically - in practice often requires tweaking)</a:t>
+            </a:r>
+          </a:p>
+          <a:p>
+            <a:pPr marL="342900" indent="-342900" algn="l">
+              <a:buFont typeface="Arial"/>
+              <a:buChar char="•"/>
+            </a:pPr>
+            <a:r>
+              <a:rPr lang="en-US" sz="2000" dirty="0" smtClean="0"/>
+              <a:t>Adds </a:t>
+            </a:r>
+            <a:r>
+              <a:rPr lang="en-US" sz="2000" dirty="0"/>
+              <a:t>support for static typing</a:t>
             </a:r>
           </a:p>
           <a:p>
@@ -5949,12 +7657,25 @@
             </a:pPr>
             <a:r>
               <a:rPr lang="en-US" sz="1600" dirty="0" smtClean="0"/>
-              <a:t>Binds </a:t>
+              <a:t>Specify </a:t>
             </a:r>
             <a:r>
               <a:rPr lang="en-US" sz="1600" dirty="0"/>
-              <a:t>to the output of an Observable</a:t>
-            </a:r>
+              <a:t>type when declaring </a:t>
+            </a:r>
+            <a:r>
+              <a:rPr lang="en-US" sz="1600" dirty="0" err="1"/>
+              <a:t>vars</a:t>
+            </a:r>
+            <a:r>
+              <a:rPr lang="en-US" sz="1600" dirty="0"/>
+              <a:t>, function arguments and return values, </a:t>
+            </a:r>
+            <a:r>
+              <a:rPr lang="en-US" sz="1600" dirty="0" err="1"/>
+              <a:t>etc</a:t>
+            </a:r>
+            <a:endParaRPr lang="en-US" sz="1600" dirty="0"/>
           </a:p>
           <a:p>
             <a:pPr marL="800100" lvl="1" indent="-342900" algn="l">
@@ -5963,24 +7684,164 @@
             </a:pPr>
             <a:r>
               <a:rPr lang="en-US" sz="1600" dirty="0" smtClean="0"/>
-              <a:t>More </a:t>
+              <a:t>Describe </a:t>
             </a:r>
             <a:r>
               <a:rPr lang="en-US" sz="1600" dirty="0"/>
-              <a:t>on </a:t>
-            </a:r>
+              <a:t>custom types with a "declaration" file - describe interface</a:t>
+            </a:r>
+          </a:p>
+          <a:p>
+            <a:pPr marL="342900" indent="-342900" algn="l">
+              <a:buFont typeface="Arial"/>
+              <a:buChar char="•"/>
+            </a:pPr>
+            <a:r>
+              <a:rPr lang="en-US" sz="2000" dirty="0" smtClean="0"/>
+              <a:t>Adds </a:t>
+            </a:r>
+            <a:r>
+              <a:rPr lang="en-US" sz="2000" dirty="0"/>
+              <a:t>the common ES6 features</a:t>
+            </a:r>
+          </a:p>
+          <a:p>
+            <a:pPr marL="800100" lvl="1" indent="-342900" algn="l">
+              <a:buFont typeface="Arial"/>
+              <a:buChar char="•"/>
+            </a:pPr>
             <a:r>
               <a:rPr lang="en-US" sz="1600" dirty="0" smtClean="0"/>
-              <a:t>observables soon</a:t>
-            </a:r>
-            <a:endParaRPr lang="en-US" sz="800" dirty="0"/>
+              <a:t>arrow </a:t>
+            </a:r>
+            <a:r>
+              <a:rPr lang="en-US" sz="1600" dirty="0"/>
+              <a:t>functions, classes, modules, let keyword, Map, Promise</a:t>
+            </a:r>
+          </a:p>
+          <a:p>
+            <a:pPr marL="800100" lvl="1" indent="-342900" algn="l">
+              <a:buFont typeface="Arial"/>
+              <a:buChar char="•"/>
+            </a:pPr>
+            <a:r>
+              <a:rPr lang="en-US" sz="1600" dirty="0" smtClean="0"/>
+              <a:t>Compatibility </a:t>
+            </a:r>
+            <a:r>
+              <a:rPr lang="en-US" sz="1600" dirty="0"/>
+              <a:t>table: http://</a:t>
+            </a:r>
+            <a:r>
+              <a:rPr lang="en-US" sz="1600" dirty="0" err="1"/>
+              <a:t>kangax.github.io</a:t>
+            </a:r>
+            <a:r>
+              <a:rPr lang="en-US" sz="1600" dirty="0"/>
+              <a:t>/</a:t>
+            </a:r>
+            <a:r>
+              <a:rPr lang="en-US" sz="1600" dirty="0" err="1"/>
+              <a:t>compat</a:t>
+            </a:r>
+            <a:r>
+              <a:rPr lang="en-US" sz="1600" dirty="0"/>
+              <a:t>-table/es6/</a:t>
+            </a:r>
+          </a:p>
+          <a:p>
+            <a:pPr marL="342900" indent="-342900" algn="l">
+              <a:buFont typeface="Arial"/>
+              <a:buChar char="•"/>
+            </a:pPr>
+            <a:r>
+              <a:rPr lang="en-US" sz="2000" dirty="0" smtClean="0"/>
+              <a:t>And </a:t>
+            </a:r>
+            <a:r>
+              <a:rPr lang="en-US" sz="2000" dirty="0"/>
+              <a:t>some unique features</a:t>
+            </a:r>
+          </a:p>
+          <a:p>
+            <a:pPr marL="800100" lvl="1" indent="-342900" algn="l">
+              <a:buFont typeface="Arial"/>
+              <a:buChar char="•"/>
+            </a:pPr>
+            <a:r>
+              <a:rPr lang="en-US" sz="1600" dirty="0" smtClean="0"/>
+              <a:t>@ </a:t>
+            </a:r>
+            <a:r>
+              <a:rPr lang="en-US" sz="1600" dirty="0"/>
+              <a:t>Decorator syntax (often referred to as annotation)</a:t>
+            </a:r>
+          </a:p>
+          <a:p>
+            <a:pPr marL="800100" lvl="1" indent="-342900" algn="l">
+              <a:buFont typeface="Arial"/>
+              <a:buChar char="•"/>
+            </a:pPr>
+            <a:r>
+              <a:rPr lang="en-US" sz="1600" dirty="0" smtClean="0"/>
+              <a:t>inline </a:t>
+            </a:r>
+            <a:r>
+              <a:rPr lang="en-US" sz="1600" dirty="0"/>
+              <a:t>variable type specification</a:t>
+            </a:r>
+          </a:p>
+          <a:p>
+            <a:pPr marL="342900" indent="-342900" algn="l">
+              <a:buFont typeface="Arial"/>
+              <a:buChar char="•"/>
+            </a:pPr>
+            <a:r>
+              <a:rPr lang="en-US" sz="2000" dirty="0" smtClean="0"/>
+              <a:t>Tutorial</a:t>
+            </a:r>
+            <a:r>
+              <a:rPr lang="en-US" sz="2000" dirty="0"/>
+              <a:t>: https://</a:t>
+            </a:r>
+            <a:r>
+              <a:rPr lang="en-US" sz="2000" dirty="0" err="1"/>
+              <a:t>johnpapa.net</a:t>
+            </a:r>
+            <a:r>
+              <a:rPr lang="en-US" sz="2000" dirty="0"/>
+              <a:t>/typescriptpost1/</a:t>
+            </a:r>
+          </a:p>
+          <a:p>
+            <a:pPr marL="342900" indent="-342900" algn="l">
+              <a:buFont typeface="Arial"/>
+              <a:buChar char="•"/>
+            </a:pPr>
+            <a:r>
+              <a:rPr lang="en-US" sz="2000" dirty="0" smtClean="0"/>
+              <a:t>Quick </a:t>
+            </a:r>
+            <a:r>
+              <a:rPr lang="en-US" sz="2000" dirty="0"/>
+              <a:t>syntax reference: https://</a:t>
+            </a:r>
+            <a:r>
+              <a:rPr lang="en-US" sz="2000" dirty="0" err="1"/>
+              <a:t>quizlet.com</a:t>
+            </a:r>
+            <a:r>
+              <a:rPr lang="en-US" sz="2000" dirty="0"/>
+              <a:t>/134674527/typescript-syntax-flash-cards/</a:t>
+            </a:r>
+            <a:endParaRPr lang="is-IS" sz="400" dirty="0"/>
           </a:p>
         </p:txBody>
       </p:sp>
     </p:spTree>
     <p:extLst>
       <p:ext uri="{BB962C8B-B14F-4D97-AF65-F5344CB8AC3E}">
-        <p14:creationId xmlns:p14="http://schemas.microsoft.com/office/powerpoint/2010/main" val="1772659482"/>
+        <p14:creationId xmlns:p14="http://schemas.microsoft.com/office/powerpoint/2010/main" val="3428431741"/>
       </p:ext>
     </p:extLst>
   </p:cSld>
@@ -6036,7 +7897,7 @@
           <a:p>
             <a:r>
               <a:rPr lang="en-US" dirty="0"/>
-              <a:t>nG2 Migration Strategy</a:t>
+              <a:t>Lab: Get started with Angular 2</a:t>
             </a:r>
           </a:p>
         </p:txBody>
@@ -6069,120 +7930,154 @@
             </a:pPr>
             <a:r>
               <a:rPr lang="en-US" sz="2000" dirty="0" smtClean="0"/>
-              <a:t>Component</a:t>
-            </a:r>
-            <a:r>
-              <a:rPr lang="en-US" sz="2000" dirty="0"/>
-              <a:t>-based architecture can be implemented using nG1.5 Components</a:t>
-            </a:r>
-          </a:p>
-          <a:p>
-            <a:pPr marL="342900" indent="-342900" algn="l">
-              <a:buFont typeface="Arial"/>
-              <a:buChar char="•"/>
-            </a:pPr>
+              <a:t>Component </a:t>
+            </a:r>
+            <a:r>
+              <a:rPr lang="en-US" sz="2000" dirty="0"/>
+              <a:t>always specifies at least one template (</a:t>
+            </a:r>
+            <a:r>
+              <a:rPr lang="en-US" sz="2000" dirty="0" err="1"/>
+              <a:t>mulitple</a:t>
+            </a:r>
+            <a:r>
+              <a:rPr lang="en-US" sz="2000" dirty="0"/>
+              <a:t> based on media query)</a:t>
+            </a:r>
+          </a:p>
+          <a:p>
+            <a:pPr marL="342900" indent="-342900" algn="l">
+              <a:buFont typeface="Arial"/>
+              <a:buChar char="•"/>
+            </a:pPr>
+            <a:r>
+              <a:rPr lang="en-US" sz="2000" dirty="0"/>
+              <a:t>  </a:t>
+            </a:r>
             <a:r>
               <a:rPr lang="en-US" sz="2000" dirty="0" smtClean="0"/>
-              <a:t>nG1.5 </a:t>
-            </a:r>
-            <a:r>
-              <a:rPr lang="en-US" sz="2000" dirty="0"/>
-              <a:t>app following component pattern should convert relatively easily</a:t>
-            </a:r>
-          </a:p>
-          <a:p>
-            <a:pPr marL="800100" lvl="1" indent="-342900" algn="l">
-              <a:buFont typeface="Arial"/>
-              <a:buChar char="•"/>
-            </a:pPr>
-            <a:r>
-              <a:rPr lang="en-US" sz="1600" dirty="0" smtClean="0"/>
-              <a:t>Template </a:t>
-            </a:r>
-            <a:r>
-              <a:rPr lang="en-US" sz="1600" dirty="0"/>
-              <a:t>syntax conversion is straightforward</a:t>
-            </a:r>
-          </a:p>
-          <a:p>
-            <a:pPr marL="800100" lvl="1" indent="-342900" algn="l">
-              <a:buFont typeface="Arial"/>
-              <a:buChar char="•"/>
-            </a:pPr>
-            <a:r>
-              <a:rPr lang="en-US" sz="1600" dirty="0" smtClean="0"/>
-              <a:t>Component </a:t>
-            </a:r>
-            <a:r>
-              <a:rPr lang="en-US" sz="1600" dirty="0"/>
-              <a:t>syntax cant be converted, but design pattern stays comparable</a:t>
-            </a:r>
-          </a:p>
-          <a:p>
-            <a:pPr marL="800100" lvl="1" indent="-342900" algn="l">
-              <a:buFont typeface="Arial"/>
-              <a:buChar char="•"/>
-            </a:pPr>
-            <a:r>
-              <a:rPr lang="en-US" sz="1600" dirty="0" smtClean="0"/>
-              <a:t>Many </a:t>
-            </a:r>
-            <a:r>
-              <a:rPr lang="en-US" sz="1600" dirty="0"/>
-              <a:t>functions will be </a:t>
-            </a:r>
-            <a:r>
-              <a:rPr lang="en-US" sz="1600" dirty="0" err="1"/>
-              <a:t>copypasteable</a:t>
-            </a:r>
-            <a:r>
-              <a:rPr lang="en-US" sz="1600" dirty="0"/>
-              <a:t>, or small tweaks</a:t>
-            </a:r>
-          </a:p>
-          <a:p>
-            <a:pPr marL="800100" lvl="1" indent="-342900" algn="l">
-              <a:buFont typeface="Arial"/>
-              <a:buChar char="•"/>
-            </a:pPr>
-            <a:r>
-              <a:rPr lang="en-US" sz="1600" dirty="0" smtClean="0"/>
-              <a:t>Services </a:t>
-            </a:r>
-            <a:r>
-              <a:rPr lang="en-US" sz="1600" dirty="0" err="1"/>
-              <a:t>dont</a:t>
-            </a:r>
-            <a:r>
-              <a:rPr lang="en-US" sz="1600" dirty="0"/>
-              <a:t> change much</a:t>
-            </a:r>
-          </a:p>
-          <a:p>
-            <a:pPr marL="342900" indent="-342900" algn="l">
-              <a:buFont typeface="Arial"/>
-              <a:buChar char="•"/>
-            </a:pPr>
+              <a:t>New </a:t>
+            </a:r>
+            <a:r>
+              <a:rPr lang="en-US" sz="2000" dirty="0"/>
+              <a:t>template syntax</a:t>
+            </a:r>
+          </a:p>
+          <a:p>
+            <a:pPr marL="342900" indent="-342900" algn="l">
+              <a:buFont typeface="Arial"/>
+              <a:buChar char="•"/>
+            </a:pPr>
+            <a:r>
+              <a:rPr lang="en-US" sz="2000" dirty="0"/>
+              <a:t>  </a:t>
+            </a:r>
             <a:r>
               <a:rPr lang="en-US" sz="2000" dirty="0" smtClean="0"/>
-              <a:t>&lt;</a:t>
-            </a:r>
-            <a:r>
-              <a:rPr lang="en-US" sz="2000" dirty="0"/>
-              <a:t>1.5 apps not following component style will </a:t>
+              <a:t>ES6 </a:t>
+            </a:r>
+            <a:r>
+              <a:rPr lang="en-US" sz="2000" dirty="0"/>
+              <a:t>Class with constructor replaces Controller</a:t>
+            </a:r>
+          </a:p>
+          <a:p>
+            <a:pPr marL="342900" indent="-342900" algn="l">
+              <a:buFont typeface="Arial"/>
+              <a:buChar char="•"/>
+            </a:pPr>
+            <a:r>
+              <a:rPr lang="en-US" sz="2000" dirty="0"/>
+              <a:t>  </a:t>
             </a:r>
             <a:r>
               <a:rPr lang="en-US" sz="2000" dirty="0" smtClean="0"/>
-              <a:t>require more rewriting</a:t>
-            </a:r>
-            <a:endParaRPr lang="en-US" sz="800" dirty="0"/>
+              <a:t>Scope </a:t>
+            </a:r>
+            <a:r>
+              <a:rPr lang="en-US" sz="2000" dirty="0"/>
+              <a:t>is gone - properties of the ES6 Class now represent Component data</a:t>
+            </a:r>
+          </a:p>
+          <a:p>
+            <a:pPr marL="342900" indent="-342900" algn="l">
+              <a:buFont typeface="Arial"/>
+              <a:buChar char="•"/>
+            </a:pPr>
+            <a:r>
+              <a:rPr lang="en-US" sz="2000" dirty="0"/>
+              <a:t>  </a:t>
+            </a:r>
+            <a:r>
+              <a:rPr lang="en-US" sz="2000" dirty="0" smtClean="0"/>
+              <a:t>Input </a:t>
+            </a:r>
+            <a:r>
+              <a:rPr lang="en-US" sz="2000" dirty="0"/>
+              <a:t>and Output properties</a:t>
+            </a:r>
+          </a:p>
+          <a:p>
+            <a:pPr marL="342900" indent="-342900" algn="l">
+              <a:buFont typeface="Arial"/>
+              <a:buChar char="•"/>
+            </a:pPr>
+            <a:r>
+              <a:rPr lang="en-US" sz="2000" dirty="0"/>
+              <a:t>    </a:t>
+            </a:r>
+            <a:r>
+              <a:rPr lang="en-US" sz="2000" dirty="0" smtClean="0"/>
+              <a:t>Public </a:t>
+            </a:r>
+            <a:r>
+              <a:rPr lang="en-US" sz="2000" dirty="0"/>
+              <a:t>API of the Component</a:t>
+            </a:r>
+          </a:p>
+          <a:p>
+            <a:pPr marL="342900" indent="-342900" algn="l">
+              <a:buFont typeface="Arial"/>
+              <a:buChar char="•"/>
+            </a:pPr>
+            <a:r>
+              <a:rPr lang="en-US" sz="2000" dirty="0"/>
+              <a:t>    </a:t>
+            </a:r>
+            <a:r>
+              <a:rPr lang="en-US" sz="2000" dirty="0" smtClean="0"/>
+              <a:t>Binding </a:t>
+            </a:r>
+            <a:r>
+              <a:rPr lang="en-US" sz="2000" dirty="0"/>
+              <a:t>to Inputs remains familiar</a:t>
+            </a:r>
+          </a:p>
+          <a:p>
+            <a:pPr marL="342900" indent="-342900" algn="l">
+              <a:buFont typeface="Arial"/>
+              <a:buChar char="•"/>
+            </a:pPr>
+            <a:r>
+              <a:rPr lang="en-US" sz="2000" dirty="0"/>
+              <a:t>    </a:t>
+            </a:r>
+            <a:r>
+              <a:rPr lang="en-US" sz="2000" dirty="0" smtClean="0"/>
+              <a:t>Subscribe </a:t>
+            </a:r>
+            <a:r>
+              <a:rPr lang="en-US" sz="2000" dirty="0"/>
+              <a:t>to events for Output</a:t>
+            </a:r>
+            <a:endParaRPr lang="is-IS" sz="1600" dirty="0"/>
           </a:p>
         </p:txBody>
       </p:sp>
     </p:spTree>
     <p:extLst>
       <p:ext uri="{BB962C8B-B14F-4D97-AF65-F5344CB8AC3E}">
-        <p14:creationId xmlns:p14="http://schemas.microsoft.com/office/powerpoint/2010/main" val="3844937598"/>
+        <p14:creationId xmlns:p14="http://schemas.microsoft.com/office/powerpoint/2010/main" val="627062176"/>
       </p:ext>
     </p:extLst>
   </p:cSld>

--- a/slides/Angular Slides Day 3.pptx
+++ b/slides/Angular Slides Day 3.pptx
@@ -3196,6 +3196,13 @@
   <p:clrMapOvr>
     <a:masterClrMapping/>
   </p:clrMapOvr>
+  <p:timing>
+    <p:tnLst>
+      <p:par>
+        <p:cTn xmlns:p14="http://schemas.microsoft.com/office/powerpoint/2010/main" id="1" dur="indefinite" restart="never" nodeType="tmRoot"/>
+      </p:par>
+    </p:tnLst>
+  </p:timing>
 </p:sld>
 </file>
 
@@ -3303,14 +3310,14 @@
               <a:t>ui</a:t>
             </a:r>
             <a:r>
-              <a:rPr lang="en-US"/>
+              <a:rPr lang="en-US" dirty="0"/>
               <a:t>-</a:t>
             </a:r>
             <a:r>
-              <a:rPr lang="en-US" smtClean="0"/>
+              <a:rPr lang="en-US" dirty="0" smtClean="0"/>
               <a:t>router</a:t>
             </a:r>
-            <a:endParaRPr lang="en-US" dirty="0"/>
+            <a:endParaRPr lang="en-US" dirty="0" smtClean="0"/>
           </a:p>
           <a:p>
             <a:pPr marL="457200" indent="-457200" algn="l">
@@ -3318,8 +3325,12 @@
               <a:buChar char="•"/>
             </a:pPr>
             <a:r>
+              <a:rPr lang="en-US" dirty="0" smtClean="0"/>
+              <a:t>Unit </a:t>
+            </a:r>
+            <a:r>
               <a:rPr lang="en-US" dirty="0"/>
-              <a:t>Unit testing with </a:t>
+              <a:t>testing with </a:t>
             </a:r>
             <a:r>
               <a:rPr lang="en-US" dirty="0" smtClean="0"/>
@@ -3339,6 +3350,13 @@
   <p:clrMapOvr>
     <a:masterClrMapping/>
   </p:clrMapOvr>
+  <p:timing>
+    <p:tnLst>
+      <p:par>
+        <p:cTn xmlns:p14="http://schemas.microsoft.com/office/powerpoint/2010/main" id="1" dur="indefinite" restart="never" nodeType="tmRoot"/>
+      </p:par>
+    </p:tnLst>
+  </p:timing>
 </p:sld>
 </file>
 
@@ -3581,6 +3599,13 @@
   <p:clrMapOvr>
     <a:masterClrMapping/>
   </p:clrMapOvr>
+  <p:timing>
+    <p:tnLst>
+      <p:par>
+        <p:cTn xmlns:p14="http://schemas.microsoft.com/office/powerpoint/2010/main" id="1" dur="indefinite" restart="never" nodeType="tmRoot"/>
+      </p:par>
+    </p:tnLst>
+  </p:timing>
 </p:sld>
 </file>
 
@@ -3729,6 +3754,13 @@
   <p:clrMapOvr>
     <a:masterClrMapping/>
   </p:clrMapOvr>
+  <p:timing>
+    <p:tnLst>
+      <p:par>
+        <p:cTn xmlns:p14="http://schemas.microsoft.com/office/powerpoint/2010/main" id="1" dur="indefinite" restart="never" nodeType="tmRoot"/>
+      </p:par>
+    </p:tnLst>
+  </p:timing>
 </p:sld>
 </file>
 
@@ -3879,6 +3911,13 @@
   <p:clrMapOvr>
     <a:masterClrMapping/>
   </p:clrMapOvr>
+  <p:timing>
+    <p:tnLst>
+      <p:par>
+        <p:cTn xmlns:p14="http://schemas.microsoft.com/office/powerpoint/2010/main" id="1" dur="indefinite" restart="never" nodeType="tmRoot"/>
+      </p:par>
+    </p:tnLst>
+  </p:timing>
 </p:sld>
 </file>
 
@@ -4094,6 +4133,13 @@
   <p:clrMapOvr>
     <a:masterClrMapping/>
   </p:clrMapOvr>
+  <p:timing>
+    <p:tnLst>
+      <p:par>
+        <p:cTn xmlns:p14="http://schemas.microsoft.com/office/powerpoint/2010/main" id="1" dur="indefinite" restart="never" nodeType="tmRoot"/>
+      </p:par>
+    </p:tnLst>
+  </p:timing>
 </p:sld>
 </file>
 
@@ -4339,6 +4385,13 @@
   <p:clrMapOvr>
     <a:masterClrMapping/>
   </p:clrMapOvr>
+  <p:timing>
+    <p:tnLst>
+      <p:par>
+        <p:cTn xmlns:p14="http://schemas.microsoft.com/office/powerpoint/2010/main" id="1" dur="indefinite" restart="never" nodeType="tmRoot"/>
+      </p:par>
+    </p:tnLst>
+  </p:timing>
 </p:sld>
 </file>
 
